--- a/Java자료구조2.pptx
+++ b/Java자료구조2.pptx
@@ -33,6 +33,11 @@
     <p:sldId id="281" r:id="rId27"/>
     <p:sldId id="282" r:id="rId28"/>
     <p:sldId id="283" r:id="rId29"/>
+    <p:sldId id="284" r:id="rId30"/>
+    <p:sldId id="285" r:id="rId31"/>
+    <p:sldId id="286" r:id="rId32"/>
+    <p:sldId id="287" r:id="rId33"/>
+    <p:sldId id="288" r:id="rId34"/>
   </p:sldIdLst>
   <p:sldSz cx="9144000" cy="6858000" type="screen4x3"/>
   <p:notesSz cx="6858000" cy="9144000"/>
@@ -22970,7 +22975,7 @@
           <a:p>
             <a:r>
               <a:rPr lang="en-US" altLang="ko-KR" dirty="0" smtClean="0"/>
-              <a:t>2step) </a:t>
+              <a:t>4step) </a:t>
             </a:r>
             <a:r>
               <a:rPr lang="en-US" altLang="ko-KR" dirty="0" err="1" smtClean="0"/>
@@ -24466,6 +24471,1832 @@
               <a:srgbClr val="FF0000"/>
             </a:solidFill>
             <a:tailEnd type="arrow"/>
+          </a:ln>
+        </p:spPr>
+        <p:style>
+          <a:lnRef idx="1">
+            <a:schemeClr val="accent1"/>
+          </a:lnRef>
+          <a:fillRef idx="0">
+            <a:schemeClr val="accent1"/>
+          </a:fillRef>
+          <a:effectRef idx="0">
+            <a:schemeClr val="accent1"/>
+          </a:effectRef>
+          <a:fontRef idx="minor">
+            <a:schemeClr val="tx1"/>
+          </a:fontRef>
+        </p:style>
+      </p:cxnSp>
+    </p:spTree>
+  </p:cSld>
+  <p:clrMapOvr>
+    <a:masterClrMapping/>
+  </p:clrMapOvr>
+</p:sld>
+</file>
+
+<file path=ppt/slides/slide29.xml><?xml version="1.0" encoding="utf-8"?>
+<p:sld xmlns:a="http://schemas.openxmlformats.org/drawingml/2006/main" xmlns:r="http://schemas.openxmlformats.org/officeDocument/2006/relationships" xmlns:p="http://schemas.openxmlformats.org/presentationml/2006/main">
+  <p:cSld>
+    <p:spTree>
+      <p:nvGrpSpPr>
+        <p:cNvPr id="1" name=""/>
+        <p:cNvGrpSpPr/>
+        <p:nvPr/>
+      </p:nvGrpSpPr>
+      <p:grpSpPr>
+        <a:xfrm>
+          <a:off x="0" y="0"/>
+          <a:ext cx="0" cy="0"/>
+          <a:chOff x="0" y="0"/>
+          <a:chExt cx="0" cy="0"/>
+        </a:xfrm>
+      </p:grpSpPr>
+      <p:sp>
+        <p:nvSpPr>
+          <p:cNvPr id="5" name="TextBox 4"/>
+          <p:cNvSpPr txBox="1"/>
+          <p:nvPr/>
+        </p:nvSpPr>
+        <p:spPr>
+          <a:xfrm>
+            <a:off x="251520" y="260648"/>
+            <a:ext cx="5976664" cy="400110"/>
+          </a:xfrm>
+          <a:prstGeom prst="rect">
+            <a:avLst/>
+          </a:prstGeom>
+          <a:noFill/>
+        </p:spPr>
+        <p:txBody>
+          <a:bodyPr wrap="square" rtlCol="0">
+            <a:spAutoFit/>
+          </a:bodyPr>
+          <a:lstStyle/>
+          <a:p>
+            <a:r>
+              <a:rPr lang="ko-KR" altLang="en-US" sz="2000" b="1" dirty="0" smtClean="0"/>
+              <a:t>자료구조 </a:t>
+            </a:r>
+            <a:r>
+              <a:rPr lang="en-US" altLang="ko-KR" sz="2000" b="1" dirty="0" smtClean="0"/>
+              <a:t>2</a:t>
+            </a:r>
+            <a:r>
+              <a:rPr lang="ko-KR" altLang="en-US" sz="2000" b="1" dirty="0" smtClean="0"/>
+              <a:t>일차</a:t>
+            </a:r>
+            <a:r>
+              <a:rPr lang="en-US" altLang="ko-KR" sz="2000" b="1" dirty="0" smtClean="0"/>
+              <a:t>(</a:t>
+            </a:r>
+            <a:r>
+              <a:rPr lang="ko-KR" altLang="en-US" sz="2000" b="1" dirty="0" smtClean="0"/>
+              <a:t>연결리스트</a:t>
+            </a:r>
+            <a:r>
+              <a:rPr lang="en-US" altLang="ko-KR" sz="2000" b="1" dirty="0" smtClean="0"/>
+              <a:t>)</a:t>
+            </a:r>
+            <a:endParaRPr lang="ko-KR" altLang="en-US" sz="2000" b="1" dirty="0"/>
+          </a:p>
+        </p:txBody>
+      </p:sp>
+      <p:sp>
+        <p:nvSpPr>
+          <p:cNvPr id="38" name="직사각형 37"/>
+          <p:cNvSpPr/>
+          <p:nvPr/>
+        </p:nvSpPr>
+        <p:spPr>
+          <a:xfrm>
+            <a:off x="611560" y="836712"/>
+            <a:ext cx="2147639" cy="369332"/>
+          </a:xfrm>
+          <a:prstGeom prst="rect">
+            <a:avLst/>
+          </a:prstGeom>
+        </p:spPr>
+        <p:txBody>
+          <a:bodyPr wrap="none">
+            <a:spAutoFit/>
+          </a:bodyPr>
+          <a:lstStyle/>
+          <a:p>
+            <a:r>
+              <a:rPr lang="en-US" altLang="ko-KR" dirty="0" smtClean="0"/>
+              <a:t>5step) </a:t>
+            </a:r>
+            <a:r>
+              <a:rPr lang="en-US" altLang="ko-KR" dirty="0" err="1" smtClean="0"/>
+              <a:t>front_delete</a:t>
+            </a:r>
+            <a:endParaRPr lang="en-US" altLang="ko-KR" dirty="0" smtClean="0"/>
+          </a:p>
+        </p:txBody>
+      </p:sp>
+      <p:sp>
+        <p:nvSpPr>
+          <p:cNvPr id="23" name="직사각형 22"/>
+          <p:cNvSpPr/>
+          <p:nvPr/>
+        </p:nvSpPr>
+        <p:spPr>
+          <a:xfrm>
+            <a:off x="179512" y="5013176"/>
+            <a:ext cx="1043608" cy="360040"/>
+          </a:xfrm>
+          <a:prstGeom prst="rect">
+            <a:avLst/>
+          </a:prstGeom>
+        </p:spPr>
+        <p:style>
+          <a:lnRef idx="2">
+            <a:schemeClr val="accent1">
+              <a:shade val="50000"/>
+            </a:schemeClr>
+          </a:lnRef>
+          <a:fillRef idx="1">
+            <a:schemeClr val="accent1"/>
+          </a:fillRef>
+          <a:effectRef idx="0">
+            <a:schemeClr val="accent1"/>
+          </a:effectRef>
+          <a:fontRef idx="minor">
+            <a:schemeClr val="lt1"/>
+          </a:fontRef>
+        </p:style>
+        <p:txBody>
+          <a:bodyPr rtlCol="0" anchor="ctr"/>
+          <a:lstStyle/>
+          <a:p>
+            <a:pPr algn="ctr"/>
+            <a:r>
+              <a:rPr lang="en-US" altLang="ko-KR" dirty="0" smtClean="0"/>
+              <a:t>head</a:t>
+            </a:r>
+            <a:endParaRPr lang="ko-KR" altLang="en-US" dirty="0"/>
+          </a:p>
+        </p:txBody>
+      </p:sp>
+      <p:sp>
+        <p:nvSpPr>
+          <p:cNvPr id="24" name="직사각형 23"/>
+          <p:cNvSpPr/>
+          <p:nvPr/>
+        </p:nvSpPr>
+        <p:spPr>
+          <a:xfrm>
+            <a:off x="179512" y="5373216"/>
+            <a:ext cx="1043608" cy="360040"/>
+          </a:xfrm>
+          <a:prstGeom prst="rect">
+            <a:avLst/>
+          </a:prstGeom>
+        </p:spPr>
+        <p:style>
+          <a:lnRef idx="2">
+            <a:schemeClr val="accent1">
+              <a:shade val="50000"/>
+            </a:schemeClr>
+          </a:lnRef>
+          <a:fillRef idx="1">
+            <a:schemeClr val="accent1"/>
+          </a:fillRef>
+          <a:effectRef idx="0">
+            <a:schemeClr val="accent1"/>
+          </a:effectRef>
+          <a:fontRef idx="minor">
+            <a:schemeClr val="lt1"/>
+          </a:fontRef>
+        </p:style>
+        <p:txBody>
+          <a:bodyPr rtlCol="0" anchor="ctr"/>
+          <a:lstStyle/>
+          <a:p>
+            <a:pPr algn="ctr"/>
+            <a:r>
+              <a:rPr lang="en-US" altLang="ko-KR" dirty="0" smtClean="0"/>
+              <a:t>count</a:t>
+            </a:r>
+            <a:endParaRPr lang="ko-KR" altLang="en-US" dirty="0"/>
+          </a:p>
+        </p:txBody>
+      </p:sp>
+      <p:sp>
+        <p:nvSpPr>
+          <p:cNvPr id="25" name="직사각형 24"/>
+          <p:cNvSpPr/>
+          <p:nvPr/>
+        </p:nvSpPr>
+        <p:spPr>
+          <a:xfrm>
+            <a:off x="1187624" y="5013176"/>
+            <a:ext cx="1043608" cy="360040"/>
+          </a:xfrm>
+          <a:prstGeom prst="rect">
+            <a:avLst/>
+          </a:prstGeom>
+          <a:solidFill>
+            <a:schemeClr val="accent3">
+              <a:lumMod val="40000"/>
+              <a:lumOff val="60000"/>
+            </a:schemeClr>
+          </a:solidFill>
+        </p:spPr>
+        <p:style>
+          <a:lnRef idx="2">
+            <a:schemeClr val="accent1">
+              <a:shade val="50000"/>
+            </a:schemeClr>
+          </a:lnRef>
+          <a:fillRef idx="1">
+            <a:schemeClr val="accent1"/>
+          </a:fillRef>
+          <a:effectRef idx="0">
+            <a:schemeClr val="accent1"/>
+          </a:effectRef>
+          <a:fontRef idx="minor">
+            <a:schemeClr val="lt1"/>
+          </a:fontRef>
+        </p:style>
+        <p:txBody>
+          <a:bodyPr rtlCol="0" anchor="ctr"/>
+          <a:lstStyle/>
+          <a:p>
+            <a:pPr algn="ctr"/>
+            <a:endParaRPr lang="ko-KR" altLang="en-US" dirty="0"/>
+          </a:p>
+        </p:txBody>
+      </p:sp>
+      <p:sp>
+        <p:nvSpPr>
+          <p:cNvPr id="26" name="직사각형 25"/>
+          <p:cNvSpPr/>
+          <p:nvPr/>
+        </p:nvSpPr>
+        <p:spPr>
+          <a:xfrm>
+            <a:off x="1187624" y="5373216"/>
+            <a:ext cx="1043608" cy="360040"/>
+          </a:xfrm>
+          <a:prstGeom prst="rect">
+            <a:avLst/>
+          </a:prstGeom>
+        </p:spPr>
+        <p:style>
+          <a:lnRef idx="2">
+            <a:schemeClr val="accent1">
+              <a:shade val="50000"/>
+            </a:schemeClr>
+          </a:lnRef>
+          <a:fillRef idx="1">
+            <a:schemeClr val="accent1"/>
+          </a:fillRef>
+          <a:effectRef idx="0">
+            <a:schemeClr val="accent1"/>
+          </a:effectRef>
+          <a:fontRef idx="minor">
+            <a:schemeClr val="lt1"/>
+          </a:fontRef>
+        </p:style>
+        <p:txBody>
+          <a:bodyPr rtlCol="0" anchor="ctr"/>
+          <a:lstStyle/>
+          <a:p>
+            <a:pPr algn="ctr"/>
+            <a:r>
+              <a:rPr lang="en-US" altLang="ko-KR" dirty="0" smtClean="0"/>
+              <a:t>0</a:t>
+            </a:r>
+            <a:endParaRPr lang="ko-KR" altLang="en-US" dirty="0"/>
+          </a:p>
+        </p:txBody>
+      </p:sp>
+      <p:cxnSp>
+        <p:nvCxnSpPr>
+          <p:cNvPr id="35" name="직선 화살표 연결선 34"/>
+          <p:cNvCxnSpPr>
+            <a:endCxn id="39" idx="1"/>
+          </p:cNvCxnSpPr>
+          <p:nvPr/>
+        </p:nvCxnSpPr>
+        <p:spPr>
+          <a:xfrm>
+            <a:off x="3959424" y="5157192"/>
+            <a:ext cx="648072" cy="36004"/>
+          </a:xfrm>
+          <a:prstGeom prst="straightConnector1">
+            <a:avLst/>
+          </a:prstGeom>
+          <a:ln w="25400">
+            <a:solidFill>
+              <a:srgbClr val="FF0000"/>
+            </a:solidFill>
+            <a:tailEnd type="arrow"/>
+          </a:ln>
+        </p:spPr>
+        <p:style>
+          <a:lnRef idx="1">
+            <a:schemeClr val="accent1"/>
+          </a:lnRef>
+          <a:fillRef idx="0">
+            <a:schemeClr val="accent1"/>
+          </a:fillRef>
+          <a:effectRef idx="0">
+            <a:schemeClr val="accent1"/>
+          </a:effectRef>
+          <a:fontRef idx="minor">
+            <a:schemeClr val="tx1"/>
+          </a:fontRef>
+        </p:style>
+      </p:cxnSp>
+      <p:sp>
+        <p:nvSpPr>
+          <p:cNvPr id="36" name="직사각형 35"/>
+          <p:cNvSpPr/>
+          <p:nvPr/>
+        </p:nvSpPr>
+        <p:spPr>
+          <a:xfrm>
+            <a:off x="2663280" y="5013176"/>
+            <a:ext cx="1008112" cy="360040"/>
+          </a:xfrm>
+          <a:prstGeom prst="rect">
+            <a:avLst/>
+          </a:prstGeom>
+          <a:noFill/>
+        </p:spPr>
+        <p:style>
+          <a:lnRef idx="2">
+            <a:schemeClr val="accent1">
+              <a:shade val="50000"/>
+            </a:schemeClr>
+          </a:lnRef>
+          <a:fillRef idx="1">
+            <a:schemeClr val="accent1"/>
+          </a:fillRef>
+          <a:effectRef idx="0">
+            <a:schemeClr val="accent1"/>
+          </a:effectRef>
+          <a:fontRef idx="minor">
+            <a:schemeClr val="lt1"/>
+          </a:fontRef>
+        </p:style>
+        <p:txBody>
+          <a:bodyPr rtlCol="0" anchor="ctr"/>
+          <a:lstStyle/>
+          <a:p>
+            <a:pPr algn="ctr"/>
+            <a:r>
+              <a:rPr lang="en-US" altLang="ko-KR" dirty="0" smtClean="0">
+                <a:solidFill>
+                  <a:schemeClr val="tx1"/>
+                </a:solidFill>
+              </a:rPr>
+              <a:t>10</a:t>
+            </a:r>
+            <a:endParaRPr lang="ko-KR" altLang="en-US" dirty="0">
+              <a:solidFill>
+                <a:schemeClr val="tx1"/>
+              </a:solidFill>
+            </a:endParaRPr>
+          </a:p>
+        </p:txBody>
+      </p:sp>
+      <p:sp>
+        <p:nvSpPr>
+          <p:cNvPr id="37" name="직사각형 36"/>
+          <p:cNvSpPr/>
+          <p:nvPr/>
+        </p:nvSpPr>
+        <p:spPr>
+          <a:xfrm>
+            <a:off x="3671392" y="5013176"/>
+            <a:ext cx="504056" cy="360040"/>
+          </a:xfrm>
+          <a:prstGeom prst="rect">
+            <a:avLst/>
+          </a:prstGeom>
+          <a:solidFill>
+            <a:schemeClr val="accent3">
+              <a:lumMod val="40000"/>
+              <a:lumOff val="60000"/>
+            </a:schemeClr>
+          </a:solidFill>
+        </p:spPr>
+        <p:style>
+          <a:lnRef idx="2">
+            <a:schemeClr val="accent1">
+              <a:shade val="50000"/>
+            </a:schemeClr>
+          </a:lnRef>
+          <a:fillRef idx="1">
+            <a:schemeClr val="accent1"/>
+          </a:fillRef>
+          <a:effectRef idx="0">
+            <a:schemeClr val="accent1"/>
+          </a:effectRef>
+          <a:fontRef idx="minor">
+            <a:schemeClr val="lt1"/>
+          </a:fontRef>
+        </p:style>
+        <p:txBody>
+          <a:bodyPr rtlCol="0" anchor="ctr"/>
+          <a:lstStyle/>
+          <a:p>
+            <a:pPr algn="ctr"/>
+            <a:endParaRPr lang="ko-KR" altLang="en-US" dirty="0">
+              <a:solidFill>
+                <a:schemeClr val="tx1"/>
+              </a:solidFill>
+            </a:endParaRPr>
+          </a:p>
+        </p:txBody>
+      </p:sp>
+      <p:sp>
+        <p:nvSpPr>
+          <p:cNvPr id="39" name="직사각형 38"/>
+          <p:cNvSpPr/>
+          <p:nvPr/>
+        </p:nvSpPr>
+        <p:spPr>
+          <a:xfrm>
+            <a:off x="4607496" y="5013176"/>
+            <a:ext cx="1008112" cy="360040"/>
+          </a:xfrm>
+          <a:prstGeom prst="rect">
+            <a:avLst/>
+          </a:prstGeom>
+          <a:noFill/>
+        </p:spPr>
+        <p:style>
+          <a:lnRef idx="2">
+            <a:schemeClr val="accent1">
+              <a:shade val="50000"/>
+            </a:schemeClr>
+          </a:lnRef>
+          <a:fillRef idx="1">
+            <a:schemeClr val="accent1"/>
+          </a:fillRef>
+          <a:effectRef idx="0">
+            <a:schemeClr val="accent1"/>
+          </a:effectRef>
+          <a:fontRef idx="minor">
+            <a:schemeClr val="lt1"/>
+          </a:fontRef>
+        </p:style>
+        <p:txBody>
+          <a:bodyPr rtlCol="0" anchor="ctr"/>
+          <a:lstStyle/>
+          <a:p>
+            <a:pPr algn="ctr"/>
+            <a:r>
+              <a:rPr lang="en-US" altLang="ko-KR" dirty="0" smtClean="0">
+                <a:solidFill>
+                  <a:schemeClr val="tx1"/>
+                </a:solidFill>
+              </a:rPr>
+              <a:t>20</a:t>
+            </a:r>
+            <a:endParaRPr lang="ko-KR" altLang="en-US" dirty="0">
+              <a:solidFill>
+                <a:schemeClr val="tx1"/>
+              </a:solidFill>
+            </a:endParaRPr>
+          </a:p>
+        </p:txBody>
+      </p:sp>
+      <p:sp>
+        <p:nvSpPr>
+          <p:cNvPr id="40" name="직사각형 39"/>
+          <p:cNvSpPr/>
+          <p:nvPr/>
+        </p:nvSpPr>
+        <p:spPr>
+          <a:xfrm>
+            <a:off x="5615608" y="5013176"/>
+            <a:ext cx="504056" cy="360040"/>
+          </a:xfrm>
+          <a:prstGeom prst="rect">
+            <a:avLst/>
+          </a:prstGeom>
+          <a:noFill/>
+        </p:spPr>
+        <p:style>
+          <a:lnRef idx="2">
+            <a:schemeClr val="accent1">
+              <a:shade val="50000"/>
+            </a:schemeClr>
+          </a:lnRef>
+          <a:fillRef idx="1">
+            <a:schemeClr val="accent1"/>
+          </a:fillRef>
+          <a:effectRef idx="0">
+            <a:schemeClr val="accent1"/>
+          </a:effectRef>
+          <a:fontRef idx="minor">
+            <a:schemeClr val="lt1"/>
+          </a:fontRef>
+        </p:style>
+        <p:txBody>
+          <a:bodyPr rtlCol="0" anchor="ctr"/>
+          <a:lstStyle/>
+          <a:p>
+            <a:pPr algn="ctr"/>
+            <a:endParaRPr lang="ko-KR" altLang="en-US" dirty="0">
+              <a:solidFill>
+                <a:schemeClr val="tx1"/>
+              </a:solidFill>
+            </a:endParaRPr>
+          </a:p>
+        </p:txBody>
+      </p:sp>
+      <p:sp>
+        <p:nvSpPr>
+          <p:cNvPr id="43" name="직사각형 42"/>
+          <p:cNvSpPr/>
+          <p:nvPr/>
+        </p:nvSpPr>
+        <p:spPr>
+          <a:xfrm>
+            <a:off x="6407696" y="5013176"/>
+            <a:ext cx="1008112" cy="360040"/>
+          </a:xfrm>
+          <a:prstGeom prst="rect">
+            <a:avLst/>
+          </a:prstGeom>
+          <a:noFill/>
+        </p:spPr>
+        <p:style>
+          <a:lnRef idx="2">
+            <a:schemeClr val="accent1">
+              <a:shade val="50000"/>
+            </a:schemeClr>
+          </a:lnRef>
+          <a:fillRef idx="1">
+            <a:schemeClr val="accent1"/>
+          </a:fillRef>
+          <a:effectRef idx="0">
+            <a:schemeClr val="accent1"/>
+          </a:effectRef>
+          <a:fontRef idx="minor">
+            <a:schemeClr val="lt1"/>
+          </a:fontRef>
+        </p:style>
+        <p:txBody>
+          <a:bodyPr rtlCol="0" anchor="ctr"/>
+          <a:lstStyle/>
+          <a:p>
+            <a:pPr algn="ctr"/>
+            <a:r>
+              <a:rPr lang="en-US" altLang="ko-KR" dirty="0" smtClean="0">
+                <a:solidFill>
+                  <a:schemeClr val="tx1"/>
+                </a:solidFill>
+              </a:rPr>
+              <a:t>30</a:t>
+            </a:r>
+            <a:endParaRPr lang="ko-KR" altLang="en-US" dirty="0">
+              <a:solidFill>
+                <a:schemeClr val="tx1"/>
+              </a:solidFill>
+            </a:endParaRPr>
+          </a:p>
+        </p:txBody>
+      </p:sp>
+      <p:sp>
+        <p:nvSpPr>
+          <p:cNvPr id="44" name="직사각형 43"/>
+          <p:cNvSpPr/>
+          <p:nvPr/>
+        </p:nvSpPr>
+        <p:spPr>
+          <a:xfrm>
+            <a:off x="7415808" y="5013176"/>
+            <a:ext cx="504056" cy="360040"/>
+          </a:xfrm>
+          <a:prstGeom prst="rect">
+            <a:avLst/>
+          </a:prstGeom>
+          <a:noFill/>
+        </p:spPr>
+        <p:style>
+          <a:lnRef idx="2">
+            <a:schemeClr val="accent1">
+              <a:shade val="50000"/>
+            </a:schemeClr>
+          </a:lnRef>
+          <a:fillRef idx="1">
+            <a:schemeClr val="accent1"/>
+          </a:fillRef>
+          <a:effectRef idx="0">
+            <a:schemeClr val="accent1"/>
+          </a:effectRef>
+          <a:fontRef idx="minor">
+            <a:schemeClr val="lt1"/>
+          </a:fontRef>
+        </p:style>
+        <p:txBody>
+          <a:bodyPr rtlCol="0" anchor="ctr"/>
+          <a:lstStyle/>
+          <a:p>
+            <a:pPr algn="ctr"/>
+            <a:endParaRPr lang="ko-KR" altLang="en-US" dirty="0">
+              <a:solidFill>
+                <a:schemeClr val="tx1"/>
+              </a:solidFill>
+            </a:endParaRPr>
+          </a:p>
+        </p:txBody>
+      </p:sp>
+      <p:cxnSp>
+        <p:nvCxnSpPr>
+          <p:cNvPr id="45" name="직선 화살표 연결선 44"/>
+          <p:cNvCxnSpPr>
+            <a:endCxn id="36" idx="1"/>
+          </p:cNvCxnSpPr>
+          <p:nvPr/>
+        </p:nvCxnSpPr>
+        <p:spPr>
+          <a:xfrm>
+            <a:off x="2051720" y="5193196"/>
+            <a:ext cx="611560" cy="0"/>
+          </a:xfrm>
+          <a:prstGeom prst="straightConnector1">
+            <a:avLst/>
+          </a:prstGeom>
+          <a:ln w="25400">
+            <a:solidFill>
+              <a:srgbClr val="FF0000"/>
+            </a:solidFill>
+            <a:tailEnd type="arrow"/>
+          </a:ln>
+        </p:spPr>
+        <p:style>
+          <a:lnRef idx="1">
+            <a:schemeClr val="accent1"/>
+          </a:lnRef>
+          <a:fillRef idx="0">
+            <a:schemeClr val="accent1"/>
+          </a:fillRef>
+          <a:effectRef idx="0">
+            <a:schemeClr val="accent1"/>
+          </a:effectRef>
+          <a:fontRef idx="minor">
+            <a:schemeClr val="tx1"/>
+          </a:fontRef>
+        </p:style>
+      </p:cxnSp>
+      <p:cxnSp>
+        <p:nvCxnSpPr>
+          <p:cNvPr id="46" name="직선 화살표 연결선 45"/>
+          <p:cNvCxnSpPr/>
+          <p:nvPr/>
+        </p:nvCxnSpPr>
+        <p:spPr>
+          <a:xfrm>
+            <a:off x="5831632" y="5157192"/>
+            <a:ext cx="648072" cy="36004"/>
+          </a:xfrm>
+          <a:prstGeom prst="straightConnector1">
+            <a:avLst/>
+          </a:prstGeom>
+          <a:ln w="25400">
+            <a:solidFill>
+              <a:srgbClr val="FF0000"/>
+            </a:solidFill>
+            <a:tailEnd type="arrow"/>
+          </a:ln>
+        </p:spPr>
+        <p:style>
+          <a:lnRef idx="1">
+            <a:schemeClr val="accent1"/>
+          </a:lnRef>
+          <a:fillRef idx="0">
+            <a:schemeClr val="accent1"/>
+          </a:fillRef>
+          <a:effectRef idx="0">
+            <a:schemeClr val="accent1"/>
+          </a:effectRef>
+          <a:fontRef idx="minor">
+            <a:schemeClr val="tx1"/>
+          </a:fontRef>
+        </p:style>
+      </p:cxnSp>
+      <p:cxnSp>
+        <p:nvCxnSpPr>
+          <p:cNvPr id="48" name="직선 화살표 연결선 47"/>
+          <p:cNvCxnSpPr/>
+          <p:nvPr/>
+        </p:nvCxnSpPr>
+        <p:spPr>
+          <a:xfrm>
+            <a:off x="7919864" y="5157192"/>
+            <a:ext cx="432048" cy="0"/>
+          </a:xfrm>
+          <a:prstGeom prst="straightConnector1">
+            <a:avLst/>
+          </a:prstGeom>
+          <a:ln w="25400">
+            <a:solidFill>
+              <a:srgbClr val="FF0000"/>
+            </a:solidFill>
+            <a:tailEnd type="none"/>
+          </a:ln>
+        </p:spPr>
+        <p:style>
+          <a:lnRef idx="1">
+            <a:schemeClr val="accent1"/>
+          </a:lnRef>
+          <a:fillRef idx="0">
+            <a:schemeClr val="accent1"/>
+          </a:fillRef>
+          <a:effectRef idx="0">
+            <a:schemeClr val="accent1"/>
+          </a:effectRef>
+          <a:fontRef idx="minor">
+            <a:schemeClr val="tx1"/>
+          </a:fontRef>
+        </p:style>
+      </p:cxnSp>
+      <p:cxnSp>
+        <p:nvCxnSpPr>
+          <p:cNvPr id="49" name="직선 화살표 연결선 48"/>
+          <p:cNvCxnSpPr/>
+          <p:nvPr/>
+        </p:nvCxnSpPr>
+        <p:spPr>
+          <a:xfrm>
+            <a:off x="8279904" y="4941168"/>
+            <a:ext cx="72008" cy="432048"/>
+          </a:xfrm>
+          <a:prstGeom prst="straightConnector1">
+            <a:avLst/>
+          </a:prstGeom>
+          <a:ln w="25400">
+            <a:solidFill>
+              <a:srgbClr val="FF0000"/>
+            </a:solidFill>
+            <a:tailEnd type="none"/>
+          </a:ln>
+        </p:spPr>
+        <p:style>
+          <a:lnRef idx="1">
+            <a:schemeClr val="accent1"/>
+          </a:lnRef>
+          <a:fillRef idx="0">
+            <a:schemeClr val="accent1"/>
+          </a:fillRef>
+          <a:effectRef idx="0">
+            <a:schemeClr val="accent1"/>
+          </a:effectRef>
+          <a:fontRef idx="minor">
+            <a:schemeClr val="tx1"/>
+          </a:fontRef>
+        </p:style>
+      </p:cxnSp>
+      <p:cxnSp>
+        <p:nvCxnSpPr>
+          <p:cNvPr id="50" name="직선 화살표 연결선 49"/>
+          <p:cNvCxnSpPr/>
+          <p:nvPr/>
+        </p:nvCxnSpPr>
+        <p:spPr>
+          <a:xfrm>
+            <a:off x="8351912" y="4869160"/>
+            <a:ext cx="72008" cy="432048"/>
+          </a:xfrm>
+          <a:prstGeom prst="straightConnector1">
+            <a:avLst/>
+          </a:prstGeom>
+          <a:ln w="25400">
+            <a:solidFill>
+              <a:srgbClr val="FF0000"/>
+            </a:solidFill>
+            <a:tailEnd type="none"/>
+          </a:ln>
+        </p:spPr>
+        <p:style>
+          <a:lnRef idx="1">
+            <a:schemeClr val="accent1"/>
+          </a:lnRef>
+          <a:fillRef idx="0">
+            <a:schemeClr val="accent1"/>
+          </a:fillRef>
+          <a:effectRef idx="0">
+            <a:schemeClr val="accent1"/>
+          </a:effectRef>
+          <a:fontRef idx="minor">
+            <a:schemeClr val="tx1"/>
+          </a:fontRef>
+        </p:style>
+      </p:cxnSp>
+      <p:cxnSp>
+        <p:nvCxnSpPr>
+          <p:cNvPr id="61" name="직선 화살표 연결선 60"/>
+          <p:cNvCxnSpPr/>
+          <p:nvPr/>
+        </p:nvCxnSpPr>
+        <p:spPr>
+          <a:xfrm>
+            <a:off x="2087216" y="5085184"/>
+            <a:ext cx="2664296" cy="0"/>
+          </a:xfrm>
+          <a:prstGeom prst="straightConnector1">
+            <a:avLst/>
+          </a:prstGeom>
+          <a:ln w="25400">
+            <a:solidFill>
+              <a:schemeClr val="accent3">
+                <a:lumMod val="50000"/>
+              </a:schemeClr>
+            </a:solidFill>
+            <a:tailEnd type="arrow"/>
+          </a:ln>
+        </p:spPr>
+        <p:style>
+          <a:lnRef idx="1">
+            <a:schemeClr val="accent1"/>
+          </a:lnRef>
+          <a:fillRef idx="0">
+            <a:schemeClr val="accent1"/>
+          </a:fillRef>
+          <a:effectRef idx="0">
+            <a:schemeClr val="accent1"/>
+          </a:effectRef>
+          <a:fontRef idx="minor">
+            <a:schemeClr val="tx1"/>
+          </a:fontRef>
+        </p:style>
+      </p:cxnSp>
+      <p:sp>
+        <p:nvSpPr>
+          <p:cNvPr id="70" name="직사각형 69"/>
+          <p:cNvSpPr/>
+          <p:nvPr/>
+        </p:nvSpPr>
+        <p:spPr>
+          <a:xfrm>
+            <a:off x="5364088" y="332656"/>
+            <a:ext cx="3135795" cy="2031325"/>
+          </a:xfrm>
+          <a:prstGeom prst="rect">
+            <a:avLst/>
+          </a:prstGeom>
+        </p:spPr>
+        <p:txBody>
+          <a:bodyPr wrap="none">
+            <a:spAutoFit/>
+          </a:bodyPr>
+          <a:lstStyle/>
+          <a:p>
+            <a:pPr marL="342900" indent="-342900"/>
+            <a:r>
+              <a:rPr lang="en-US" altLang="ko-KR" b="1" dirty="0" smtClean="0">
+                <a:solidFill>
+                  <a:srgbClr val="FF0000"/>
+                </a:solidFill>
+              </a:rPr>
+              <a:t>[</a:t>
+            </a:r>
+            <a:r>
+              <a:rPr lang="ko-KR" altLang="en-US" b="1" dirty="0" smtClean="0">
+                <a:solidFill>
+                  <a:srgbClr val="FF0000"/>
+                </a:solidFill>
+              </a:rPr>
+              <a:t>삭제할 </a:t>
+            </a:r>
+            <a:r>
+              <a:rPr lang="ko-KR" altLang="en-US" b="1" dirty="0" err="1" smtClean="0">
+                <a:solidFill>
+                  <a:srgbClr val="FF0000"/>
+                </a:solidFill>
+              </a:rPr>
+              <a:t>노드를</a:t>
+            </a:r>
+            <a:r>
+              <a:rPr lang="ko-KR" altLang="en-US" b="1" dirty="0" smtClean="0">
+                <a:solidFill>
+                  <a:srgbClr val="FF0000"/>
+                </a:solidFill>
+              </a:rPr>
+              <a:t> 찾는다</a:t>
+            </a:r>
+            <a:r>
+              <a:rPr lang="en-US" altLang="ko-KR" b="1" dirty="0" smtClean="0">
+                <a:solidFill>
+                  <a:srgbClr val="FF0000"/>
+                </a:solidFill>
+              </a:rPr>
+              <a:t>]</a:t>
+            </a:r>
+          </a:p>
+          <a:p>
+            <a:pPr marL="342900" indent="-342900"/>
+            <a:endParaRPr lang="en-US" altLang="ko-KR" b="1" dirty="0" smtClean="0">
+              <a:solidFill>
+                <a:srgbClr val="FF0000"/>
+              </a:solidFill>
+            </a:endParaRPr>
+          </a:p>
+          <a:p>
+            <a:pPr marL="342900" indent="-342900"/>
+            <a:r>
+              <a:rPr lang="en-US" altLang="ko-KR" b="1" dirty="0" smtClean="0">
+                <a:solidFill>
+                  <a:srgbClr val="FF0000"/>
+                </a:solidFill>
+              </a:rPr>
+              <a:t>Check!</a:t>
+            </a:r>
+            <a:endParaRPr lang="en-US" altLang="ko-KR" b="1" dirty="0" smtClean="0">
+              <a:solidFill>
+                <a:srgbClr val="FF0000"/>
+              </a:solidFill>
+            </a:endParaRPr>
+          </a:p>
+          <a:p>
+            <a:pPr marL="342900" indent="-342900"/>
+            <a:r>
+              <a:rPr lang="ko-KR" altLang="en-US" b="1" dirty="0" err="1" smtClean="0">
+                <a:solidFill>
+                  <a:srgbClr val="FF0000"/>
+                </a:solidFill>
+              </a:rPr>
+              <a:t>노드가</a:t>
+            </a:r>
+            <a:r>
+              <a:rPr lang="ko-KR" altLang="en-US" b="1" dirty="0" smtClean="0">
+                <a:solidFill>
+                  <a:srgbClr val="FF0000"/>
+                </a:solidFill>
+              </a:rPr>
+              <a:t> 없는 경우</a:t>
+            </a:r>
+            <a:endParaRPr lang="en-US" altLang="ko-KR" b="1" dirty="0" smtClean="0">
+              <a:solidFill>
+                <a:srgbClr val="FF0000"/>
+              </a:solidFill>
+            </a:endParaRPr>
+          </a:p>
+          <a:p>
+            <a:pPr marL="342900" indent="-342900"/>
+            <a:endParaRPr lang="en-US" altLang="ko-KR" b="1" dirty="0" smtClean="0">
+              <a:solidFill>
+                <a:srgbClr val="FF0000"/>
+              </a:solidFill>
+            </a:endParaRPr>
+          </a:p>
+          <a:p>
+            <a:pPr marL="342900" indent="-342900"/>
+            <a:r>
+              <a:rPr lang="ko-KR" altLang="en-US" b="1" dirty="0" smtClean="0">
+                <a:solidFill>
+                  <a:srgbClr val="FF0000"/>
+                </a:solidFill>
+              </a:rPr>
+              <a:t>삭제 후 </a:t>
+            </a:r>
+            <a:r>
+              <a:rPr lang="ko-KR" altLang="en-US" b="1" dirty="0" err="1" smtClean="0">
+                <a:solidFill>
+                  <a:srgbClr val="FF0000"/>
+                </a:solidFill>
+              </a:rPr>
+              <a:t>노드가</a:t>
+            </a:r>
+            <a:r>
+              <a:rPr lang="ko-KR" altLang="en-US" b="1" dirty="0" smtClean="0">
+                <a:solidFill>
+                  <a:srgbClr val="FF0000"/>
+                </a:solidFill>
+              </a:rPr>
+              <a:t> 없을 경우와</a:t>
+            </a:r>
+            <a:endParaRPr lang="en-US" altLang="ko-KR" b="1" dirty="0" smtClean="0">
+              <a:solidFill>
+                <a:srgbClr val="FF0000"/>
+              </a:solidFill>
+            </a:endParaRPr>
+          </a:p>
+          <a:p>
+            <a:pPr marL="342900" indent="-342900"/>
+            <a:r>
+              <a:rPr lang="ko-KR" altLang="en-US" b="1" dirty="0" smtClean="0">
+                <a:solidFill>
+                  <a:srgbClr val="FF0000"/>
+                </a:solidFill>
+              </a:rPr>
+              <a:t>있을 경우</a:t>
+            </a:r>
+            <a:r>
+              <a:rPr lang="en-US" altLang="ko-KR" b="1" dirty="0" smtClean="0">
+                <a:solidFill>
+                  <a:srgbClr val="FF0000"/>
+                </a:solidFill>
+              </a:rPr>
+              <a:t>(</a:t>
+            </a:r>
+            <a:r>
+              <a:rPr lang="ko-KR" altLang="en-US" b="1" dirty="0" smtClean="0">
+                <a:solidFill>
+                  <a:srgbClr val="FF0000"/>
+                </a:solidFill>
+              </a:rPr>
+              <a:t>구분이</a:t>
+            </a:r>
+            <a:r>
+              <a:rPr lang="en-US" altLang="ko-KR" b="1" dirty="0" smtClean="0">
+                <a:solidFill>
+                  <a:srgbClr val="FF0000"/>
+                </a:solidFill>
+              </a:rPr>
+              <a:t> </a:t>
+            </a:r>
+            <a:r>
+              <a:rPr lang="ko-KR" altLang="en-US" b="1" dirty="0" smtClean="0">
+                <a:solidFill>
+                  <a:srgbClr val="FF0000"/>
+                </a:solidFill>
+              </a:rPr>
+              <a:t>필요 없다</a:t>
+            </a:r>
+            <a:r>
+              <a:rPr lang="en-US" altLang="ko-KR" b="1" dirty="0" smtClean="0">
+                <a:solidFill>
+                  <a:srgbClr val="FF0000"/>
+                </a:solidFill>
+              </a:rPr>
+              <a:t>)</a:t>
+            </a:r>
+          </a:p>
+        </p:txBody>
+      </p:sp>
+      <p:sp>
+        <p:nvSpPr>
+          <p:cNvPr id="60" name="직사각형 59"/>
+          <p:cNvSpPr/>
+          <p:nvPr/>
+        </p:nvSpPr>
+        <p:spPr>
+          <a:xfrm>
+            <a:off x="2879304" y="4149080"/>
+            <a:ext cx="648072" cy="360040"/>
+          </a:xfrm>
+          <a:prstGeom prst="rect">
+            <a:avLst/>
+          </a:prstGeom>
+        </p:spPr>
+        <p:style>
+          <a:lnRef idx="2">
+            <a:schemeClr val="accent1">
+              <a:shade val="50000"/>
+            </a:schemeClr>
+          </a:lnRef>
+          <a:fillRef idx="1">
+            <a:schemeClr val="accent1"/>
+          </a:fillRef>
+          <a:effectRef idx="0">
+            <a:schemeClr val="accent1"/>
+          </a:effectRef>
+          <a:fontRef idx="minor">
+            <a:schemeClr val="lt1"/>
+          </a:fontRef>
+        </p:style>
+        <p:txBody>
+          <a:bodyPr rtlCol="0" anchor="ctr"/>
+          <a:lstStyle/>
+          <a:p>
+            <a:pPr algn="ctr"/>
+            <a:r>
+              <a:rPr lang="en-US" altLang="ko-KR" dirty="0" smtClean="0"/>
+              <a:t>del</a:t>
+            </a:r>
+            <a:endParaRPr lang="ko-KR" altLang="en-US" dirty="0"/>
+          </a:p>
+        </p:txBody>
+      </p:sp>
+      <p:cxnSp>
+        <p:nvCxnSpPr>
+          <p:cNvPr id="62" name="직선 화살표 연결선 61"/>
+          <p:cNvCxnSpPr>
+            <a:stCxn id="60" idx="2"/>
+          </p:cNvCxnSpPr>
+          <p:nvPr/>
+        </p:nvCxnSpPr>
+        <p:spPr>
+          <a:xfrm>
+            <a:off x="3203340" y="4509120"/>
+            <a:ext cx="180020" cy="576064"/>
+          </a:xfrm>
+          <a:prstGeom prst="straightConnector1">
+            <a:avLst/>
+          </a:prstGeom>
+          <a:ln w="25400">
+            <a:solidFill>
+              <a:srgbClr val="FF0000"/>
+            </a:solidFill>
+            <a:tailEnd type="arrow"/>
+          </a:ln>
+        </p:spPr>
+        <p:style>
+          <a:lnRef idx="1">
+            <a:schemeClr val="accent1"/>
+          </a:lnRef>
+          <a:fillRef idx="0">
+            <a:schemeClr val="accent1"/>
+          </a:fillRef>
+          <a:effectRef idx="0">
+            <a:schemeClr val="accent1"/>
+          </a:effectRef>
+          <a:fontRef idx="minor">
+            <a:schemeClr val="tx1"/>
+          </a:fontRef>
+        </p:style>
+      </p:cxnSp>
+      <p:sp>
+        <p:nvSpPr>
+          <p:cNvPr id="42" name="직사각형 41"/>
+          <p:cNvSpPr/>
+          <p:nvPr/>
+        </p:nvSpPr>
+        <p:spPr>
+          <a:xfrm>
+            <a:off x="251520" y="3284984"/>
+            <a:ext cx="1043608" cy="360040"/>
+          </a:xfrm>
+          <a:prstGeom prst="rect">
+            <a:avLst/>
+          </a:prstGeom>
+        </p:spPr>
+        <p:style>
+          <a:lnRef idx="2">
+            <a:schemeClr val="accent1">
+              <a:shade val="50000"/>
+            </a:schemeClr>
+          </a:lnRef>
+          <a:fillRef idx="1">
+            <a:schemeClr val="accent1"/>
+          </a:fillRef>
+          <a:effectRef idx="0">
+            <a:schemeClr val="accent1"/>
+          </a:effectRef>
+          <a:fontRef idx="minor">
+            <a:schemeClr val="lt1"/>
+          </a:fontRef>
+        </p:style>
+        <p:txBody>
+          <a:bodyPr rtlCol="0" anchor="ctr"/>
+          <a:lstStyle/>
+          <a:p>
+            <a:pPr algn="ctr"/>
+            <a:r>
+              <a:rPr lang="en-US" altLang="ko-KR" dirty="0" smtClean="0"/>
+              <a:t>head</a:t>
+            </a:r>
+            <a:endParaRPr lang="ko-KR" altLang="en-US" dirty="0"/>
+          </a:p>
+        </p:txBody>
+      </p:sp>
+      <p:sp>
+        <p:nvSpPr>
+          <p:cNvPr id="47" name="직사각형 46"/>
+          <p:cNvSpPr/>
+          <p:nvPr/>
+        </p:nvSpPr>
+        <p:spPr>
+          <a:xfrm>
+            <a:off x="251520" y="3645024"/>
+            <a:ext cx="1043608" cy="360040"/>
+          </a:xfrm>
+          <a:prstGeom prst="rect">
+            <a:avLst/>
+          </a:prstGeom>
+        </p:spPr>
+        <p:style>
+          <a:lnRef idx="2">
+            <a:schemeClr val="accent1">
+              <a:shade val="50000"/>
+            </a:schemeClr>
+          </a:lnRef>
+          <a:fillRef idx="1">
+            <a:schemeClr val="accent1"/>
+          </a:fillRef>
+          <a:effectRef idx="0">
+            <a:schemeClr val="accent1"/>
+          </a:effectRef>
+          <a:fontRef idx="minor">
+            <a:schemeClr val="lt1"/>
+          </a:fontRef>
+        </p:style>
+        <p:txBody>
+          <a:bodyPr rtlCol="0" anchor="ctr"/>
+          <a:lstStyle/>
+          <a:p>
+            <a:pPr algn="ctr"/>
+            <a:r>
+              <a:rPr lang="en-US" altLang="ko-KR" dirty="0" smtClean="0"/>
+              <a:t>count</a:t>
+            </a:r>
+            <a:endParaRPr lang="ko-KR" altLang="en-US" dirty="0"/>
+          </a:p>
+        </p:txBody>
+      </p:sp>
+      <p:sp>
+        <p:nvSpPr>
+          <p:cNvPr id="51" name="직사각형 50"/>
+          <p:cNvSpPr/>
+          <p:nvPr/>
+        </p:nvSpPr>
+        <p:spPr>
+          <a:xfrm>
+            <a:off x="1259632" y="3284984"/>
+            <a:ext cx="1043608" cy="360040"/>
+          </a:xfrm>
+          <a:prstGeom prst="rect">
+            <a:avLst/>
+          </a:prstGeom>
+          <a:solidFill>
+            <a:schemeClr val="accent3">
+              <a:lumMod val="60000"/>
+              <a:lumOff val="40000"/>
+            </a:schemeClr>
+          </a:solidFill>
+        </p:spPr>
+        <p:style>
+          <a:lnRef idx="2">
+            <a:schemeClr val="accent1">
+              <a:shade val="50000"/>
+            </a:schemeClr>
+          </a:lnRef>
+          <a:fillRef idx="1">
+            <a:schemeClr val="accent1"/>
+          </a:fillRef>
+          <a:effectRef idx="0">
+            <a:schemeClr val="accent1"/>
+          </a:effectRef>
+          <a:fontRef idx="minor">
+            <a:schemeClr val="lt1"/>
+          </a:fontRef>
+        </p:style>
+        <p:txBody>
+          <a:bodyPr rtlCol="0" anchor="ctr"/>
+          <a:lstStyle/>
+          <a:p>
+            <a:pPr algn="ctr"/>
+            <a:endParaRPr lang="ko-KR" altLang="en-US" dirty="0"/>
+          </a:p>
+        </p:txBody>
+      </p:sp>
+      <p:sp>
+        <p:nvSpPr>
+          <p:cNvPr id="52" name="직사각형 51"/>
+          <p:cNvSpPr/>
+          <p:nvPr/>
+        </p:nvSpPr>
+        <p:spPr>
+          <a:xfrm>
+            <a:off x="1259632" y="3645024"/>
+            <a:ext cx="1043608" cy="360040"/>
+          </a:xfrm>
+          <a:prstGeom prst="rect">
+            <a:avLst/>
+          </a:prstGeom>
+        </p:spPr>
+        <p:style>
+          <a:lnRef idx="2">
+            <a:schemeClr val="accent1">
+              <a:shade val="50000"/>
+            </a:schemeClr>
+          </a:lnRef>
+          <a:fillRef idx="1">
+            <a:schemeClr val="accent1"/>
+          </a:fillRef>
+          <a:effectRef idx="0">
+            <a:schemeClr val="accent1"/>
+          </a:effectRef>
+          <a:fontRef idx="minor">
+            <a:schemeClr val="lt1"/>
+          </a:fontRef>
+        </p:style>
+        <p:txBody>
+          <a:bodyPr rtlCol="0" anchor="ctr"/>
+          <a:lstStyle/>
+          <a:p>
+            <a:pPr algn="ctr"/>
+            <a:r>
+              <a:rPr lang="en-US" altLang="ko-KR" dirty="0" smtClean="0"/>
+              <a:t>0</a:t>
+            </a:r>
+            <a:endParaRPr lang="ko-KR" altLang="en-US" dirty="0"/>
+          </a:p>
+        </p:txBody>
+      </p:sp>
+      <p:sp>
+        <p:nvSpPr>
+          <p:cNvPr id="63" name="직사각형 62"/>
+          <p:cNvSpPr/>
+          <p:nvPr/>
+        </p:nvSpPr>
+        <p:spPr>
+          <a:xfrm>
+            <a:off x="2735288" y="3284984"/>
+            <a:ext cx="1008112" cy="360040"/>
+          </a:xfrm>
+          <a:prstGeom prst="rect">
+            <a:avLst/>
+          </a:prstGeom>
+          <a:noFill/>
+        </p:spPr>
+        <p:style>
+          <a:lnRef idx="2">
+            <a:schemeClr val="accent1">
+              <a:shade val="50000"/>
+            </a:schemeClr>
+          </a:lnRef>
+          <a:fillRef idx="1">
+            <a:schemeClr val="accent1"/>
+          </a:fillRef>
+          <a:effectRef idx="0">
+            <a:schemeClr val="accent1"/>
+          </a:effectRef>
+          <a:fontRef idx="minor">
+            <a:schemeClr val="lt1"/>
+          </a:fontRef>
+        </p:style>
+        <p:txBody>
+          <a:bodyPr rtlCol="0" anchor="ctr"/>
+          <a:lstStyle/>
+          <a:p>
+            <a:pPr algn="ctr"/>
+            <a:r>
+              <a:rPr lang="en-US" altLang="ko-KR" dirty="0" smtClean="0">
+                <a:solidFill>
+                  <a:schemeClr val="tx1"/>
+                </a:solidFill>
+              </a:rPr>
+              <a:t>10</a:t>
+            </a:r>
+            <a:endParaRPr lang="ko-KR" altLang="en-US" dirty="0">
+              <a:solidFill>
+                <a:schemeClr val="tx1"/>
+              </a:solidFill>
+            </a:endParaRPr>
+          </a:p>
+        </p:txBody>
+      </p:sp>
+      <p:sp>
+        <p:nvSpPr>
+          <p:cNvPr id="64" name="직사각형 63"/>
+          <p:cNvSpPr/>
+          <p:nvPr/>
+        </p:nvSpPr>
+        <p:spPr>
+          <a:xfrm>
+            <a:off x="3743400" y="3284984"/>
+            <a:ext cx="504056" cy="360040"/>
+          </a:xfrm>
+          <a:prstGeom prst="rect">
+            <a:avLst/>
+          </a:prstGeom>
+          <a:solidFill>
+            <a:schemeClr val="accent3">
+              <a:lumMod val="60000"/>
+              <a:lumOff val="40000"/>
+            </a:schemeClr>
+          </a:solidFill>
+        </p:spPr>
+        <p:style>
+          <a:lnRef idx="2">
+            <a:schemeClr val="accent1">
+              <a:shade val="50000"/>
+            </a:schemeClr>
+          </a:lnRef>
+          <a:fillRef idx="1">
+            <a:schemeClr val="accent1"/>
+          </a:fillRef>
+          <a:effectRef idx="0">
+            <a:schemeClr val="accent1"/>
+          </a:effectRef>
+          <a:fontRef idx="minor">
+            <a:schemeClr val="lt1"/>
+          </a:fontRef>
+        </p:style>
+        <p:txBody>
+          <a:bodyPr rtlCol="0" anchor="ctr"/>
+          <a:lstStyle/>
+          <a:p>
+            <a:pPr algn="ctr"/>
+            <a:endParaRPr lang="ko-KR" altLang="en-US" dirty="0">
+              <a:solidFill>
+                <a:schemeClr val="tx1"/>
+              </a:solidFill>
+            </a:endParaRPr>
+          </a:p>
+        </p:txBody>
+      </p:sp>
+      <p:cxnSp>
+        <p:nvCxnSpPr>
+          <p:cNvPr id="71" name="직선 화살표 연결선 70"/>
+          <p:cNvCxnSpPr>
+            <a:endCxn id="63" idx="1"/>
+          </p:cNvCxnSpPr>
+          <p:nvPr/>
+        </p:nvCxnSpPr>
+        <p:spPr>
+          <a:xfrm>
+            <a:off x="2123728" y="3465004"/>
+            <a:ext cx="611560" cy="0"/>
+          </a:xfrm>
+          <a:prstGeom prst="straightConnector1">
+            <a:avLst/>
+          </a:prstGeom>
+          <a:ln w="25400">
+            <a:solidFill>
+              <a:srgbClr val="FF0000"/>
+            </a:solidFill>
+            <a:tailEnd type="arrow"/>
+          </a:ln>
+        </p:spPr>
+        <p:style>
+          <a:lnRef idx="1">
+            <a:schemeClr val="accent1"/>
+          </a:lnRef>
+          <a:fillRef idx="0">
+            <a:schemeClr val="accent1"/>
+          </a:fillRef>
+          <a:effectRef idx="0">
+            <a:schemeClr val="accent1"/>
+          </a:effectRef>
+          <a:fontRef idx="minor">
+            <a:schemeClr val="tx1"/>
+          </a:fontRef>
+        </p:style>
+      </p:cxnSp>
+      <p:cxnSp>
+        <p:nvCxnSpPr>
+          <p:cNvPr id="75" name="직선 화살표 연결선 74"/>
+          <p:cNvCxnSpPr/>
+          <p:nvPr/>
+        </p:nvCxnSpPr>
+        <p:spPr>
+          <a:xfrm>
+            <a:off x="4067944" y="3501008"/>
+            <a:ext cx="432048" cy="0"/>
+          </a:xfrm>
+          <a:prstGeom prst="straightConnector1">
+            <a:avLst/>
+          </a:prstGeom>
+          <a:ln w="25400">
+            <a:solidFill>
+              <a:srgbClr val="FF0000"/>
+            </a:solidFill>
+            <a:tailEnd type="none"/>
+          </a:ln>
+        </p:spPr>
+        <p:style>
+          <a:lnRef idx="1">
+            <a:schemeClr val="accent1"/>
+          </a:lnRef>
+          <a:fillRef idx="0">
+            <a:schemeClr val="accent1"/>
+          </a:fillRef>
+          <a:effectRef idx="0">
+            <a:schemeClr val="accent1"/>
+          </a:effectRef>
+          <a:fontRef idx="minor">
+            <a:schemeClr val="tx1"/>
+          </a:fontRef>
+        </p:style>
+      </p:cxnSp>
+      <p:cxnSp>
+        <p:nvCxnSpPr>
+          <p:cNvPr id="76" name="직선 화살표 연결선 75"/>
+          <p:cNvCxnSpPr/>
+          <p:nvPr/>
+        </p:nvCxnSpPr>
+        <p:spPr>
+          <a:xfrm>
+            <a:off x="4427984" y="3284984"/>
+            <a:ext cx="72008" cy="432048"/>
+          </a:xfrm>
+          <a:prstGeom prst="straightConnector1">
+            <a:avLst/>
+          </a:prstGeom>
+          <a:ln w="25400">
+            <a:solidFill>
+              <a:srgbClr val="FF0000"/>
+            </a:solidFill>
+            <a:tailEnd type="none"/>
+          </a:ln>
+        </p:spPr>
+        <p:style>
+          <a:lnRef idx="1">
+            <a:schemeClr val="accent1"/>
+          </a:lnRef>
+          <a:fillRef idx="0">
+            <a:schemeClr val="accent1"/>
+          </a:fillRef>
+          <a:effectRef idx="0">
+            <a:schemeClr val="accent1"/>
+          </a:effectRef>
+          <a:fontRef idx="minor">
+            <a:schemeClr val="tx1"/>
+          </a:fontRef>
+        </p:style>
+      </p:cxnSp>
+      <p:cxnSp>
+        <p:nvCxnSpPr>
+          <p:cNvPr id="77" name="직선 화살표 연결선 76"/>
+          <p:cNvCxnSpPr/>
+          <p:nvPr/>
+        </p:nvCxnSpPr>
+        <p:spPr>
+          <a:xfrm>
+            <a:off x="4499992" y="3212976"/>
+            <a:ext cx="72008" cy="432048"/>
+          </a:xfrm>
+          <a:prstGeom prst="straightConnector1">
+            <a:avLst/>
+          </a:prstGeom>
+          <a:ln w="25400">
+            <a:solidFill>
+              <a:srgbClr val="FF0000"/>
+            </a:solidFill>
+            <a:tailEnd type="none"/>
+          </a:ln>
+        </p:spPr>
+        <p:style>
+          <a:lnRef idx="1">
+            <a:schemeClr val="accent1"/>
+          </a:lnRef>
+          <a:fillRef idx="0">
+            <a:schemeClr val="accent1"/>
+          </a:fillRef>
+          <a:effectRef idx="0">
+            <a:schemeClr val="accent1"/>
+          </a:effectRef>
+          <a:fontRef idx="minor">
+            <a:schemeClr val="tx1"/>
+          </a:fontRef>
+        </p:style>
+      </p:cxnSp>
+      <p:sp>
+        <p:nvSpPr>
+          <p:cNvPr id="79" name="직사각형 78"/>
+          <p:cNvSpPr/>
+          <p:nvPr/>
+        </p:nvSpPr>
+        <p:spPr>
+          <a:xfrm>
+            <a:off x="2951312" y="2420888"/>
+            <a:ext cx="648072" cy="360040"/>
+          </a:xfrm>
+          <a:prstGeom prst="rect">
+            <a:avLst/>
+          </a:prstGeom>
+        </p:spPr>
+        <p:style>
+          <a:lnRef idx="2">
+            <a:schemeClr val="accent1">
+              <a:shade val="50000"/>
+            </a:schemeClr>
+          </a:lnRef>
+          <a:fillRef idx="1">
+            <a:schemeClr val="accent1"/>
+          </a:fillRef>
+          <a:effectRef idx="0">
+            <a:schemeClr val="accent1"/>
+          </a:effectRef>
+          <a:fontRef idx="minor">
+            <a:schemeClr val="lt1"/>
+          </a:fontRef>
+        </p:style>
+        <p:txBody>
+          <a:bodyPr rtlCol="0" anchor="ctr"/>
+          <a:lstStyle/>
+          <a:p>
+            <a:pPr algn="ctr"/>
+            <a:r>
+              <a:rPr lang="en-US" altLang="ko-KR" dirty="0" smtClean="0"/>
+              <a:t>del</a:t>
+            </a:r>
+            <a:endParaRPr lang="ko-KR" altLang="en-US" dirty="0"/>
+          </a:p>
+        </p:txBody>
+      </p:sp>
+      <p:cxnSp>
+        <p:nvCxnSpPr>
+          <p:cNvPr id="80" name="직선 화살표 연결선 79"/>
+          <p:cNvCxnSpPr>
+            <a:stCxn id="79" idx="2"/>
+          </p:cNvCxnSpPr>
+          <p:nvPr/>
+        </p:nvCxnSpPr>
+        <p:spPr>
+          <a:xfrm>
+            <a:off x="3275348" y="2780928"/>
+            <a:ext cx="180020" cy="576064"/>
+          </a:xfrm>
+          <a:prstGeom prst="straightConnector1">
+            <a:avLst/>
+          </a:prstGeom>
+          <a:ln w="25400">
+            <a:solidFill>
+              <a:srgbClr val="FF0000"/>
+            </a:solidFill>
+            <a:tailEnd type="arrow"/>
+          </a:ln>
+        </p:spPr>
+        <p:style>
+          <a:lnRef idx="1">
+            <a:schemeClr val="accent1"/>
+          </a:lnRef>
+          <a:fillRef idx="0">
+            <a:schemeClr val="accent1"/>
+          </a:fillRef>
+          <a:effectRef idx="0">
+            <a:schemeClr val="accent1"/>
+          </a:effectRef>
+          <a:fontRef idx="minor">
+            <a:schemeClr val="tx1"/>
+          </a:fontRef>
+        </p:style>
+      </p:cxnSp>
+      <p:sp>
+        <p:nvSpPr>
+          <p:cNvPr id="81" name="직사각형 80"/>
+          <p:cNvSpPr/>
+          <p:nvPr/>
+        </p:nvSpPr>
+        <p:spPr>
+          <a:xfrm>
+            <a:off x="5292080" y="4221088"/>
+            <a:ext cx="1973617" cy="369332"/>
+          </a:xfrm>
+          <a:prstGeom prst="rect">
+            <a:avLst/>
+          </a:prstGeom>
+        </p:spPr>
+        <p:txBody>
+          <a:bodyPr wrap="none">
+            <a:spAutoFit/>
+          </a:bodyPr>
+          <a:lstStyle/>
+          <a:p>
+            <a:r>
+              <a:rPr lang="en-US" altLang="ko-KR" dirty="0" smtClean="0"/>
+              <a:t>head = </a:t>
+            </a:r>
+            <a:r>
+              <a:rPr lang="en-US" altLang="ko-KR" dirty="0" err="1" smtClean="0"/>
+              <a:t>del.next</a:t>
+            </a:r>
+            <a:r>
+              <a:rPr lang="en-US" altLang="ko-KR" dirty="0" smtClean="0"/>
+              <a:t>; </a:t>
+            </a:r>
+            <a:endParaRPr lang="ko-KR" altLang="en-US" dirty="0"/>
+          </a:p>
+        </p:txBody>
+      </p:sp>
+      <p:sp>
+        <p:nvSpPr>
+          <p:cNvPr id="82" name="직사각형 81"/>
+          <p:cNvSpPr/>
+          <p:nvPr/>
+        </p:nvSpPr>
+        <p:spPr>
+          <a:xfrm>
+            <a:off x="5364088" y="3212976"/>
+            <a:ext cx="1973617" cy="369332"/>
+          </a:xfrm>
+          <a:prstGeom prst="rect">
+            <a:avLst/>
+          </a:prstGeom>
+        </p:spPr>
+        <p:txBody>
+          <a:bodyPr wrap="none">
+            <a:spAutoFit/>
+          </a:bodyPr>
+          <a:lstStyle/>
+          <a:p>
+            <a:r>
+              <a:rPr lang="en-US" altLang="ko-KR" dirty="0" smtClean="0"/>
+              <a:t>head = </a:t>
+            </a:r>
+            <a:r>
+              <a:rPr lang="en-US" altLang="ko-KR" dirty="0" err="1" smtClean="0"/>
+              <a:t>del.next</a:t>
+            </a:r>
+            <a:r>
+              <a:rPr lang="en-US" altLang="ko-KR" dirty="0" smtClean="0"/>
+              <a:t>; </a:t>
+            </a:r>
+            <a:endParaRPr lang="ko-KR" altLang="en-US" dirty="0"/>
+          </a:p>
+        </p:txBody>
+      </p:sp>
+      <p:cxnSp>
+        <p:nvCxnSpPr>
+          <p:cNvPr id="83" name="직선 화살표 연결선 82"/>
+          <p:cNvCxnSpPr/>
+          <p:nvPr/>
+        </p:nvCxnSpPr>
+        <p:spPr>
+          <a:xfrm>
+            <a:off x="2123728" y="3356992"/>
+            <a:ext cx="432048" cy="0"/>
+          </a:xfrm>
+          <a:prstGeom prst="straightConnector1">
+            <a:avLst/>
+          </a:prstGeom>
+          <a:ln w="25400">
+            <a:solidFill>
+              <a:schemeClr val="accent3">
+                <a:lumMod val="75000"/>
+              </a:schemeClr>
+            </a:solidFill>
+            <a:tailEnd type="none"/>
+          </a:ln>
+        </p:spPr>
+        <p:style>
+          <a:lnRef idx="1">
+            <a:schemeClr val="accent1"/>
+          </a:lnRef>
+          <a:fillRef idx="0">
+            <a:schemeClr val="accent1"/>
+          </a:fillRef>
+          <a:effectRef idx="0">
+            <a:schemeClr val="accent1"/>
+          </a:effectRef>
+          <a:fontRef idx="minor">
+            <a:schemeClr val="tx1"/>
+          </a:fontRef>
+        </p:style>
+      </p:cxnSp>
+      <p:cxnSp>
+        <p:nvCxnSpPr>
+          <p:cNvPr id="84" name="직선 화살표 연결선 83"/>
+          <p:cNvCxnSpPr/>
+          <p:nvPr/>
+        </p:nvCxnSpPr>
+        <p:spPr>
+          <a:xfrm>
+            <a:off x="2483768" y="3140968"/>
+            <a:ext cx="72008" cy="432048"/>
+          </a:xfrm>
+          <a:prstGeom prst="straightConnector1">
+            <a:avLst/>
+          </a:prstGeom>
+          <a:ln w="25400">
+            <a:solidFill>
+              <a:schemeClr val="accent3">
+                <a:lumMod val="75000"/>
+              </a:schemeClr>
+            </a:solidFill>
+            <a:tailEnd type="none"/>
+          </a:ln>
+        </p:spPr>
+        <p:style>
+          <a:lnRef idx="1">
+            <a:schemeClr val="accent1"/>
+          </a:lnRef>
+          <a:fillRef idx="0">
+            <a:schemeClr val="accent1"/>
+          </a:fillRef>
+          <a:effectRef idx="0">
+            <a:schemeClr val="accent1"/>
+          </a:effectRef>
+          <a:fontRef idx="minor">
+            <a:schemeClr val="tx1"/>
+          </a:fontRef>
+        </p:style>
+      </p:cxnSp>
+      <p:cxnSp>
+        <p:nvCxnSpPr>
+          <p:cNvPr id="85" name="직선 화살표 연결선 84"/>
+          <p:cNvCxnSpPr/>
+          <p:nvPr/>
+        </p:nvCxnSpPr>
+        <p:spPr>
+          <a:xfrm>
+            <a:off x="2555776" y="3068960"/>
+            <a:ext cx="72008" cy="432048"/>
+          </a:xfrm>
+          <a:prstGeom prst="straightConnector1">
+            <a:avLst/>
+          </a:prstGeom>
+          <a:ln w="25400">
+            <a:solidFill>
+              <a:schemeClr val="accent3">
+                <a:lumMod val="75000"/>
+              </a:schemeClr>
+            </a:solidFill>
+            <a:tailEnd type="none"/>
           </a:ln>
         </p:spPr>
         <p:style>
@@ -25702,6 +27533,5328 @@
                 <a:srgbClr val="FF0000"/>
               </a:solidFill>
             </a:endParaRPr>
+          </a:p>
+        </p:txBody>
+      </p:sp>
+    </p:spTree>
+  </p:cSld>
+  <p:clrMapOvr>
+    <a:masterClrMapping/>
+  </p:clrMapOvr>
+</p:sld>
+</file>
+
+<file path=ppt/slides/slide30.xml><?xml version="1.0" encoding="utf-8"?>
+<p:sld xmlns:a="http://schemas.openxmlformats.org/drawingml/2006/main" xmlns:r="http://schemas.openxmlformats.org/officeDocument/2006/relationships" xmlns:p="http://schemas.openxmlformats.org/presentationml/2006/main">
+  <p:cSld>
+    <p:spTree>
+      <p:nvGrpSpPr>
+        <p:cNvPr id="1" name=""/>
+        <p:cNvGrpSpPr/>
+        <p:nvPr/>
+      </p:nvGrpSpPr>
+      <p:grpSpPr>
+        <a:xfrm>
+          <a:off x="0" y="0"/>
+          <a:ext cx="0" cy="0"/>
+          <a:chOff x="0" y="0"/>
+          <a:chExt cx="0" cy="0"/>
+        </a:xfrm>
+      </p:grpSpPr>
+      <p:sp>
+        <p:nvSpPr>
+          <p:cNvPr id="5" name="TextBox 4"/>
+          <p:cNvSpPr txBox="1"/>
+          <p:nvPr/>
+        </p:nvSpPr>
+        <p:spPr>
+          <a:xfrm>
+            <a:off x="251520" y="260648"/>
+            <a:ext cx="5976664" cy="400110"/>
+          </a:xfrm>
+          <a:prstGeom prst="rect">
+            <a:avLst/>
+          </a:prstGeom>
+          <a:noFill/>
+        </p:spPr>
+        <p:txBody>
+          <a:bodyPr wrap="square" rtlCol="0">
+            <a:spAutoFit/>
+          </a:bodyPr>
+          <a:lstStyle/>
+          <a:p>
+            <a:r>
+              <a:rPr lang="ko-KR" altLang="en-US" sz="2000" b="1" dirty="0" smtClean="0"/>
+              <a:t>자료구조 </a:t>
+            </a:r>
+            <a:r>
+              <a:rPr lang="en-US" altLang="ko-KR" sz="2000" b="1" dirty="0" smtClean="0"/>
+              <a:t>2</a:t>
+            </a:r>
+            <a:r>
+              <a:rPr lang="ko-KR" altLang="en-US" sz="2000" b="1" dirty="0" smtClean="0"/>
+              <a:t>일차</a:t>
+            </a:r>
+            <a:r>
+              <a:rPr lang="en-US" altLang="ko-KR" sz="2000" b="1" dirty="0" smtClean="0"/>
+              <a:t>(</a:t>
+            </a:r>
+            <a:r>
+              <a:rPr lang="ko-KR" altLang="en-US" sz="2000" b="1" dirty="0" smtClean="0"/>
+              <a:t>연결리스트</a:t>
+            </a:r>
+            <a:r>
+              <a:rPr lang="en-US" altLang="ko-KR" sz="2000" b="1" dirty="0" smtClean="0"/>
+              <a:t>)</a:t>
+            </a:r>
+            <a:endParaRPr lang="ko-KR" altLang="en-US" sz="2000" b="1" dirty="0"/>
+          </a:p>
+        </p:txBody>
+      </p:sp>
+      <p:sp>
+        <p:nvSpPr>
+          <p:cNvPr id="38" name="직사각형 37"/>
+          <p:cNvSpPr/>
+          <p:nvPr/>
+        </p:nvSpPr>
+        <p:spPr>
+          <a:xfrm>
+            <a:off x="611560" y="836712"/>
+            <a:ext cx="4425507" cy="369332"/>
+          </a:xfrm>
+          <a:prstGeom prst="rect">
+            <a:avLst/>
+          </a:prstGeom>
+        </p:spPr>
+        <p:txBody>
+          <a:bodyPr wrap="none">
+            <a:spAutoFit/>
+          </a:bodyPr>
+          <a:lstStyle/>
+          <a:p>
+            <a:r>
+              <a:rPr lang="en-US" altLang="ko-KR" dirty="0" smtClean="0"/>
+              <a:t>6</a:t>
+            </a:r>
+            <a:r>
+              <a:rPr lang="en-US" altLang="ko-KR" dirty="0" smtClean="0"/>
+              <a:t>step) </a:t>
+            </a:r>
+            <a:r>
+              <a:rPr lang="en-US" altLang="ko-KR" dirty="0" err="1" smtClean="0"/>
+              <a:t>back_delete</a:t>
+            </a:r>
+            <a:r>
+              <a:rPr lang="en-US" altLang="ko-KR" dirty="0" smtClean="0"/>
+              <a:t>(</a:t>
+            </a:r>
+            <a:r>
+              <a:rPr lang="ko-KR" altLang="en-US" dirty="0" err="1" smtClean="0"/>
+              <a:t>노드가</a:t>
+            </a:r>
+            <a:r>
+              <a:rPr lang="ko-KR" altLang="en-US" dirty="0" smtClean="0"/>
+              <a:t> </a:t>
+            </a:r>
+            <a:r>
+              <a:rPr lang="ko-KR" altLang="en-US" dirty="0" err="1" smtClean="0"/>
+              <a:t>여러개인상황</a:t>
+            </a:r>
+            <a:r>
+              <a:rPr lang="en-US" altLang="ko-KR" dirty="0" smtClean="0"/>
+              <a:t>)</a:t>
+            </a:r>
+            <a:endParaRPr lang="en-US" altLang="ko-KR" dirty="0" smtClean="0"/>
+          </a:p>
+        </p:txBody>
+      </p:sp>
+      <p:sp>
+        <p:nvSpPr>
+          <p:cNvPr id="23" name="직사각형 22"/>
+          <p:cNvSpPr/>
+          <p:nvPr/>
+        </p:nvSpPr>
+        <p:spPr>
+          <a:xfrm>
+            <a:off x="251520" y="3501008"/>
+            <a:ext cx="1043608" cy="360040"/>
+          </a:xfrm>
+          <a:prstGeom prst="rect">
+            <a:avLst/>
+          </a:prstGeom>
+        </p:spPr>
+        <p:style>
+          <a:lnRef idx="2">
+            <a:schemeClr val="accent1">
+              <a:shade val="50000"/>
+            </a:schemeClr>
+          </a:lnRef>
+          <a:fillRef idx="1">
+            <a:schemeClr val="accent1"/>
+          </a:fillRef>
+          <a:effectRef idx="0">
+            <a:schemeClr val="accent1"/>
+          </a:effectRef>
+          <a:fontRef idx="minor">
+            <a:schemeClr val="lt1"/>
+          </a:fontRef>
+        </p:style>
+        <p:txBody>
+          <a:bodyPr rtlCol="0" anchor="ctr"/>
+          <a:lstStyle/>
+          <a:p>
+            <a:pPr algn="ctr"/>
+            <a:r>
+              <a:rPr lang="en-US" altLang="ko-KR" dirty="0" smtClean="0"/>
+              <a:t>head</a:t>
+            </a:r>
+            <a:endParaRPr lang="ko-KR" altLang="en-US" dirty="0"/>
+          </a:p>
+        </p:txBody>
+      </p:sp>
+      <p:sp>
+        <p:nvSpPr>
+          <p:cNvPr id="24" name="직사각형 23"/>
+          <p:cNvSpPr/>
+          <p:nvPr/>
+        </p:nvSpPr>
+        <p:spPr>
+          <a:xfrm>
+            <a:off x="251520" y="3861048"/>
+            <a:ext cx="1043608" cy="360040"/>
+          </a:xfrm>
+          <a:prstGeom prst="rect">
+            <a:avLst/>
+          </a:prstGeom>
+        </p:spPr>
+        <p:style>
+          <a:lnRef idx="2">
+            <a:schemeClr val="accent1">
+              <a:shade val="50000"/>
+            </a:schemeClr>
+          </a:lnRef>
+          <a:fillRef idx="1">
+            <a:schemeClr val="accent1"/>
+          </a:fillRef>
+          <a:effectRef idx="0">
+            <a:schemeClr val="accent1"/>
+          </a:effectRef>
+          <a:fontRef idx="minor">
+            <a:schemeClr val="lt1"/>
+          </a:fontRef>
+        </p:style>
+        <p:txBody>
+          <a:bodyPr rtlCol="0" anchor="ctr"/>
+          <a:lstStyle/>
+          <a:p>
+            <a:pPr algn="ctr"/>
+            <a:r>
+              <a:rPr lang="en-US" altLang="ko-KR" dirty="0" smtClean="0"/>
+              <a:t>count</a:t>
+            </a:r>
+            <a:endParaRPr lang="ko-KR" altLang="en-US" dirty="0"/>
+          </a:p>
+        </p:txBody>
+      </p:sp>
+      <p:sp>
+        <p:nvSpPr>
+          <p:cNvPr id="25" name="직사각형 24"/>
+          <p:cNvSpPr/>
+          <p:nvPr/>
+        </p:nvSpPr>
+        <p:spPr>
+          <a:xfrm>
+            <a:off x="1259632" y="3501008"/>
+            <a:ext cx="1043608" cy="360040"/>
+          </a:xfrm>
+          <a:prstGeom prst="rect">
+            <a:avLst/>
+          </a:prstGeom>
+          <a:solidFill>
+            <a:schemeClr val="accent1">
+              <a:lumMod val="75000"/>
+            </a:schemeClr>
+          </a:solidFill>
+        </p:spPr>
+        <p:style>
+          <a:lnRef idx="2">
+            <a:schemeClr val="accent1">
+              <a:shade val="50000"/>
+            </a:schemeClr>
+          </a:lnRef>
+          <a:fillRef idx="1">
+            <a:schemeClr val="accent1"/>
+          </a:fillRef>
+          <a:effectRef idx="0">
+            <a:schemeClr val="accent1"/>
+          </a:effectRef>
+          <a:fontRef idx="minor">
+            <a:schemeClr val="lt1"/>
+          </a:fontRef>
+        </p:style>
+        <p:txBody>
+          <a:bodyPr rtlCol="0" anchor="ctr"/>
+          <a:lstStyle/>
+          <a:p>
+            <a:pPr algn="ctr"/>
+            <a:endParaRPr lang="ko-KR" altLang="en-US" dirty="0"/>
+          </a:p>
+        </p:txBody>
+      </p:sp>
+      <p:sp>
+        <p:nvSpPr>
+          <p:cNvPr id="26" name="직사각형 25"/>
+          <p:cNvSpPr/>
+          <p:nvPr/>
+        </p:nvSpPr>
+        <p:spPr>
+          <a:xfrm>
+            <a:off x="1259632" y="3861048"/>
+            <a:ext cx="1043608" cy="360040"/>
+          </a:xfrm>
+          <a:prstGeom prst="rect">
+            <a:avLst/>
+          </a:prstGeom>
+        </p:spPr>
+        <p:style>
+          <a:lnRef idx="2">
+            <a:schemeClr val="accent1">
+              <a:shade val="50000"/>
+            </a:schemeClr>
+          </a:lnRef>
+          <a:fillRef idx="1">
+            <a:schemeClr val="accent1"/>
+          </a:fillRef>
+          <a:effectRef idx="0">
+            <a:schemeClr val="accent1"/>
+          </a:effectRef>
+          <a:fontRef idx="minor">
+            <a:schemeClr val="lt1"/>
+          </a:fontRef>
+        </p:style>
+        <p:txBody>
+          <a:bodyPr rtlCol="0" anchor="ctr"/>
+          <a:lstStyle/>
+          <a:p>
+            <a:pPr algn="ctr"/>
+            <a:r>
+              <a:rPr lang="en-US" altLang="ko-KR" dirty="0" smtClean="0"/>
+              <a:t>0</a:t>
+            </a:r>
+            <a:endParaRPr lang="ko-KR" altLang="en-US" dirty="0"/>
+          </a:p>
+        </p:txBody>
+      </p:sp>
+      <p:cxnSp>
+        <p:nvCxnSpPr>
+          <p:cNvPr id="35" name="직선 화살표 연결선 34"/>
+          <p:cNvCxnSpPr/>
+          <p:nvPr/>
+        </p:nvCxnSpPr>
+        <p:spPr>
+          <a:xfrm>
+            <a:off x="4031432" y="3645024"/>
+            <a:ext cx="648072" cy="36004"/>
+          </a:xfrm>
+          <a:prstGeom prst="straightConnector1">
+            <a:avLst/>
+          </a:prstGeom>
+          <a:ln w="25400">
+            <a:solidFill>
+              <a:srgbClr val="FF0000"/>
+            </a:solidFill>
+            <a:tailEnd type="arrow"/>
+          </a:ln>
+        </p:spPr>
+        <p:style>
+          <a:lnRef idx="1">
+            <a:schemeClr val="accent1"/>
+          </a:lnRef>
+          <a:fillRef idx="0">
+            <a:schemeClr val="accent1"/>
+          </a:fillRef>
+          <a:effectRef idx="0">
+            <a:schemeClr val="accent1"/>
+          </a:effectRef>
+          <a:fontRef idx="minor">
+            <a:schemeClr val="tx1"/>
+          </a:fontRef>
+        </p:style>
+      </p:cxnSp>
+      <p:sp>
+        <p:nvSpPr>
+          <p:cNvPr id="36" name="직사각형 35"/>
+          <p:cNvSpPr/>
+          <p:nvPr/>
+        </p:nvSpPr>
+        <p:spPr>
+          <a:xfrm>
+            <a:off x="2735288" y="3501008"/>
+            <a:ext cx="1008112" cy="360040"/>
+          </a:xfrm>
+          <a:prstGeom prst="rect">
+            <a:avLst/>
+          </a:prstGeom>
+          <a:noFill/>
+        </p:spPr>
+        <p:style>
+          <a:lnRef idx="2">
+            <a:schemeClr val="accent1">
+              <a:shade val="50000"/>
+            </a:schemeClr>
+          </a:lnRef>
+          <a:fillRef idx="1">
+            <a:schemeClr val="accent1"/>
+          </a:fillRef>
+          <a:effectRef idx="0">
+            <a:schemeClr val="accent1"/>
+          </a:effectRef>
+          <a:fontRef idx="minor">
+            <a:schemeClr val="lt1"/>
+          </a:fontRef>
+        </p:style>
+        <p:txBody>
+          <a:bodyPr rtlCol="0" anchor="ctr"/>
+          <a:lstStyle/>
+          <a:p>
+            <a:pPr algn="ctr"/>
+            <a:r>
+              <a:rPr lang="en-US" altLang="ko-KR" dirty="0" smtClean="0">
+                <a:solidFill>
+                  <a:schemeClr val="tx1"/>
+                </a:solidFill>
+              </a:rPr>
+              <a:t>10</a:t>
+            </a:r>
+            <a:endParaRPr lang="ko-KR" altLang="en-US" dirty="0">
+              <a:solidFill>
+                <a:schemeClr val="tx1"/>
+              </a:solidFill>
+            </a:endParaRPr>
+          </a:p>
+        </p:txBody>
+      </p:sp>
+      <p:sp>
+        <p:nvSpPr>
+          <p:cNvPr id="37" name="직사각형 36"/>
+          <p:cNvSpPr/>
+          <p:nvPr/>
+        </p:nvSpPr>
+        <p:spPr>
+          <a:xfrm>
+            <a:off x="3743400" y="3501008"/>
+            <a:ext cx="504056" cy="360040"/>
+          </a:xfrm>
+          <a:prstGeom prst="rect">
+            <a:avLst/>
+          </a:prstGeom>
+          <a:solidFill>
+            <a:schemeClr val="bg1"/>
+          </a:solidFill>
+        </p:spPr>
+        <p:style>
+          <a:lnRef idx="2">
+            <a:schemeClr val="accent1">
+              <a:shade val="50000"/>
+            </a:schemeClr>
+          </a:lnRef>
+          <a:fillRef idx="1">
+            <a:schemeClr val="accent1"/>
+          </a:fillRef>
+          <a:effectRef idx="0">
+            <a:schemeClr val="accent1"/>
+          </a:effectRef>
+          <a:fontRef idx="minor">
+            <a:schemeClr val="lt1"/>
+          </a:fontRef>
+        </p:style>
+        <p:txBody>
+          <a:bodyPr rtlCol="0" anchor="ctr"/>
+          <a:lstStyle/>
+          <a:p>
+            <a:pPr algn="ctr"/>
+            <a:endParaRPr lang="ko-KR" altLang="en-US" dirty="0">
+              <a:solidFill>
+                <a:schemeClr val="tx1"/>
+              </a:solidFill>
+            </a:endParaRPr>
+          </a:p>
+        </p:txBody>
+      </p:sp>
+      <p:sp>
+        <p:nvSpPr>
+          <p:cNvPr id="39" name="직사각형 38"/>
+          <p:cNvSpPr/>
+          <p:nvPr/>
+        </p:nvSpPr>
+        <p:spPr>
+          <a:xfrm>
+            <a:off x="4679504" y="3501008"/>
+            <a:ext cx="1008112" cy="360040"/>
+          </a:xfrm>
+          <a:prstGeom prst="rect">
+            <a:avLst/>
+          </a:prstGeom>
+          <a:noFill/>
+        </p:spPr>
+        <p:style>
+          <a:lnRef idx="2">
+            <a:schemeClr val="accent1">
+              <a:shade val="50000"/>
+            </a:schemeClr>
+          </a:lnRef>
+          <a:fillRef idx="1">
+            <a:schemeClr val="accent1"/>
+          </a:fillRef>
+          <a:effectRef idx="0">
+            <a:schemeClr val="accent1"/>
+          </a:effectRef>
+          <a:fontRef idx="minor">
+            <a:schemeClr val="lt1"/>
+          </a:fontRef>
+        </p:style>
+        <p:txBody>
+          <a:bodyPr rtlCol="0" anchor="ctr"/>
+          <a:lstStyle/>
+          <a:p>
+            <a:pPr algn="ctr"/>
+            <a:r>
+              <a:rPr lang="en-US" altLang="ko-KR" dirty="0" smtClean="0">
+                <a:solidFill>
+                  <a:schemeClr val="tx1"/>
+                </a:solidFill>
+              </a:rPr>
+              <a:t>20</a:t>
+            </a:r>
+            <a:endParaRPr lang="ko-KR" altLang="en-US" dirty="0">
+              <a:solidFill>
+                <a:schemeClr val="tx1"/>
+              </a:solidFill>
+            </a:endParaRPr>
+          </a:p>
+        </p:txBody>
+      </p:sp>
+      <p:sp>
+        <p:nvSpPr>
+          <p:cNvPr id="40" name="직사각형 39"/>
+          <p:cNvSpPr/>
+          <p:nvPr/>
+        </p:nvSpPr>
+        <p:spPr>
+          <a:xfrm>
+            <a:off x="5687616" y="3501008"/>
+            <a:ext cx="504056" cy="360040"/>
+          </a:xfrm>
+          <a:prstGeom prst="rect">
+            <a:avLst/>
+          </a:prstGeom>
+          <a:solidFill>
+            <a:schemeClr val="accent3">
+              <a:lumMod val="60000"/>
+              <a:lumOff val="40000"/>
+            </a:schemeClr>
+          </a:solidFill>
+        </p:spPr>
+        <p:style>
+          <a:lnRef idx="2">
+            <a:schemeClr val="accent1">
+              <a:shade val="50000"/>
+            </a:schemeClr>
+          </a:lnRef>
+          <a:fillRef idx="1">
+            <a:schemeClr val="accent1"/>
+          </a:fillRef>
+          <a:effectRef idx="0">
+            <a:schemeClr val="accent1"/>
+          </a:effectRef>
+          <a:fontRef idx="minor">
+            <a:schemeClr val="lt1"/>
+          </a:fontRef>
+        </p:style>
+        <p:txBody>
+          <a:bodyPr rtlCol="0" anchor="ctr"/>
+          <a:lstStyle/>
+          <a:p>
+            <a:pPr algn="ctr"/>
+            <a:endParaRPr lang="ko-KR" altLang="en-US" dirty="0">
+              <a:solidFill>
+                <a:schemeClr val="tx1"/>
+              </a:solidFill>
+            </a:endParaRPr>
+          </a:p>
+        </p:txBody>
+      </p:sp>
+      <p:sp>
+        <p:nvSpPr>
+          <p:cNvPr id="43" name="직사각형 42"/>
+          <p:cNvSpPr/>
+          <p:nvPr/>
+        </p:nvSpPr>
+        <p:spPr>
+          <a:xfrm>
+            <a:off x="6479704" y="3501008"/>
+            <a:ext cx="1008112" cy="360040"/>
+          </a:xfrm>
+          <a:prstGeom prst="rect">
+            <a:avLst/>
+          </a:prstGeom>
+          <a:noFill/>
+        </p:spPr>
+        <p:style>
+          <a:lnRef idx="2">
+            <a:schemeClr val="accent1">
+              <a:shade val="50000"/>
+            </a:schemeClr>
+          </a:lnRef>
+          <a:fillRef idx="1">
+            <a:schemeClr val="accent1"/>
+          </a:fillRef>
+          <a:effectRef idx="0">
+            <a:schemeClr val="accent1"/>
+          </a:effectRef>
+          <a:fontRef idx="minor">
+            <a:schemeClr val="lt1"/>
+          </a:fontRef>
+        </p:style>
+        <p:txBody>
+          <a:bodyPr rtlCol="0" anchor="ctr"/>
+          <a:lstStyle/>
+          <a:p>
+            <a:pPr algn="ctr"/>
+            <a:r>
+              <a:rPr lang="en-US" altLang="ko-KR" dirty="0" smtClean="0">
+                <a:solidFill>
+                  <a:schemeClr val="tx1"/>
+                </a:solidFill>
+              </a:rPr>
+              <a:t>30</a:t>
+            </a:r>
+            <a:endParaRPr lang="ko-KR" altLang="en-US" dirty="0">
+              <a:solidFill>
+                <a:schemeClr val="tx1"/>
+              </a:solidFill>
+            </a:endParaRPr>
+          </a:p>
+        </p:txBody>
+      </p:sp>
+      <p:sp>
+        <p:nvSpPr>
+          <p:cNvPr id="44" name="직사각형 43"/>
+          <p:cNvSpPr/>
+          <p:nvPr/>
+        </p:nvSpPr>
+        <p:spPr>
+          <a:xfrm>
+            <a:off x="7487816" y="3501008"/>
+            <a:ext cx="504056" cy="360040"/>
+          </a:xfrm>
+          <a:prstGeom prst="rect">
+            <a:avLst/>
+          </a:prstGeom>
+          <a:noFill/>
+        </p:spPr>
+        <p:style>
+          <a:lnRef idx="2">
+            <a:schemeClr val="accent1">
+              <a:shade val="50000"/>
+            </a:schemeClr>
+          </a:lnRef>
+          <a:fillRef idx="1">
+            <a:schemeClr val="accent1"/>
+          </a:fillRef>
+          <a:effectRef idx="0">
+            <a:schemeClr val="accent1"/>
+          </a:effectRef>
+          <a:fontRef idx="minor">
+            <a:schemeClr val="lt1"/>
+          </a:fontRef>
+        </p:style>
+        <p:txBody>
+          <a:bodyPr rtlCol="0" anchor="ctr"/>
+          <a:lstStyle/>
+          <a:p>
+            <a:pPr algn="ctr"/>
+            <a:endParaRPr lang="ko-KR" altLang="en-US" dirty="0">
+              <a:solidFill>
+                <a:schemeClr val="tx1"/>
+              </a:solidFill>
+            </a:endParaRPr>
+          </a:p>
+        </p:txBody>
+      </p:sp>
+      <p:cxnSp>
+        <p:nvCxnSpPr>
+          <p:cNvPr id="45" name="직선 화살표 연결선 44"/>
+          <p:cNvCxnSpPr>
+            <a:endCxn id="36" idx="1"/>
+          </p:cNvCxnSpPr>
+          <p:nvPr/>
+        </p:nvCxnSpPr>
+        <p:spPr>
+          <a:xfrm>
+            <a:off x="2123728" y="3681028"/>
+            <a:ext cx="611560" cy="0"/>
+          </a:xfrm>
+          <a:prstGeom prst="straightConnector1">
+            <a:avLst/>
+          </a:prstGeom>
+          <a:ln w="25400">
+            <a:solidFill>
+              <a:srgbClr val="FF0000"/>
+            </a:solidFill>
+            <a:tailEnd type="arrow"/>
+          </a:ln>
+        </p:spPr>
+        <p:style>
+          <a:lnRef idx="1">
+            <a:schemeClr val="accent1"/>
+          </a:lnRef>
+          <a:fillRef idx="0">
+            <a:schemeClr val="accent1"/>
+          </a:fillRef>
+          <a:effectRef idx="0">
+            <a:schemeClr val="accent1"/>
+          </a:effectRef>
+          <a:fontRef idx="minor">
+            <a:schemeClr val="tx1"/>
+          </a:fontRef>
+        </p:style>
+      </p:cxnSp>
+      <p:cxnSp>
+        <p:nvCxnSpPr>
+          <p:cNvPr id="46" name="직선 화살표 연결선 45"/>
+          <p:cNvCxnSpPr/>
+          <p:nvPr/>
+        </p:nvCxnSpPr>
+        <p:spPr>
+          <a:xfrm>
+            <a:off x="5903640" y="3645024"/>
+            <a:ext cx="648072" cy="36004"/>
+          </a:xfrm>
+          <a:prstGeom prst="straightConnector1">
+            <a:avLst/>
+          </a:prstGeom>
+          <a:ln w="25400">
+            <a:solidFill>
+              <a:srgbClr val="FF0000"/>
+            </a:solidFill>
+            <a:tailEnd type="arrow"/>
+          </a:ln>
+        </p:spPr>
+        <p:style>
+          <a:lnRef idx="1">
+            <a:schemeClr val="accent1"/>
+          </a:lnRef>
+          <a:fillRef idx="0">
+            <a:schemeClr val="accent1"/>
+          </a:fillRef>
+          <a:effectRef idx="0">
+            <a:schemeClr val="accent1"/>
+          </a:effectRef>
+          <a:fontRef idx="minor">
+            <a:schemeClr val="tx1"/>
+          </a:fontRef>
+        </p:style>
+      </p:cxnSp>
+      <p:cxnSp>
+        <p:nvCxnSpPr>
+          <p:cNvPr id="48" name="직선 화살표 연결선 47"/>
+          <p:cNvCxnSpPr/>
+          <p:nvPr/>
+        </p:nvCxnSpPr>
+        <p:spPr>
+          <a:xfrm>
+            <a:off x="7991872" y="3645024"/>
+            <a:ext cx="432048" cy="0"/>
+          </a:xfrm>
+          <a:prstGeom prst="straightConnector1">
+            <a:avLst/>
+          </a:prstGeom>
+          <a:ln w="25400">
+            <a:solidFill>
+              <a:srgbClr val="FF0000"/>
+            </a:solidFill>
+            <a:tailEnd type="none"/>
+          </a:ln>
+        </p:spPr>
+        <p:style>
+          <a:lnRef idx="1">
+            <a:schemeClr val="accent1"/>
+          </a:lnRef>
+          <a:fillRef idx="0">
+            <a:schemeClr val="accent1"/>
+          </a:fillRef>
+          <a:effectRef idx="0">
+            <a:schemeClr val="accent1"/>
+          </a:effectRef>
+          <a:fontRef idx="minor">
+            <a:schemeClr val="tx1"/>
+          </a:fontRef>
+        </p:style>
+      </p:cxnSp>
+      <p:cxnSp>
+        <p:nvCxnSpPr>
+          <p:cNvPr id="49" name="직선 화살표 연결선 48"/>
+          <p:cNvCxnSpPr/>
+          <p:nvPr/>
+        </p:nvCxnSpPr>
+        <p:spPr>
+          <a:xfrm>
+            <a:off x="8351912" y="3429000"/>
+            <a:ext cx="72008" cy="432048"/>
+          </a:xfrm>
+          <a:prstGeom prst="straightConnector1">
+            <a:avLst/>
+          </a:prstGeom>
+          <a:ln w="25400">
+            <a:solidFill>
+              <a:srgbClr val="FF0000"/>
+            </a:solidFill>
+            <a:tailEnd type="none"/>
+          </a:ln>
+        </p:spPr>
+        <p:style>
+          <a:lnRef idx="1">
+            <a:schemeClr val="accent1"/>
+          </a:lnRef>
+          <a:fillRef idx="0">
+            <a:schemeClr val="accent1"/>
+          </a:fillRef>
+          <a:effectRef idx="0">
+            <a:schemeClr val="accent1"/>
+          </a:effectRef>
+          <a:fontRef idx="minor">
+            <a:schemeClr val="tx1"/>
+          </a:fontRef>
+        </p:style>
+      </p:cxnSp>
+      <p:cxnSp>
+        <p:nvCxnSpPr>
+          <p:cNvPr id="50" name="직선 화살표 연결선 49"/>
+          <p:cNvCxnSpPr/>
+          <p:nvPr/>
+        </p:nvCxnSpPr>
+        <p:spPr>
+          <a:xfrm>
+            <a:off x="8423920" y="3356992"/>
+            <a:ext cx="72008" cy="432048"/>
+          </a:xfrm>
+          <a:prstGeom prst="straightConnector1">
+            <a:avLst/>
+          </a:prstGeom>
+          <a:ln w="25400">
+            <a:solidFill>
+              <a:srgbClr val="FF0000"/>
+            </a:solidFill>
+            <a:tailEnd type="none"/>
+          </a:ln>
+        </p:spPr>
+        <p:style>
+          <a:lnRef idx="1">
+            <a:schemeClr val="accent1"/>
+          </a:lnRef>
+          <a:fillRef idx="0">
+            <a:schemeClr val="accent1"/>
+          </a:fillRef>
+          <a:effectRef idx="0">
+            <a:schemeClr val="accent1"/>
+          </a:effectRef>
+          <a:fontRef idx="minor">
+            <a:schemeClr val="tx1"/>
+          </a:fontRef>
+        </p:style>
+      </p:cxnSp>
+      <p:sp>
+        <p:nvSpPr>
+          <p:cNvPr id="70" name="직사각형 69"/>
+          <p:cNvSpPr/>
+          <p:nvPr/>
+        </p:nvSpPr>
+        <p:spPr>
+          <a:xfrm>
+            <a:off x="5364088" y="332656"/>
+            <a:ext cx="3135795" cy="1200329"/>
+          </a:xfrm>
+          <a:prstGeom prst="rect">
+            <a:avLst/>
+          </a:prstGeom>
+        </p:spPr>
+        <p:txBody>
+          <a:bodyPr wrap="none">
+            <a:spAutoFit/>
+          </a:bodyPr>
+          <a:lstStyle/>
+          <a:p>
+            <a:pPr marL="342900" indent="-342900"/>
+            <a:r>
+              <a:rPr lang="en-US" altLang="ko-KR" b="1" dirty="0" smtClean="0">
+                <a:solidFill>
+                  <a:srgbClr val="FF0000"/>
+                </a:solidFill>
+              </a:rPr>
+              <a:t>[</a:t>
+            </a:r>
+            <a:r>
+              <a:rPr lang="ko-KR" altLang="en-US" b="1" dirty="0" smtClean="0">
+                <a:solidFill>
+                  <a:srgbClr val="FF0000"/>
+                </a:solidFill>
+              </a:rPr>
+              <a:t>삭제할 </a:t>
+            </a:r>
+            <a:r>
+              <a:rPr lang="ko-KR" altLang="en-US" b="1" dirty="0" err="1" smtClean="0">
+                <a:solidFill>
+                  <a:srgbClr val="FF0000"/>
+                </a:solidFill>
+              </a:rPr>
+              <a:t>노드를</a:t>
+            </a:r>
+            <a:r>
+              <a:rPr lang="ko-KR" altLang="en-US" b="1" dirty="0" smtClean="0">
+                <a:solidFill>
+                  <a:srgbClr val="FF0000"/>
+                </a:solidFill>
+              </a:rPr>
+              <a:t> 찾는다</a:t>
+            </a:r>
+            <a:r>
+              <a:rPr lang="en-US" altLang="ko-KR" b="1" dirty="0" smtClean="0">
+                <a:solidFill>
+                  <a:srgbClr val="FF0000"/>
+                </a:solidFill>
+              </a:rPr>
+              <a:t>]</a:t>
+            </a:r>
+          </a:p>
+          <a:p>
+            <a:pPr marL="342900" indent="-342900"/>
+            <a:r>
+              <a:rPr lang="en-US" altLang="ko-KR" b="1" dirty="0" smtClean="0">
+                <a:solidFill>
+                  <a:srgbClr val="FF0000"/>
+                </a:solidFill>
+              </a:rPr>
+              <a:t> </a:t>
+            </a:r>
+            <a:r>
+              <a:rPr lang="en-US" altLang="ko-KR" b="1" dirty="0" smtClean="0">
+                <a:solidFill>
+                  <a:srgbClr val="FF0000"/>
+                </a:solidFill>
+              </a:rPr>
+              <a:t>- </a:t>
+            </a:r>
+            <a:r>
+              <a:rPr lang="ko-KR" altLang="en-US" b="1" dirty="0" smtClean="0">
+                <a:solidFill>
+                  <a:srgbClr val="FF0000"/>
+                </a:solidFill>
+              </a:rPr>
+              <a:t>꼬리 찾기</a:t>
+            </a:r>
+            <a:endParaRPr lang="en-US" altLang="ko-KR" b="1" dirty="0" smtClean="0">
+              <a:solidFill>
+                <a:srgbClr val="FF0000"/>
+              </a:solidFill>
+            </a:endParaRPr>
+          </a:p>
+          <a:p>
+            <a:pPr marL="342900" indent="-342900"/>
+            <a:r>
+              <a:rPr lang="en-US" altLang="ko-KR" b="1" dirty="0" smtClean="0">
+                <a:solidFill>
+                  <a:srgbClr val="FF0000"/>
+                </a:solidFill>
+              </a:rPr>
+              <a:t>[</a:t>
+            </a:r>
+            <a:r>
+              <a:rPr lang="ko-KR" altLang="en-US" b="1" dirty="0" smtClean="0">
+                <a:solidFill>
+                  <a:srgbClr val="FF0000"/>
+                </a:solidFill>
+              </a:rPr>
+              <a:t>삭제할 이전 </a:t>
+            </a:r>
+            <a:r>
+              <a:rPr lang="ko-KR" altLang="en-US" b="1" dirty="0" err="1" smtClean="0">
+                <a:solidFill>
+                  <a:srgbClr val="FF0000"/>
+                </a:solidFill>
+              </a:rPr>
+              <a:t>노드를</a:t>
+            </a:r>
+            <a:r>
+              <a:rPr lang="ko-KR" altLang="en-US" b="1" dirty="0" smtClean="0">
+                <a:solidFill>
+                  <a:srgbClr val="FF0000"/>
+                </a:solidFill>
+              </a:rPr>
+              <a:t> 찾는다</a:t>
+            </a:r>
+            <a:r>
+              <a:rPr lang="en-US" altLang="ko-KR" b="1" dirty="0" smtClean="0">
+                <a:solidFill>
+                  <a:srgbClr val="FF0000"/>
+                </a:solidFill>
+              </a:rPr>
+              <a:t>]</a:t>
+            </a:r>
+          </a:p>
+          <a:p>
+            <a:pPr marL="342900" indent="-342900"/>
+            <a:r>
+              <a:rPr lang="en-US" altLang="ko-KR" b="1" dirty="0" smtClean="0">
+                <a:solidFill>
+                  <a:srgbClr val="FF0000"/>
+                </a:solidFill>
+              </a:rPr>
+              <a:t> </a:t>
+            </a:r>
+            <a:endParaRPr lang="en-US" altLang="ko-KR" b="1" dirty="0" smtClean="0">
+              <a:solidFill>
+                <a:srgbClr val="FF0000"/>
+              </a:solidFill>
+            </a:endParaRPr>
+          </a:p>
+        </p:txBody>
+      </p:sp>
+      <p:sp>
+        <p:nvSpPr>
+          <p:cNvPr id="60" name="직사각형 59"/>
+          <p:cNvSpPr/>
+          <p:nvPr/>
+        </p:nvSpPr>
+        <p:spPr>
+          <a:xfrm>
+            <a:off x="6588224" y="2564904"/>
+            <a:ext cx="648072" cy="360040"/>
+          </a:xfrm>
+          <a:prstGeom prst="rect">
+            <a:avLst/>
+          </a:prstGeom>
+        </p:spPr>
+        <p:style>
+          <a:lnRef idx="2">
+            <a:schemeClr val="accent1">
+              <a:shade val="50000"/>
+            </a:schemeClr>
+          </a:lnRef>
+          <a:fillRef idx="1">
+            <a:schemeClr val="accent1"/>
+          </a:fillRef>
+          <a:effectRef idx="0">
+            <a:schemeClr val="accent1"/>
+          </a:effectRef>
+          <a:fontRef idx="minor">
+            <a:schemeClr val="lt1"/>
+          </a:fontRef>
+        </p:style>
+        <p:txBody>
+          <a:bodyPr rtlCol="0" anchor="ctr"/>
+          <a:lstStyle/>
+          <a:p>
+            <a:pPr algn="ctr"/>
+            <a:r>
+              <a:rPr lang="en-US" altLang="ko-KR" dirty="0" smtClean="0"/>
+              <a:t>del</a:t>
+            </a:r>
+            <a:endParaRPr lang="ko-KR" altLang="en-US" dirty="0"/>
+          </a:p>
+        </p:txBody>
+      </p:sp>
+      <p:cxnSp>
+        <p:nvCxnSpPr>
+          <p:cNvPr id="62" name="직선 화살표 연결선 61"/>
+          <p:cNvCxnSpPr/>
+          <p:nvPr/>
+        </p:nvCxnSpPr>
+        <p:spPr>
+          <a:xfrm>
+            <a:off x="6948264" y="2924944"/>
+            <a:ext cx="180020" cy="576064"/>
+          </a:xfrm>
+          <a:prstGeom prst="straightConnector1">
+            <a:avLst/>
+          </a:prstGeom>
+          <a:ln w="25400">
+            <a:solidFill>
+              <a:srgbClr val="FF0000"/>
+            </a:solidFill>
+            <a:tailEnd type="arrow"/>
+          </a:ln>
+        </p:spPr>
+        <p:style>
+          <a:lnRef idx="1">
+            <a:schemeClr val="accent1"/>
+          </a:lnRef>
+          <a:fillRef idx="0">
+            <a:schemeClr val="accent1"/>
+          </a:fillRef>
+          <a:effectRef idx="0">
+            <a:schemeClr val="accent1"/>
+          </a:effectRef>
+          <a:fontRef idx="minor">
+            <a:schemeClr val="tx1"/>
+          </a:fontRef>
+        </p:style>
+      </p:cxnSp>
+      <p:cxnSp>
+        <p:nvCxnSpPr>
+          <p:cNvPr id="41" name="직선 화살표 연결선 40"/>
+          <p:cNvCxnSpPr/>
+          <p:nvPr/>
+        </p:nvCxnSpPr>
+        <p:spPr>
+          <a:xfrm>
+            <a:off x="5940152" y="3789040"/>
+            <a:ext cx="0" cy="288032"/>
+          </a:xfrm>
+          <a:prstGeom prst="straightConnector1">
+            <a:avLst/>
+          </a:prstGeom>
+          <a:ln w="25400">
+            <a:solidFill>
+              <a:schemeClr val="accent3">
+                <a:lumMod val="75000"/>
+              </a:schemeClr>
+            </a:solidFill>
+            <a:tailEnd type="none"/>
+          </a:ln>
+        </p:spPr>
+        <p:style>
+          <a:lnRef idx="1">
+            <a:schemeClr val="accent1"/>
+          </a:lnRef>
+          <a:fillRef idx="0">
+            <a:schemeClr val="accent1"/>
+          </a:fillRef>
+          <a:effectRef idx="0">
+            <a:schemeClr val="accent1"/>
+          </a:effectRef>
+          <a:fontRef idx="minor">
+            <a:schemeClr val="tx1"/>
+          </a:fontRef>
+        </p:style>
+      </p:cxnSp>
+      <p:cxnSp>
+        <p:nvCxnSpPr>
+          <p:cNvPr id="53" name="직선 화살표 연결선 52"/>
+          <p:cNvCxnSpPr/>
+          <p:nvPr/>
+        </p:nvCxnSpPr>
+        <p:spPr>
+          <a:xfrm>
+            <a:off x="5724128" y="4077072"/>
+            <a:ext cx="360040" cy="0"/>
+          </a:xfrm>
+          <a:prstGeom prst="straightConnector1">
+            <a:avLst/>
+          </a:prstGeom>
+          <a:ln w="25400">
+            <a:solidFill>
+              <a:schemeClr val="accent3">
+                <a:lumMod val="75000"/>
+              </a:schemeClr>
+            </a:solidFill>
+            <a:tailEnd type="none"/>
+          </a:ln>
+        </p:spPr>
+        <p:style>
+          <a:lnRef idx="1">
+            <a:schemeClr val="accent1"/>
+          </a:lnRef>
+          <a:fillRef idx="0">
+            <a:schemeClr val="accent1"/>
+          </a:fillRef>
+          <a:effectRef idx="0">
+            <a:schemeClr val="accent1"/>
+          </a:effectRef>
+          <a:fontRef idx="minor">
+            <a:schemeClr val="tx1"/>
+          </a:fontRef>
+        </p:style>
+      </p:cxnSp>
+      <p:cxnSp>
+        <p:nvCxnSpPr>
+          <p:cNvPr id="58" name="직선 화살표 연결선 57"/>
+          <p:cNvCxnSpPr/>
+          <p:nvPr/>
+        </p:nvCxnSpPr>
+        <p:spPr>
+          <a:xfrm>
+            <a:off x="5724128" y="4149080"/>
+            <a:ext cx="360040" cy="0"/>
+          </a:xfrm>
+          <a:prstGeom prst="straightConnector1">
+            <a:avLst/>
+          </a:prstGeom>
+          <a:ln w="25400">
+            <a:solidFill>
+              <a:schemeClr val="accent3">
+                <a:lumMod val="75000"/>
+              </a:schemeClr>
+            </a:solidFill>
+            <a:tailEnd type="none"/>
+          </a:ln>
+        </p:spPr>
+        <p:style>
+          <a:lnRef idx="1">
+            <a:schemeClr val="accent1"/>
+          </a:lnRef>
+          <a:fillRef idx="0">
+            <a:schemeClr val="accent1"/>
+          </a:fillRef>
+          <a:effectRef idx="0">
+            <a:schemeClr val="accent1"/>
+          </a:effectRef>
+          <a:fontRef idx="minor">
+            <a:schemeClr val="tx1"/>
+          </a:fontRef>
+        </p:style>
+      </p:cxnSp>
+      <p:sp>
+        <p:nvSpPr>
+          <p:cNvPr id="59" name="직사각형 58"/>
+          <p:cNvSpPr/>
+          <p:nvPr/>
+        </p:nvSpPr>
+        <p:spPr>
+          <a:xfrm>
+            <a:off x="4103948" y="2564904"/>
+            <a:ext cx="648072" cy="360040"/>
+          </a:xfrm>
+          <a:prstGeom prst="rect">
+            <a:avLst/>
+          </a:prstGeom>
+        </p:spPr>
+        <p:style>
+          <a:lnRef idx="2">
+            <a:schemeClr val="accent1">
+              <a:shade val="50000"/>
+            </a:schemeClr>
+          </a:lnRef>
+          <a:fillRef idx="1">
+            <a:schemeClr val="accent1"/>
+          </a:fillRef>
+          <a:effectRef idx="0">
+            <a:schemeClr val="accent1"/>
+          </a:effectRef>
+          <a:fontRef idx="minor">
+            <a:schemeClr val="lt1"/>
+          </a:fontRef>
+        </p:style>
+        <p:txBody>
+          <a:bodyPr rtlCol="0" anchor="ctr"/>
+          <a:lstStyle/>
+          <a:p>
+            <a:pPr algn="ctr"/>
+            <a:r>
+              <a:rPr lang="en-US" altLang="ko-KR" dirty="0" err="1" smtClean="0"/>
+              <a:t>prev</a:t>
+            </a:r>
+            <a:endParaRPr lang="ko-KR" altLang="en-US" dirty="0"/>
+          </a:p>
+        </p:txBody>
+      </p:sp>
+      <p:cxnSp>
+        <p:nvCxnSpPr>
+          <p:cNvPr id="65" name="직선 화살표 연결선 64"/>
+          <p:cNvCxnSpPr/>
+          <p:nvPr/>
+        </p:nvCxnSpPr>
+        <p:spPr>
+          <a:xfrm>
+            <a:off x="4572000" y="2924944"/>
+            <a:ext cx="180020" cy="576064"/>
+          </a:xfrm>
+          <a:prstGeom prst="straightConnector1">
+            <a:avLst/>
+          </a:prstGeom>
+          <a:ln w="25400">
+            <a:solidFill>
+              <a:srgbClr val="FF0000"/>
+            </a:solidFill>
+            <a:tailEnd type="arrow"/>
+          </a:ln>
+        </p:spPr>
+        <p:style>
+          <a:lnRef idx="1">
+            <a:schemeClr val="accent1"/>
+          </a:lnRef>
+          <a:fillRef idx="0">
+            <a:schemeClr val="accent1"/>
+          </a:fillRef>
+          <a:effectRef idx="0">
+            <a:schemeClr val="accent1"/>
+          </a:effectRef>
+          <a:fontRef idx="minor">
+            <a:schemeClr val="tx1"/>
+          </a:fontRef>
+        </p:style>
+      </p:cxnSp>
+      <p:sp>
+        <p:nvSpPr>
+          <p:cNvPr id="66" name="직사각형 65"/>
+          <p:cNvSpPr/>
+          <p:nvPr/>
+        </p:nvSpPr>
+        <p:spPr>
+          <a:xfrm>
+            <a:off x="3851920" y="4509120"/>
+            <a:ext cx="4422044" cy="2031325"/>
+          </a:xfrm>
+          <a:prstGeom prst="rect">
+            <a:avLst/>
+          </a:prstGeom>
+        </p:spPr>
+        <p:txBody>
+          <a:bodyPr wrap="none">
+            <a:spAutoFit/>
+          </a:bodyPr>
+          <a:lstStyle/>
+          <a:p>
+            <a:r>
+              <a:rPr lang="en-US" altLang="ko-KR" dirty="0" smtClean="0"/>
+              <a:t>del = </a:t>
+            </a:r>
+            <a:r>
+              <a:rPr lang="en-US" altLang="ko-KR" dirty="0" err="1" smtClean="0"/>
+              <a:t>prev</a:t>
+            </a:r>
+            <a:r>
+              <a:rPr lang="en-US" altLang="ko-KR" dirty="0" smtClean="0"/>
+              <a:t> = head;</a:t>
+            </a:r>
+          </a:p>
+          <a:p>
+            <a:r>
+              <a:rPr lang="en-US" altLang="ko-KR" dirty="0" smtClean="0"/>
+              <a:t>while( </a:t>
+            </a:r>
+            <a:r>
+              <a:rPr lang="en-US" altLang="ko-KR" dirty="0" err="1" smtClean="0"/>
+              <a:t>del.next</a:t>
+            </a:r>
+            <a:r>
+              <a:rPr lang="en-US" altLang="ko-KR" dirty="0" smtClean="0"/>
+              <a:t> != null) {</a:t>
+            </a:r>
+          </a:p>
+          <a:p>
+            <a:r>
+              <a:rPr lang="en-US" altLang="ko-KR" dirty="0" smtClean="0"/>
+              <a:t>    </a:t>
+            </a:r>
+            <a:r>
+              <a:rPr lang="en-US" altLang="ko-KR" dirty="0" err="1" smtClean="0"/>
+              <a:t>prev</a:t>
+            </a:r>
+            <a:r>
+              <a:rPr lang="en-US" altLang="ko-KR" dirty="0" smtClean="0"/>
+              <a:t> = del;</a:t>
+            </a:r>
+          </a:p>
+          <a:p>
+            <a:r>
+              <a:rPr lang="en-US" altLang="ko-KR" dirty="0" smtClean="0"/>
+              <a:t> </a:t>
+            </a:r>
+            <a:r>
+              <a:rPr lang="en-US" altLang="ko-KR" dirty="0" smtClean="0"/>
+              <a:t>   del = </a:t>
+            </a:r>
+            <a:r>
+              <a:rPr lang="en-US" altLang="ko-KR" dirty="0" err="1" smtClean="0"/>
+              <a:t>del.next</a:t>
+            </a:r>
+            <a:r>
+              <a:rPr lang="en-US" altLang="ko-KR" dirty="0" smtClean="0"/>
+              <a:t>;</a:t>
+            </a:r>
+            <a:endParaRPr lang="en-US" altLang="ko-KR" dirty="0" smtClean="0"/>
+          </a:p>
+          <a:p>
+            <a:r>
+              <a:rPr lang="en-US" altLang="ko-KR" dirty="0" smtClean="0"/>
+              <a:t>}</a:t>
+            </a:r>
+          </a:p>
+          <a:p>
+            <a:r>
+              <a:rPr lang="en-US" altLang="ko-KR" dirty="0" smtClean="0"/>
+              <a:t>//</a:t>
+            </a:r>
+            <a:r>
+              <a:rPr lang="ko-KR" altLang="en-US" dirty="0" smtClean="0"/>
+              <a:t>삭제연산</a:t>
+            </a:r>
+            <a:r>
+              <a:rPr lang="en-US" altLang="ko-KR" dirty="0" smtClean="0"/>
+              <a:t>!</a:t>
+            </a:r>
+          </a:p>
+          <a:p>
+            <a:r>
+              <a:rPr lang="en-US" altLang="ko-KR" dirty="0" err="1" smtClean="0"/>
+              <a:t>prev.next</a:t>
+            </a:r>
+            <a:r>
+              <a:rPr lang="en-US" altLang="ko-KR" dirty="0" smtClean="0"/>
+              <a:t> = null;  // </a:t>
+            </a:r>
+            <a:r>
+              <a:rPr lang="en-US" altLang="ko-KR" dirty="0" err="1" smtClean="0"/>
+              <a:t>prev.next</a:t>
+            </a:r>
+            <a:r>
+              <a:rPr lang="en-US" altLang="ko-KR" dirty="0" smtClean="0"/>
+              <a:t> = </a:t>
+            </a:r>
+            <a:r>
+              <a:rPr lang="en-US" altLang="ko-KR" dirty="0" err="1" smtClean="0"/>
+              <a:t>del.next</a:t>
+            </a:r>
+            <a:r>
+              <a:rPr lang="en-US" altLang="ko-KR" dirty="0" smtClean="0"/>
+              <a:t>;</a:t>
+            </a:r>
+            <a:endParaRPr lang="ko-KR" altLang="en-US" dirty="0"/>
+          </a:p>
+        </p:txBody>
+      </p:sp>
+    </p:spTree>
+  </p:cSld>
+  <p:clrMapOvr>
+    <a:masterClrMapping/>
+  </p:clrMapOvr>
+</p:sld>
+</file>
+
+<file path=ppt/slides/slide31.xml><?xml version="1.0" encoding="utf-8"?>
+<p:sld xmlns:a="http://schemas.openxmlformats.org/drawingml/2006/main" xmlns:r="http://schemas.openxmlformats.org/officeDocument/2006/relationships" xmlns:p="http://schemas.openxmlformats.org/presentationml/2006/main">
+  <p:cSld>
+    <p:spTree>
+      <p:nvGrpSpPr>
+        <p:cNvPr id="1" name=""/>
+        <p:cNvGrpSpPr/>
+        <p:nvPr/>
+      </p:nvGrpSpPr>
+      <p:grpSpPr>
+        <a:xfrm>
+          <a:off x="0" y="0"/>
+          <a:ext cx="0" cy="0"/>
+          <a:chOff x="0" y="0"/>
+          <a:chExt cx="0" cy="0"/>
+        </a:xfrm>
+      </p:grpSpPr>
+      <p:sp>
+        <p:nvSpPr>
+          <p:cNvPr id="5" name="TextBox 4"/>
+          <p:cNvSpPr txBox="1"/>
+          <p:nvPr/>
+        </p:nvSpPr>
+        <p:spPr>
+          <a:xfrm>
+            <a:off x="251520" y="260648"/>
+            <a:ext cx="5976664" cy="400110"/>
+          </a:xfrm>
+          <a:prstGeom prst="rect">
+            <a:avLst/>
+          </a:prstGeom>
+          <a:noFill/>
+        </p:spPr>
+        <p:txBody>
+          <a:bodyPr wrap="square" rtlCol="0">
+            <a:spAutoFit/>
+          </a:bodyPr>
+          <a:lstStyle/>
+          <a:p>
+            <a:r>
+              <a:rPr lang="ko-KR" altLang="en-US" sz="2000" b="1" dirty="0" smtClean="0"/>
+              <a:t>자료구조 </a:t>
+            </a:r>
+            <a:r>
+              <a:rPr lang="en-US" altLang="ko-KR" sz="2000" b="1" dirty="0" smtClean="0"/>
+              <a:t>2</a:t>
+            </a:r>
+            <a:r>
+              <a:rPr lang="ko-KR" altLang="en-US" sz="2000" b="1" dirty="0" smtClean="0"/>
+              <a:t>일차</a:t>
+            </a:r>
+            <a:r>
+              <a:rPr lang="en-US" altLang="ko-KR" sz="2000" b="1" dirty="0" smtClean="0"/>
+              <a:t>(</a:t>
+            </a:r>
+            <a:r>
+              <a:rPr lang="ko-KR" altLang="en-US" sz="2000" b="1" dirty="0" smtClean="0"/>
+              <a:t>연결리스트</a:t>
+            </a:r>
+            <a:r>
+              <a:rPr lang="en-US" altLang="ko-KR" sz="2000" b="1" dirty="0" smtClean="0"/>
+              <a:t>)</a:t>
+            </a:r>
+            <a:endParaRPr lang="ko-KR" altLang="en-US" sz="2000" b="1" dirty="0"/>
+          </a:p>
+        </p:txBody>
+      </p:sp>
+      <p:sp>
+        <p:nvSpPr>
+          <p:cNvPr id="38" name="직사각형 37"/>
+          <p:cNvSpPr/>
+          <p:nvPr/>
+        </p:nvSpPr>
+        <p:spPr>
+          <a:xfrm>
+            <a:off x="611560" y="836712"/>
+            <a:ext cx="4194674" cy="369332"/>
+          </a:xfrm>
+          <a:prstGeom prst="rect">
+            <a:avLst/>
+          </a:prstGeom>
+        </p:spPr>
+        <p:txBody>
+          <a:bodyPr wrap="none">
+            <a:spAutoFit/>
+          </a:bodyPr>
+          <a:lstStyle/>
+          <a:p>
+            <a:r>
+              <a:rPr lang="en-US" altLang="ko-KR" dirty="0" smtClean="0"/>
+              <a:t>6</a:t>
+            </a:r>
+            <a:r>
+              <a:rPr lang="en-US" altLang="ko-KR" dirty="0" smtClean="0"/>
+              <a:t>step) </a:t>
+            </a:r>
+            <a:r>
+              <a:rPr lang="en-US" altLang="ko-KR" dirty="0" err="1" smtClean="0"/>
+              <a:t>back_delete</a:t>
+            </a:r>
+            <a:r>
+              <a:rPr lang="en-US" altLang="ko-KR" dirty="0" smtClean="0"/>
+              <a:t>(</a:t>
+            </a:r>
+            <a:r>
+              <a:rPr lang="ko-KR" altLang="en-US" dirty="0" err="1" smtClean="0"/>
+              <a:t>노드가</a:t>
+            </a:r>
+            <a:r>
+              <a:rPr lang="ko-KR" altLang="en-US" dirty="0" smtClean="0"/>
+              <a:t> </a:t>
+            </a:r>
+            <a:r>
+              <a:rPr lang="ko-KR" altLang="en-US" dirty="0" err="1" smtClean="0"/>
+              <a:t>한개인상황</a:t>
+            </a:r>
+            <a:r>
+              <a:rPr lang="en-US" altLang="ko-KR" dirty="0" smtClean="0"/>
+              <a:t>)</a:t>
+            </a:r>
+            <a:endParaRPr lang="en-US" altLang="ko-KR" dirty="0" smtClean="0"/>
+          </a:p>
+        </p:txBody>
+      </p:sp>
+      <p:sp>
+        <p:nvSpPr>
+          <p:cNvPr id="23" name="직사각형 22"/>
+          <p:cNvSpPr/>
+          <p:nvPr/>
+        </p:nvSpPr>
+        <p:spPr>
+          <a:xfrm>
+            <a:off x="251520" y="3501008"/>
+            <a:ext cx="1043608" cy="360040"/>
+          </a:xfrm>
+          <a:prstGeom prst="rect">
+            <a:avLst/>
+          </a:prstGeom>
+        </p:spPr>
+        <p:style>
+          <a:lnRef idx="2">
+            <a:schemeClr val="accent1">
+              <a:shade val="50000"/>
+            </a:schemeClr>
+          </a:lnRef>
+          <a:fillRef idx="1">
+            <a:schemeClr val="accent1"/>
+          </a:fillRef>
+          <a:effectRef idx="0">
+            <a:schemeClr val="accent1"/>
+          </a:effectRef>
+          <a:fontRef idx="minor">
+            <a:schemeClr val="lt1"/>
+          </a:fontRef>
+        </p:style>
+        <p:txBody>
+          <a:bodyPr rtlCol="0" anchor="ctr"/>
+          <a:lstStyle/>
+          <a:p>
+            <a:pPr algn="ctr"/>
+            <a:r>
+              <a:rPr lang="en-US" altLang="ko-KR" dirty="0" smtClean="0"/>
+              <a:t>head</a:t>
+            </a:r>
+            <a:endParaRPr lang="ko-KR" altLang="en-US" dirty="0"/>
+          </a:p>
+        </p:txBody>
+      </p:sp>
+      <p:sp>
+        <p:nvSpPr>
+          <p:cNvPr id="24" name="직사각형 23"/>
+          <p:cNvSpPr/>
+          <p:nvPr/>
+        </p:nvSpPr>
+        <p:spPr>
+          <a:xfrm>
+            <a:off x="251520" y="3861048"/>
+            <a:ext cx="1043608" cy="360040"/>
+          </a:xfrm>
+          <a:prstGeom prst="rect">
+            <a:avLst/>
+          </a:prstGeom>
+        </p:spPr>
+        <p:style>
+          <a:lnRef idx="2">
+            <a:schemeClr val="accent1">
+              <a:shade val="50000"/>
+            </a:schemeClr>
+          </a:lnRef>
+          <a:fillRef idx="1">
+            <a:schemeClr val="accent1"/>
+          </a:fillRef>
+          <a:effectRef idx="0">
+            <a:schemeClr val="accent1"/>
+          </a:effectRef>
+          <a:fontRef idx="minor">
+            <a:schemeClr val="lt1"/>
+          </a:fontRef>
+        </p:style>
+        <p:txBody>
+          <a:bodyPr rtlCol="0" anchor="ctr"/>
+          <a:lstStyle/>
+          <a:p>
+            <a:pPr algn="ctr"/>
+            <a:r>
+              <a:rPr lang="en-US" altLang="ko-KR" dirty="0" smtClean="0"/>
+              <a:t>count</a:t>
+            </a:r>
+            <a:endParaRPr lang="ko-KR" altLang="en-US" dirty="0"/>
+          </a:p>
+        </p:txBody>
+      </p:sp>
+      <p:sp>
+        <p:nvSpPr>
+          <p:cNvPr id="25" name="직사각형 24"/>
+          <p:cNvSpPr/>
+          <p:nvPr/>
+        </p:nvSpPr>
+        <p:spPr>
+          <a:xfrm>
+            <a:off x="1259632" y="3501008"/>
+            <a:ext cx="1043608" cy="360040"/>
+          </a:xfrm>
+          <a:prstGeom prst="rect">
+            <a:avLst/>
+          </a:prstGeom>
+          <a:solidFill>
+            <a:schemeClr val="accent3">
+              <a:lumMod val="60000"/>
+              <a:lumOff val="40000"/>
+            </a:schemeClr>
+          </a:solidFill>
+        </p:spPr>
+        <p:style>
+          <a:lnRef idx="2">
+            <a:schemeClr val="accent1">
+              <a:shade val="50000"/>
+            </a:schemeClr>
+          </a:lnRef>
+          <a:fillRef idx="1">
+            <a:schemeClr val="accent1"/>
+          </a:fillRef>
+          <a:effectRef idx="0">
+            <a:schemeClr val="accent1"/>
+          </a:effectRef>
+          <a:fontRef idx="minor">
+            <a:schemeClr val="lt1"/>
+          </a:fontRef>
+        </p:style>
+        <p:txBody>
+          <a:bodyPr rtlCol="0" anchor="ctr"/>
+          <a:lstStyle/>
+          <a:p>
+            <a:pPr algn="ctr"/>
+            <a:endParaRPr lang="ko-KR" altLang="en-US" dirty="0"/>
+          </a:p>
+        </p:txBody>
+      </p:sp>
+      <p:sp>
+        <p:nvSpPr>
+          <p:cNvPr id="26" name="직사각형 25"/>
+          <p:cNvSpPr/>
+          <p:nvPr/>
+        </p:nvSpPr>
+        <p:spPr>
+          <a:xfrm>
+            <a:off x="1259632" y="3861048"/>
+            <a:ext cx="1043608" cy="360040"/>
+          </a:xfrm>
+          <a:prstGeom prst="rect">
+            <a:avLst/>
+          </a:prstGeom>
+        </p:spPr>
+        <p:style>
+          <a:lnRef idx="2">
+            <a:schemeClr val="accent1">
+              <a:shade val="50000"/>
+            </a:schemeClr>
+          </a:lnRef>
+          <a:fillRef idx="1">
+            <a:schemeClr val="accent1"/>
+          </a:fillRef>
+          <a:effectRef idx="0">
+            <a:schemeClr val="accent1"/>
+          </a:effectRef>
+          <a:fontRef idx="minor">
+            <a:schemeClr val="lt1"/>
+          </a:fontRef>
+        </p:style>
+        <p:txBody>
+          <a:bodyPr rtlCol="0" anchor="ctr"/>
+          <a:lstStyle/>
+          <a:p>
+            <a:pPr algn="ctr"/>
+            <a:r>
+              <a:rPr lang="en-US" altLang="ko-KR" dirty="0" smtClean="0"/>
+              <a:t>0</a:t>
+            </a:r>
+            <a:endParaRPr lang="ko-KR" altLang="en-US" dirty="0"/>
+          </a:p>
+        </p:txBody>
+      </p:sp>
+      <p:sp>
+        <p:nvSpPr>
+          <p:cNvPr id="36" name="직사각형 35"/>
+          <p:cNvSpPr/>
+          <p:nvPr/>
+        </p:nvSpPr>
+        <p:spPr>
+          <a:xfrm>
+            <a:off x="2735288" y="3501008"/>
+            <a:ext cx="1008112" cy="360040"/>
+          </a:xfrm>
+          <a:prstGeom prst="rect">
+            <a:avLst/>
+          </a:prstGeom>
+          <a:noFill/>
+        </p:spPr>
+        <p:style>
+          <a:lnRef idx="2">
+            <a:schemeClr val="accent1">
+              <a:shade val="50000"/>
+            </a:schemeClr>
+          </a:lnRef>
+          <a:fillRef idx="1">
+            <a:schemeClr val="accent1"/>
+          </a:fillRef>
+          <a:effectRef idx="0">
+            <a:schemeClr val="accent1"/>
+          </a:effectRef>
+          <a:fontRef idx="minor">
+            <a:schemeClr val="lt1"/>
+          </a:fontRef>
+        </p:style>
+        <p:txBody>
+          <a:bodyPr rtlCol="0" anchor="ctr"/>
+          <a:lstStyle/>
+          <a:p>
+            <a:pPr algn="ctr"/>
+            <a:r>
+              <a:rPr lang="en-US" altLang="ko-KR" dirty="0" smtClean="0">
+                <a:solidFill>
+                  <a:schemeClr val="tx1"/>
+                </a:solidFill>
+              </a:rPr>
+              <a:t>10</a:t>
+            </a:r>
+            <a:endParaRPr lang="ko-KR" altLang="en-US" dirty="0">
+              <a:solidFill>
+                <a:schemeClr val="tx1"/>
+              </a:solidFill>
+            </a:endParaRPr>
+          </a:p>
+        </p:txBody>
+      </p:sp>
+      <p:sp>
+        <p:nvSpPr>
+          <p:cNvPr id="37" name="직사각형 36"/>
+          <p:cNvSpPr/>
+          <p:nvPr/>
+        </p:nvSpPr>
+        <p:spPr>
+          <a:xfrm>
+            <a:off x="3743400" y="3501008"/>
+            <a:ext cx="504056" cy="360040"/>
+          </a:xfrm>
+          <a:prstGeom prst="rect">
+            <a:avLst/>
+          </a:prstGeom>
+          <a:solidFill>
+            <a:schemeClr val="bg1"/>
+          </a:solidFill>
+        </p:spPr>
+        <p:style>
+          <a:lnRef idx="2">
+            <a:schemeClr val="accent1">
+              <a:shade val="50000"/>
+            </a:schemeClr>
+          </a:lnRef>
+          <a:fillRef idx="1">
+            <a:schemeClr val="accent1"/>
+          </a:fillRef>
+          <a:effectRef idx="0">
+            <a:schemeClr val="accent1"/>
+          </a:effectRef>
+          <a:fontRef idx="minor">
+            <a:schemeClr val="lt1"/>
+          </a:fontRef>
+        </p:style>
+        <p:txBody>
+          <a:bodyPr rtlCol="0" anchor="ctr"/>
+          <a:lstStyle/>
+          <a:p>
+            <a:pPr algn="ctr"/>
+            <a:endParaRPr lang="ko-KR" altLang="en-US" dirty="0">
+              <a:solidFill>
+                <a:schemeClr val="tx1"/>
+              </a:solidFill>
+            </a:endParaRPr>
+          </a:p>
+        </p:txBody>
+      </p:sp>
+      <p:cxnSp>
+        <p:nvCxnSpPr>
+          <p:cNvPr id="45" name="직선 화살표 연결선 44"/>
+          <p:cNvCxnSpPr>
+            <a:endCxn id="36" idx="1"/>
+          </p:cNvCxnSpPr>
+          <p:nvPr/>
+        </p:nvCxnSpPr>
+        <p:spPr>
+          <a:xfrm>
+            <a:off x="2123728" y="3681028"/>
+            <a:ext cx="611560" cy="0"/>
+          </a:xfrm>
+          <a:prstGeom prst="straightConnector1">
+            <a:avLst/>
+          </a:prstGeom>
+          <a:ln w="25400">
+            <a:solidFill>
+              <a:srgbClr val="FF0000"/>
+            </a:solidFill>
+            <a:tailEnd type="arrow"/>
+          </a:ln>
+        </p:spPr>
+        <p:style>
+          <a:lnRef idx="1">
+            <a:schemeClr val="accent1"/>
+          </a:lnRef>
+          <a:fillRef idx="0">
+            <a:schemeClr val="accent1"/>
+          </a:fillRef>
+          <a:effectRef idx="0">
+            <a:schemeClr val="accent1"/>
+          </a:effectRef>
+          <a:fontRef idx="minor">
+            <a:schemeClr val="tx1"/>
+          </a:fontRef>
+        </p:style>
+      </p:cxnSp>
+      <p:cxnSp>
+        <p:nvCxnSpPr>
+          <p:cNvPr id="48" name="직선 화살표 연결선 47"/>
+          <p:cNvCxnSpPr/>
+          <p:nvPr/>
+        </p:nvCxnSpPr>
+        <p:spPr>
+          <a:xfrm>
+            <a:off x="4067944" y="3645024"/>
+            <a:ext cx="432048" cy="0"/>
+          </a:xfrm>
+          <a:prstGeom prst="straightConnector1">
+            <a:avLst/>
+          </a:prstGeom>
+          <a:ln w="25400">
+            <a:solidFill>
+              <a:srgbClr val="FF0000"/>
+            </a:solidFill>
+            <a:tailEnd type="none"/>
+          </a:ln>
+        </p:spPr>
+        <p:style>
+          <a:lnRef idx="1">
+            <a:schemeClr val="accent1"/>
+          </a:lnRef>
+          <a:fillRef idx="0">
+            <a:schemeClr val="accent1"/>
+          </a:fillRef>
+          <a:effectRef idx="0">
+            <a:schemeClr val="accent1"/>
+          </a:effectRef>
+          <a:fontRef idx="minor">
+            <a:schemeClr val="tx1"/>
+          </a:fontRef>
+        </p:style>
+      </p:cxnSp>
+      <p:cxnSp>
+        <p:nvCxnSpPr>
+          <p:cNvPr id="49" name="직선 화살표 연결선 48"/>
+          <p:cNvCxnSpPr/>
+          <p:nvPr/>
+        </p:nvCxnSpPr>
+        <p:spPr>
+          <a:xfrm>
+            <a:off x="4427984" y="3429000"/>
+            <a:ext cx="72008" cy="432048"/>
+          </a:xfrm>
+          <a:prstGeom prst="straightConnector1">
+            <a:avLst/>
+          </a:prstGeom>
+          <a:ln w="25400">
+            <a:solidFill>
+              <a:srgbClr val="FF0000"/>
+            </a:solidFill>
+            <a:tailEnd type="none"/>
+          </a:ln>
+        </p:spPr>
+        <p:style>
+          <a:lnRef idx="1">
+            <a:schemeClr val="accent1"/>
+          </a:lnRef>
+          <a:fillRef idx="0">
+            <a:schemeClr val="accent1"/>
+          </a:fillRef>
+          <a:effectRef idx="0">
+            <a:schemeClr val="accent1"/>
+          </a:effectRef>
+          <a:fontRef idx="minor">
+            <a:schemeClr val="tx1"/>
+          </a:fontRef>
+        </p:style>
+      </p:cxnSp>
+      <p:cxnSp>
+        <p:nvCxnSpPr>
+          <p:cNvPr id="50" name="직선 화살표 연결선 49"/>
+          <p:cNvCxnSpPr/>
+          <p:nvPr/>
+        </p:nvCxnSpPr>
+        <p:spPr>
+          <a:xfrm>
+            <a:off x="4499992" y="3356992"/>
+            <a:ext cx="72008" cy="432048"/>
+          </a:xfrm>
+          <a:prstGeom prst="straightConnector1">
+            <a:avLst/>
+          </a:prstGeom>
+          <a:ln w="25400">
+            <a:solidFill>
+              <a:srgbClr val="FF0000"/>
+            </a:solidFill>
+            <a:tailEnd type="none"/>
+          </a:ln>
+        </p:spPr>
+        <p:style>
+          <a:lnRef idx="1">
+            <a:schemeClr val="accent1"/>
+          </a:lnRef>
+          <a:fillRef idx="0">
+            <a:schemeClr val="accent1"/>
+          </a:fillRef>
+          <a:effectRef idx="0">
+            <a:schemeClr val="accent1"/>
+          </a:effectRef>
+          <a:fontRef idx="minor">
+            <a:schemeClr val="tx1"/>
+          </a:fontRef>
+        </p:style>
+      </p:cxnSp>
+      <p:sp>
+        <p:nvSpPr>
+          <p:cNvPr id="70" name="직사각형 69"/>
+          <p:cNvSpPr/>
+          <p:nvPr/>
+        </p:nvSpPr>
+        <p:spPr>
+          <a:xfrm>
+            <a:off x="5364088" y="332656"/>
+            <a:ext cx="3135795" cy="1200329"/>
+          </a:xfrm>
+          <a:prstGeom prst="rect">
+            <a:avLst/>
+          </a:prstGeom>
+        </p:spPr>
+        <p:txBody>
+          <a:bodyPr wrap="none">
+            <a:spAutoFit/>
+          </a:bodyPr>
+          <a:lstStyle/>
+          <a:p>
+            <a:pPr marL="342900" indent="-342900"/>
+            <a:r>
+              <a:rPr lang="en-US" altLang="ko-KR" b="1" dirty="0" smtClean="0">
+                <a:solidFill>
+                  <a:srgbClr val="FF0000"/>
+                </a:solidFill>
+              </a:rPr>
+              <a:t>[</a:t>
+            </a:r>
+            <a:r>
+              <a:rPr lang="ko-KR" altLang="en-US" b="1" dirty="0" smtClean="0">
+                <a:solidFill>
+                  <a:srgbClr val="FF0000"/>
+                </a:solidFill>
+              </a:rPr>
+              <a:t>삭제할 </a:t>
+            </a:r>
+            <a:r>
+              <a:rPr lang="ko-KR" altLang="en-US" b="1" dirty="0" err="1" smtClean="0">
+                <a:solidFill>
+                  <a:srgbClr val="FF0000"/>
+                </a:solidFill>
+              </a:rPr>
+              <a:t>노드를</a:t>
+            </a:r>
+            <a:r>
+              <a:rPr lang="ko-KR" altLang="en-US" b="1" dirty="0" smtClean="0">
+                <a:solidFill>
+                  <a:srgbClr val="FF0000"/>
+                </a:solidFill>
+              </a:rPr>
+              <a:t> 찾는다</a:t>
+            </a:r>
+            <a:r>
+              <a:rPr lang="en-US" altLang="ko-KR" b="1" dirty="0" smtClean="0">
+                <a:solidFill>
+                  <a:srgbClr val="FF0000"/>
+                </a:solidFill>
+              </a:rPr>
+              <a:t>]</a:t>
+            </a:r>
+          </a:p>
+          <a:p>
+            <a:pPr marL="342900" indent="-342900"/>
+            <a:r>
+              <a:rPr lang="en-US" altLang="ko-KR" b="1" dirty="0" smtClean="0">
+                <a:solidFill>
+                  <a:srgbClr val="FF0000"/>
+                </a:solidFill>
+              </a:rPr>
+              <a:t> </a:t>
+            </a:r>
+            <a:r>
+              <a:rPr lang="en-US" altLang="ko-KR" b="1" dirty="0" smtClean="0">
+                <a:solidFill>
+                  <a:srgbClr val="FF0000"/>
+                </a:solidFill>
+              </a:rPr>
+              <a:t>- </a:t>
+            </a:r>
+            <a:r>
+              <a:rPr lang="ko-KR" altLang="en-US" b="1" dirty="0" smtClean="0">
+                <a:solidFill>
+                  <a:srgbClr val="FF0000"/>
+                </a:solidFill>
+              </a:rPr>
+              <a:t>꼬리 찾기</a:t>
+            </a:r>
+            <a:endParaRPr lang="en-US" altLang="ko-KR" b="1" dirty="0" smtClean="0">
+              <a:solidFill>
+                <a:srgbClr val="FF0000"/>
+              </a:solidFill>
+            </a:endParaRPr>
+          </a:p>
+          <a:p>
+            <a:pPr marL="342900" indent="-342900"/>
+            <a:r>
+              <a:rPr lang="en-US" altLang="ko-KR" b="1" dirty="0" smtClean="0">
+                <a:solidFill>
+                  <a:srgbClr val="FF0000"/>
+                </a:solidFill>
+              </a:rPr>
+              <a:t>[</a:t>
+            </a:r>
+            <a:r>
+              <a:rPr lang="ko-KR" altLang="en-US" b="1" dirty="0" smtClean="0">
+                <a:solidFill>
+                  <a:srgbClr val="FF0000"/>
+                </a:solidFill>
+              </a:rPr>
+              <a:t>삭제할 이전 </a:t>
+            </a:r>
+            <a:r>
+              <a:rPr lang="ko-KR" altLang="en-US" b="1" dirty="0" err="1" smtClean="0">
+                <a:solidFill>
+                  <a:srgbClr val="FF0000"/>
+                </a:solidFill>
+              </a:rPr>
+              <a:t>노드를</a:t>
+            </a:r>
+            <a:r>
+              <a:rPr lang="ko-KR" altLang="en-US" b="1" dirty="0" smtClean="0">
+                <a:solidFill>
+                  <a:srgbClr val="FF0000"/>
+                </a:solidFill>
+              </a:rPr>
+              <a:t> 찾는다</a:t>
+            </a:r>
+            <a:r>
+              <a:rPr lang="en-US" altLang="ko-KR" b="1" dirty="0" smtClean="0">
+                <a:solidFill>
+                  <a:srgbClr val="FF0000"/>
+                </a:solidFill>
+              </a:rPr>
+              <a:t>]</a:t>
+            </a:r>
+          </a:p>
+          <a:p>
+            <a:pPr marL="342900" indent="-342900"/>
+            <a:r>
+              <a:rPr lang="en-US" altLang="ko-KR" b="1" dirty="0" smtClean="0">
+                <a:solidFill>
+                  <a:srgbClr val="FF0000"/>
+                </a:solidFill>
+              </a:rPr>
+              <a:t> </a:t>
+            </a:r>
+            <a:endParaRPr lang="en-US" altLang="ko-KR" b="1" dirty="0" smtClean="0">
+              <a:solidFill>
+                <a:srgbClr val="FF0000"/>
+              </a:solidFill>
+            </a:endParaRPr>
+          </a:p>
+        </p:txBody>
+      </p:sp>
+      <p:sp>
+        <p:nvSpPr>
+          <p:cNvPr id="60" name="직사각형 59"/>
+          <p:cNvSpPr/>
+          <p:nvPr/>
+        </p:nvSpPr>
+        <p:spPr>
+          <a:xfrm>
+            <a:off x="3347864" y="2564904"/>
+            <a:ext cx="648072" cy="360040"/>
+          </a:xfrm>
+          <a:prstGeom prst="rect">
+            <a:avLst/>
+          </a:prstGeom>
+        </p:spPr>
+        <p:style>
+          <a:lnRef idx="2">
+            <a:schemeClr val="accent1">
+              <a:shade val="50000"/>
+            </a:schemeClr>
+          </a:lnRef>
+          <a:fillRef idx="1">
+            <a:schemeClr val="accent1"/>
+          </a:fillRef>
+          <a:effectRef idx="0">
+            <a:schemeClr val="accent1"/>
+          </a:effectRef>
+          <a:fontRef idx="minor">
+            <a:schemeClr val="lt1"/>
+          </a:fontRef>
+        </p:style>
+        <p:txBody>
+          <a:bodyPr rtlCol="0" anchor="ctr"/>
+          <a:lstStyle/>
+          <a:p>
+            <a:pPr algn="ctr"/>
+            <a:r>
+              <a:rPr lang="en-US" altLang="ko-KR" dirty="0" smtClean="0"/>
+              <a:t>del</a:t>
+            </a:r>
+            <a:endParaRPr lang="ko-KR" altLang="en-US" dirty="0"/>
+          </a:p>
+        </p:txBody>
+      </p:sp>
+      <p:cxnSp>
+        <p:nvCxnSpPr>
+          <p:cNvPr id="62" name="직선 화살표 연결선 61"/>
+          <p:cNvCxnSpPr/>
+          <p:nvPr/>
+        </p:nvCxnSpPr>
+        <p:spPr>
+          <a:xfrm>
+            <a:off x="3707904" y="2924944"/>
+            <a:ext cx="180020" cy="576064"/>
+          </a:xfrm>
+          <a:prstGeom prst="straightConnector1">
+            <a:avLst/>
+          </a:prstGeom>
+          <a:ln w="25400">
+            <a:solidFill>
+              <a:srgbClr val="FF0000"/>
+            </a:solidFill>
+            <a:tailEnd type="arrow"/>
+          </a:ln>
+        </p:spPr>
+        <p:style>
+          <a:lnRef idx="1">
+            <a:schemeClr val="accent1"/>
+          </a:lnRef>
+          <a:fillRef idx="0">
+            <a:schemeClr val="accent1"/>
+          </a:fillRef>
+          <a:effectRef idx="0">
+            <a:schemeClr val="accent1"/>
+          </a:effectRef>
+          <a:fontRef idx="minor">
+            <a:schemeClr val="tx1"/>
+          </a:fontRef>
+        </p:style>
+      </p:cxnSp>
+      <p:cxnSp>
+        <p:nvCxnSpPr>
+          <p:cNvPr id="41" name="직선 화살표 연결선 40"/>
+          <p:cNvCxnSpPr/>
+          <p:nvPr/>
+        </p:nvCxnSpPr>
+        <p:spPr>
+          <a:xfrm>
+            <a:off x="1691680" y="3284984"/>
+            <a:ext cx="0" cy="288032"/>
+          </a:xfrm>
+          <a:prstGeom prst="straightConnector1">
+            <a:avLst/>
+          </a:prstGeom>
+          <a:ln w="25400">
+            <a:solidFill>
+              <a:schemeClr val="accent3">
+                <a:lumMod val="75000"/>
+              </a:schemeClr>
+            </a:solidFill>
+            <a:tailEnd type="none"/>
+          </a:ln>
+        </p:spPr>
+        <p:style>
+          <a:lnRef idx="1">
+            <a:schemeClr val="accent1"/>
+          </a:lnRef>
+          <a:fillRef idx="0">
+            <a:schemeClr val="accent1"/>
+          </a:fillRef>
+          <a:effectRef idx="0">
+            <a:schemeClr val="accent1"/>
+          </a:effectRef>
+          <a:fontRef idx="minor">
+            <a:schemeClr val="tx1"/>
+          </a:fontRef>
+        </p:style>
+      </p:cxnSp>
+      <p:cxnSp>
+        <p:nvCxnSpPr>
+          <p:cNvPr id="53" name="직선 화살표 연결선 52"/>
+          <p:cNvCxnSpPr/>
+          <p:nvPr/>
+        </p:nvCxnSpPr>
+        <p:spPr>
+          <a:xfrm>
+            <a:off x="1547664" y="3212976"/>
+            <a:ext cx="360040" cy="0"/>
+          </a:xfrm>
+          <a:prstGeom prst="straightConnector1">
+            <a:avLst/>
+          </a:prstGeom>
+          <a:ln w="25400">
+            <a:solidFill>
+              <a:schemeClr val="accent3">
+                <a:lumMod val="75000"/>
+              </a:schemeClr>
+            </a:solidFill>
+            <a:tailEnd type="none"/>
+          </a:ln>
+        </p:spPr>
+        <p:style>
+          <a:lnRef idx="1">
+            <a:schemeClr val="accent1"/>
+          </a:lnRef>
+          <a:fillRef idx="0">
+            <a:schemeClr val="accent1"/>
+          </a:fillRef>
+          <a:effectRef idx="0">
+            <a:schemeClr val="accent1"/>
+          </a:effectRef>
+          <a:fontRef idx="minor">
+            <a:schemeClr val="tx1"/>
+          </a:fontRef>
+        </p:style>
+      </p:cxnSp>
+      <p:cxnSp>
+        <p:nvCxnSpPr>
+          <p:cNvPr id="58" name="직선 화살표 연결선 57"/>
+          <p:cNvCxnSpPr/>
+          <p:nvPr/>
+        </p:nvCxnSpPr>
+        <p:spPr>
+          <a:xfrm>
+            <a:off x="1547664" y="3284984"/>
+            <a:ext cx="360040" cy="0"/>
+          </a:xfrm>
+          <a:prstGeom prst="straightConnector1">
+            <a:avLst/>
+          </a:prstGeom>
+          <a:ln w="25400">
+            <a:solidFill>
+              <a:schemeClr val="accent3">
+                <a:lumMod val="75000"/>
+              </a:schemeClr>
+            </a:solidFill>
+            <a:tailEnd type="none"/>
+          </a:ln>
+        </p:spPr>
+        <p:style>
+          <a:lnRef idx="1">
+            <a:schemeClr val="accent1"/>
+          </a:lnRef>
+          <a:fillRef idx="0">
+            <a:schemeClr val="accent1"/>
+          </a:fillRef>
+          <a:effectRef idx="0">
+            <a:schemeClr val="accent1"/>
+          </a:effectRef>
+          <a:fontRef idx="minor">
+            <a:schemeClr val="tx1"/>
+          </a:fontRef>
+        </p:style>
+      </p:cxnSp>
+      <p:sp>
+        <p:nvSpPr>
+          <p:cNvPr id="59" name="직사각형 58"/>
+          <p:cNvSpPr/>
+          <p:nvPr/>
+        </p:nvSpPr>
+        <p:spPr>
+          <a:xfrm>
+            <a:off x="2591780" y="2564904"/>
+            <a:ext cx="648072" cy="360040"/>
+          </a:xfrm>
+          <a:prstGeom prst="rect">
+            <a:avLst/>
+          </a:prstGeom>
+        </p:spPr>
+        <p:style>
+          <a:lnRef idx="2">
+            <a:schemeClr val="accent1">
+              <a:shade val="50000"/>
+            </a:schemeClr>
+          </a:lnRef>
+          <a:fillRef idx="1">
+            <a:schemeClr val="accent1"/>
+          </a:fillRef>
+          <a:effectRef idx="0">
+            <a:schemeClr val="accent1"/>
+          </a:effectRef>
+          <a:fontRef idx="minor">
+            <a:schemeClr val="lt1"/>
+          </a:fontRef>
+        </p:style>
+        <p:txBody>
+          <a:bodyPr rtlCol="0" anchor="ctr"/>
+          <a:lstStyle/>
+          <a:p>
+            <a:pPr algn="ctr"/>
+            <a:r>
+              <a:rPr lang="en-US" altLang="ko-KR" dirty="0" err="1" smtClean="0"/>
+              <a:t>prev</a:t>
+            </a:r>
+            <a:endParaRPr lang="ko-KR" altLang="en-US" dirty="0"/>
+          </a:p>
+        </p:txBody>
+      </p:sp>
+      <p:cxnSp>
+        <p:nvCxnSpPr>
+          <p:cNvPr id="65" name="직선 화살표 연결선 64"/>
+          <p:cNvCxnSpPr/>
+          <p:nvPr/>
+        </p:nvCxnSpPr>
+        <p:spPr>
+          <a:xfrm>
+            <a:off x="3059832" y="2924944"/>
+            <a:ext cx="180020" cy="576064"/>
+          </a:xfrm>
+          <a:prstGeom prst="straightConnector1">
+            <a:avLst/>
+          </a:prstGeom>
+          <a:ln w="25400">
+            <a:solidFill>
+              <a:srgbClr val="FF0000"/>
+            </a:solidFill>
+            <a:tailEnd type="arrow"/>
+          </a:ln>
+        </p:spPr>
+        <p:style>
+          <a:lnRef idx="1">
+            <a:schemeClr val="accent1"/>
+          </a:lnRef>
+          <a:fillRef idx="0">
+            <a:schemeClr val="accent1"/>
+          </a:fillRef>
+          <a:effectRef idx="0">
+            <a:schemeClr val="accent1"/>
+          </a:effectRef>
+          <a:fontRef idx="minor">
+            <a:schemeClr val="tx1"/>
+          </a:fontRef>
+        </p:style>
+      </p:cxnSp>
+      <p:sp>
+        <p:nvSpPr>
+          <p:cNvPr id="66" name="직사각형 65"/>
+          <p:cNvSpPr/>
+          <p:nvPr/>
+        </p:nvSpPr>
+        <p:spPr>
+          <a:xfrm>
+            <a:off x="3851920" y="4509120"/>
+            <a:ext cx="3690434" cy="1200329"/>
+          </a:xfrm>
+          <a:prstGeom prst="rect">
+            <a:avLst/>
+          </a:prstGeom>
+        </p:spPr>
+        <p:txBody>
+          <a:bodyPr wrap="none">
+            <a:spAutoFit/>
+          </a:bodyPr>
+          <a:lstStyle/>
+          <a:p>
+            <a:r>
+              <a:rPr lang="en-US" altLang="ko-KR" dirty="0" smtClean="0"/>
+              <a:t>del = </a:t>
+            </a:r>
+            <a:r>
+              <a:rPr lang="en-US" altLang="ko-KR" dirty="0" err="1" smtClean="0"/>
+              <a:t>prev</a:t>
+            </a:r>
+            <a:r>
+              <a:rPr lang="en-US" altLang="ko-KR" dirty="0" smtClean="0"/>
+              <a:t> = head;</a:t>
+            </a:r>
+          </a:p>
+          <a:p>
+            <a:endParaRPr lang="en-US" altLang="ko-KR" dirty="0" smtClean="0"/>
+          </a:p>
+          <a:p>
+            <a:r>
+              <a:rPr lang="en-US" altLang="ko-KR" dirty="0" smtClean="0"/>
+              <a:t>//</a:t>
+            </a:r>
+            <a:r>
+              <a:rPr lang="ko-KR" altLang="en-US" dirty="0" smtClean="0"/>
+              <a:t>삭제연산</a:t>
+            </a:r>
+            <a:r>
+              <a:rPr lang="en-US" altLang="ko-KR" dirty="0" smtClean="0"/>
+              <a:t>!</a:t>
+            </a:r>
+          </a:p>
+          <a:p>
+            <a:r>
+              <a:rPr lang="en-US" altLang="ko-KR" b="1" dirty="0" smtClean="0">
+                <a:solidFill>
+                  <a:srgbClr val="FF0000"/>
+                </a:solidFill>
+              </a:rPr>
+              <a:t>head = null;  //head = </a:t>
+            </a:r>
+            <a:r>
+              <a:rPr lang="en-US" altLang="ko-KR" b="1" dirty="0" err="1" smtClean="0">
+                <a:solidFill>
+                  <a:srgbClr val="FF0000"/>
+                </a:solidFill>
+              </a:rPr>
+              <a:t>del.next</a:t>
+            </a:r>
+            <a:r>
+              <a:rPr lang="en-US" altLang="ko-KR" b="1" dirty="0" smtClean="0">
+                <a:solidFill>
+                  <a:srgbClr val="FF0000"/>
+                </a:solidFill>
+              </a:rPr>
+              <a:t>;</a:t>
+            </a:r>
+            <a:endParaRPr lang="ko-KR" altLang="en-US" b="1" dirty="0">
+              <a:solidFill>
+                <a:srgbClr val="FF0000"/>
+              </a:solidFill>
+            </a:endParaRPr>
+          </a:p>
+        </p:txBody>
+      </p:sp>
+    </p:spTree>
+  </p:cSld>
+  <p:clrMapOvr>
+    <a:masterClrMapping/>
+  </p:clrMapOvr>
+</p:sld>
+</file>
+
+<file path=ppt/slides/slide32.xml><?xml version="1.0" encoding="utf-8"?>
+<p:sld xmlns:a="http://schemas.openxmlformats.org/drawingml/2006/main" xmlns:r="http://schemas.openxmlformats.org/officeDocument/2006/relationships" xmlns:p="http://schemas.openxmlformats.org/presentationml/2006/main">
+  <p:cSld>
+    <p:spTree>
+      <p:nvGrpSpPr>
+        <p:cNvPr id="1" name=""/>
+        <p:cNvGrpSpPr/>
+        <p:nvPr/>
+      </p:nvGrpSpPr>
+      <p:grpSpPr>
+        <a:xfrm>
+          <a:off x="0" y="0"/>
+          <a:ext cx="0" cy="0"/>
+          <a:chOff x="0" y="0"/>
+          <a:chExt cx="0" cy="0"/>
+        </a:xfrm>
+      </p:grpSpPr>
+      <p:sp>
+        <p:nvSpPr>
+          <p:cNvPr id="5" name="TextBox 4"/>
+          <p:cNvSpPr txBox="1"/>
+          <p:nvPr/>
+        </p:nvSpPr>
+        <p:spPr>
+          <a:xfrm>
+            <a:off x="251520" y="260648"/>
+            <a:ext cx="5976664" cy="400110"/>
+          </a:xfrm>
+          <a:prstGeom prst="rect">
+            <a:avLst/>
+          </a:prstGeom>
+          <a:noFill/>
+        </p:spPr>
+        <p:txBody>
+          <a:bodyPr wrap="square" rtlCol="0">
+            <a:spAutoFit/>
+          </a:bodyPr>
+          <a:lstStyle/>
+          <a:p>
+            <a:r>
+              <a:rPr lang="ko-KR" altLang="en-US" sz="2000" b="1" dirty="0" smtClean="0"/>
+              <a:t>자료구조 </a:t>
+            </a:r>
+            <a:r>
+              <a:rPr lang="en-US" altLang="ko-KR" sz="2000" b="1" dirty="0" smtClean="0"/>
+              <a:t>2</a:t>
+            </a:r>
+            <a:r>
+              <a:rPr lang="ko-KR" altLang="en-US" sz="2000" b="1" dirty="0" smtClean="0"/>
+              <a:t>일차</a:t>
+            </a:r>
+            <a:r>
+              <a:rPr lang="en-US" altLang="ko-KR" sz="2000" b="1" dirty="0" smtClean="0"/>
+              <a:t>(</a:t>
+            </a:r>
+            <a:r>
+              <a:rPr lang="ko-KR" altLang="en-US" sz="2000" b="1" dirty="0" smtClean="0"/>
+              <a:t>연결리스트</a:t>
+            </a:r>
+            <a:r>
+              <a:rPr lang="en-US" altLang="ko-KR" sz="2000" b="1" dirty="0" smtClean="0"/>
+              <a:t>)</a:t>
+            </a:r>
+            <a:endParaRPr lang="ko-KR" altLang="en-US" sz="2000" b="1" dirty="0"/>
+          </a:p>
+        </p:txBody>
+      </p:sp>
+      <p:sp>
+        <p:nvSpPr>
+          <p:cNvPr id="38" name="직사각형 37"/>
+          <p:cNvSpPr/>
+          <p:nvPr/>
+        </p:nvSpPr>
+        <p:spPr>
+          <a:xfrm>
+            <a:off x="611560" y="836712"/>
+            <a:ext cx="5869684" cy="646331"/>
+          </a:xfrm>
+          <a:prstGeom prst="rect">
+            <a:avLst/>
+          </a:prstGeom>
+        </p:spPr>
+        <p:txBody>
+          <a:bodyPr wrap="none">
+            <a:spAutoFit/>
+          </a:bodyPr>
+          <a:lstStyle/>
+          <a:p>
+            <a:r>
+              <a:rPr lang="en-US" altLang="ko-KR" dirty="0" smtClean="0"/>
+              <a:t>7step) </a:t>
+            </a:r>
+            <a:r>
+              <a:rPr lang="en-US" altLang="ko-KR" dirty="0" err="1" smtClean="0"/>
+              <a:t>boolean</a:t>
+            </a:r>
+            <a:r>
+              <a:rPr lang="en-US" altLang="ko-KR" dirty="0" smtClean="0"/>
+              <a:t> </a:t>
+            </a:r>
+            <a:r>
+              <a:rPr lang="en-US" altLang="ko-KR" dirty="0" err="1" smtClean="0"/>
+              <a:t>random_insert</a:t>
+            </a:r>
+            <a:r>
+              <a:rPr lang="en-US" altLang="ko-KR" dirty="0" smtClean="0"/>
+              <a:t>(Node cur, Object value)</a:t>
+            </a:r>
+          </a:p>
+          <a:p>
+            <a:r>
+              <a:rPr lang="en-US" altLang="ko-KR" dirty="0" smtClean="0"/>
+              <a:t> </a:t>
+            </a:r>
+            <a:r>
+              <a:rPr lang="en-US" altLang="ko-KR" dirty="0" smtClean="0"/>
+              <a:t>        cur </a:t>
+            </a:r>
+            <a:r>
+              <a:rPr lang="ko-KR" altLang="en-US" dirty="0" smtClean="0"/>
+              <a:t>다음에 </a:t>
+            </a:r>
+            <a:r>
+              <a:rPr lang="en-US" altLang="ko-KR" dirty="0" smtClean="0"/>
+              <a:t>value</a:t>
+            </a:r>
+            <a:r>
+              <a:rPr lang="ko-KR" altLang="en-US" dirty="0" smtClean="0"/>
+              <a:t>값을 갖는 </a:t>
+            </a:r>
+            <a:r>
+              <a:rPr lang="ko-KR" altLang="en-US" dirty="0" err="1" smtClean="0"/>
+              <a:t>노드를</a:t>
+            </a:r>
+            <a:r>
+              <a:rPr lang="ko-KR" altLang="en-US" dirty="0" smtClean="0"/>
+              <a:t> 추가</a:t>
+            </a:r>
+            <a:r>
+              <a:rPr lang="en-US" altLang="ko-KR" dirty="0" smtClean="0"/>
+              <a:t>!</a:t>
+            </a:r>
+            <a:endParaRPr lang="en-US" altLang="ko-KR" dirty="0" smtClean="0"/>
+          </a:p>
+        </p:txBody>
+      </p:sp>
+      <p:sp>
+        <p:nvSpPr>
+          <p:cNvPr id="27" name="직사각형 26"/>
+          <p:cNvSpPr/>
+          <p:nvPr/>
+        </p:nvSpPr>
+        <p:spPr>
+          <a:xfrm>
+            <a:off x="216024" y="2132856"/>
+            <a:ext cx="755576" cy="360040"/>
+          </a:xfrm>
+          <a:prstGeom prst="rect">
+            <a:avLst/>
+          </a:prstGeom>
+        </p:spPr>
+        <p:style>
+          <a:lnRef idx="2">
+            <a:schemeClr val="accent1">
+              <a:shade val="50000"/>
+            </a:schemeClr>
+          </a:lnRef>
+          <a:fillRef idx="1">
+            <a:schemeClr val="accent1"/>
+          </a:fillRef>
+          <a:effectRef idx="0">
+            <a:schemeClr val="accent1"/>
+          </a:effectRef>
+          <a:fontRef idx="minor">
+            <a:schemeClr val="lt1"/>
+          </a:fontRef>
+        </p:style>
+        <p:txBody>
+          <a:bodyPr rtlCol="0" anchor="ctr"/>
+          <a:lstStyle/>
+          <a:p>
+            <a:pPr algn="ctr"/>
+            <a:r>
+              <a:rPr lang="en-US" altLang="ko-KR" dirty="0" smtClean="0"/>
+              <a:t>head</a:t>
+            </a:r>
+            <a:endParaRPr lang="ko-KR" altLang="en-US" dirty="0"/>
+          </a:p>
+        </p:txBody>
+      </p:sp>
+      <p:cxnSp>
+        <p:nvCxnSpPr>
+          <p:cNvPr id="28" name="직선 화살표 연결선 27"/>
+          <p:cNvCxnSpPr>
+            <a:endCxn id="31" idx="1"/>
+          </p:cNvCxnSpPr>
+          <p:nvPr/>
+        </p:nvCxnSpPr>
+        <p:spPr>
+          <a:xfrm>
+            <a:off x="2555776" y="2276872"/>
+            <a:ext cx="648072" cy="36004"/>
+          </a:xfrm>
+          <a:prstGeom prst="straightConnector1">
+            <a:avLst/>
+          </a:prstGeom>
+          <a:ln w="25400">
+            <a:solidFill>
+              <a:srgbClr val="FF0000"/>
+            </a:solidFill>
+            <a:tailEnd type="arrow"/>
+          </a:ln>
+        </p:spPr>
+        <p:style>
+          <a:lnRef idx="1">
+            <a:schemeClr val="accent1"/>
+          </a:lnRef>
+          <a:fillRef idx="0">
+            <a:schemeClr val="accent1"/>
+          </a:fillRef>
+          <a:effectRef idx="0">
+            <a:schemeClr val="accent1"/>
+          </a:effectRef>
+          <a:fontRef idx="minor">
+            <a:schemeClr val="tx1"/>
+          </a:fontRef>
+        </p:style>
+      </p:cxnSp>
+      <p:sp>
+        <p:nvSpPr>
+          <p:cNvPr id="29" name="직사각형 28"/>
+          <p:cNvSpPr/>
+          <p:nvPr/>
+        </p:nvSpPr>
+        <p:spPr>
+          <a:xfrm>
+            <a:off x="1259632" y="2132856"/>
+            <a:ext cx="1008112" cy="360040"/>
+          </a:xfrm>
+          <a:prstGeom prst="rect">
+            <a:avLst/>
+          </a:prstGeom>
+          <a:noFill/>
+        </p:spPr>
+        <p:style>
+          <a:lnRef idx="2">
+            <a:schemeClr val="accent1">
+              <a:shade val="50000"/>
+            </a:schemeClr>
+          </a:lnRef>
+          <a:fillRef idx="1">
+            <a:schemeClr val="accent1"/>
+          </a:fillRef>
+          <a:effectRef idx="0">
+            <a:schemeClr val="accent1"/>
+          </a:effectRef>
+          <a:fontRef idx="minor">
+            <a:schemeClr val="lt1"/>
+          </a:fontRef>
+        </p:style>
+        <p:txBody>
+          <a:bodyPr rtlCol="0" anchor="ctr"/>
+          <a:lstStyle/>
+          <a:p>
+            <a:pPr algn="ctr"/>
+            <a:r>
+              <a:rPr lang="en-US" altLang="ko-KR" dirty="0" smtClean="0">
+                <a:solidFill>
+                  <a:schemeClr val="tx1"/>
+                </a:solidFill>
+              </a:rPr>
+              <a:t>1</a:t>
+            </a:r>
+            <a:endParaRPr lang="ko-KR" altLang="en-US" dirty="0">
+              <a:solidFill>
+                <a:schemeClr val="tx1"/>
+              </a:solidFill>
+            </a:endParaRPr>
+          </a:p>
+        </p:txBody>
+      </p:sp>
+      <p:sp>
+        <p:nvSpPr>
+          <p:cNvPr id="30" name="직사각형 29"/>
+          <p:cNvSpPr/>
+          <p:nvPr/>
+        </p:nvSpPr>
+        <p:spPr>
+          <a:xfrm>
+            <a:off x="2267744" y="2132856"/>
+            <a:ext cx="504056" cy="360040"/>
+          </a:xfrm>
+          <a:prstGeom prst="rect">
+            <a:avLst/>
+          </a:prstGeom>
+          <a:noFill/>
+        </p:spPr>
+        <p:style>
+          <a:lnRef idx="2">
+            <a:schemeClr val="accent1">
+              <a:shade val="50000"/>
+            </a:schemeClr>
+          </a:lnRef>
+          <a:fillRef idx="1">
+            <a:schemeClr val="accent1"/>
+          </a:fillRef>
+          <a:effectRef idx="0">
+            <a:schemeClr val="accent1"/>
+          </a:effectRef>
+          <a:fontRef idx="minor">
+            <a:schemeClr val="lt1"/>
+          </a:fontRef>
+        </p:style>
+        <p:txBody>
+          <a:bodyPr rtlCol="0" anchor="ctr"/>
+          <a:lstStyle/>
+          <a:p>
+            <a:pPr algn="ctr"/>
+            <a:endParaRPr lang="ko-KR" altLang="en-US" dirty="0">
+              <a:solidFill>
+                <a:schemeClr val="tx1"/>
+              </a:solidFill>
+            </a:endParaRPr>
+          </a:p>
+        </p:txBody>
+      </p:sp>
+      <p:sp>
+        <p:nvSpPr>
+          <p:cNvPr id="31" name="직사각형 30"/>
+          <p:cNvSpPr/>
+          <p:nvPr/>
+        </p:nvSpPr>
+        <p:spPr>
+          <a:xfrm>
+            <a:off x="3203848" y="2132856"/>
+            <a:ext cx="1008112" cy="360040"/>
+          </a:xfrm>
+          <a:prstGeom prst="rect">
+            <a:avLst/>
+          </a:prstGeom>
+          <a:noFill/>
+        </p:spPr>
+        <p:style>
+          <a:lnRef idx="2">
+            <a:schemeClr val="accent1">
+              <a:shade val="50000"/>
+            </a:schemeClr>
+          </a:lnRef>
+          <a:fillRef idx="1">
+            <a:schemeClr val="accent1"/>
+          </a:fillRef>
+          <a:effectRef idx="0">
+            <a:schemeClr val="accent1"/>
+          </a:effectRef>
+          <a:fontRef idx="minor">
+            <a:schemeClr val="lt1"/>
+          </a:fontRef>
+        </p:style>
+        <p:txBody>
+          <a:bodyPr rtlCol="0" anchor="ctr"/>
+          <a:lstStyle/>
+          <a:p>
+            <a:pPr algn="ctr"/>
+            <a:r>
+              <a:rPr lang="en-US" altLang="ko-KR" dirty="0" smtClean="0">
+                <a:solidFill>
+                  <a:schemeClr val="tx1"/>
+                </a:solidFill>
+              </a:rPr>
+              <a:t>2</a:t>
+            </a:r>
+            <a:endParaRPr lang="ko-KR" altLang="en-US" dirty="0">
+              <a:solidFill>
+                <a:schemeClr val="tx1"/>
+              </a:solidFill>
+            </a:endParaRPr>
+          </a:p>
+        </p:txBody>
+      </p:sp>
+      <p:sp>
+        <p:nvSpPr>
+          <p:cNvPr id="32" name="직사각형 31"/>
+          <p:cNvSpPr/>
+          <p:nvPr/>
+        </p:nvSpPr>
+        <p:spPr>
+          <a:xfrm>
+            <a:off x="4211960" y="2132856"/>
+            <a:ext cx="504056" cy="360040"/>
+          </a:xfrm>
+          <a:prstGeom prst="rect">
+            <a:avLst/>
+          </a:prstGeom>
+          <a:noFill/>
+        </p:spPr>
+        <p:style>
+          <a:lnRef idx="2">
+            <a:schemeClr val="accent1">
+              <a:shade val="50000"/>
+            </a:schemeClr>
+          </a:lnRef>
+          <a:fillRef idx="1">
+            <a:schemeClr val="accent1"/>
+          </a:fillRef>
+          <a:effectRef idx="0">
+            <a:schemeClr val="accent1"/>
+          </a:effectRef>
+          <a:fontRef idx="minor">
+            <a:schemeClr val="lt1"/>
+          </a:fontRef>
+        </p:style>
+        <p:txBody>
+          <a:bodyPr rtlCol="0" anchor="ctr"/>
+          <a:lstStyle/>
+          <a:p>
+            <a:pPr algn="ctr"/>
+            <a:endParaRPr lang="ko-KR" altLang="en-US" dirty="0">
+              <a:solidFill>
+                <a:schemeClr val="tx1"/>
+              </a:solidFill>
+            </a:endParaRPr>
+          </a:p>
+        </p:txBody>
+      </p:sp>
+      <p:sp>
+        <p:nvSpPr>
+          <p:cNvPr id="33" name="직사각형 32"/>
+          <p:cNvSpPr/>
+          <p:nvPr/>
+        </p:nvSpPr>
+        <p:spPr>
+          <a:xfrm>
+            <a:off x="5076056" y="2132856"/>
+            <a:ext cx="1008112" cy="360040"/>
+          </a:xfrm>
+          <a:prstGeom prst="rect">
+            <a:avLst/>
+          </a:prstGeom>
+          <a:noFill/>
+        </p:spPr>
+        <p:style>
+          <a:lnRef idx="2">
+            <a:schemeClr val="accent1">
+              <a:shade val="50000"/>
+            </a:schemeClr>
+          </a:lnRef>
+          <a:fillRef idx="1">
+            <a:schemeClr val="accent1"/>
+          </a:fillRef>
+          <a:effectRef idx="0">
+            <a:schemeClr val="accent1"/>
+          </a:effectRef>
+          <a:fontRef idx="minor">
+            <a:schemeClr val="lt1"/>
+          </a:fontRef>
+        </p:style>
+        <p:txBody>
+          <a:bodyPr rtlCol="0" anchor="ctr"/>
+          <a:lstStyle/>
+          <a:p>
+            <a:pPr algn="ctr"/>
+            <a:r>
+              <a:rPr lang="en-US" altLang="ko-KR" dirty="0" smtClean="0">
+                <a:solidFill>
+                  <a:schemeClr val="tx1"/>
+                </a:solidFill>
+              </a:rPr>
+              <a:t>3</a:t>
+            </a:r>
+            <a:endParaRPr lang="ko-KR" altLang="en-US" dirty="0">
+              <a:solidFill>
+                <a:schemeClr val="tx1"/>
+              </a:solidFill>
+            </a:endParaRPr>
+          </a:p>
+        </p:txBody>
+      </p:sp>
+      <p:sp>
+        <p:nvSpPr>
+          <p:cNvPr id="34" name="직사각형 33"/>
+          <p:cNvSpPr/>
+          <p:nvPr/>
+        </p:nvSpPr>
+        <p:spPr>
+          <a:xfrm>
+            <a:off x="6084168" y="2132856"/>
+            <a:ext cx="504056" cy="360040"/>
+          </a:xfrm>
+          <a:prstGeom prst="rect">
+            <a:avLst/>
+          </a:prstGeom>
+          <a:noFill/>
+        </p:spPr>
+        <p:style>
+          <a:lnRef idx="2">
+            <a:schemeClr val="accent1">
+              <a:shade val="50000"/>
+            </a:schemeClr>
+          </a:lnRef>
+          <a:fillRef idx="1">
+            <a:schemeClr val="accent1"/>
+          </a:fillRef>
+          <a:effectRef idx="0">
+            <a:schemeClr val="accent1"/>
+          </a:effectRef>
+          <a:fontRef idx="minor">
+            <a:schemeClr val="lt1"/>
+          </a:fontRef>
+        </p:style>
+        <p:txBody>
+          <a:bodyPr rtlCol="0" anchor="ctr"/>
+          <a:lstStyle/>
+          <a:p>
+            <a:pPr algn="ctr"/>
+            <a:endParaRPr lang="ko-KR" altLang="en-US" dirty="0">
+              <a:solidFill>
+                <a:schemeClr val="tx1"/>
+              </a:solidFill>
+            </a:endParaRPr>
+          </a:p>
+        </p:txBody>
+      </p:sp>
+      <p:sp>
+        <p:nvSpPr>
+          <p:cNvPr id="35" name="직사각형 34"/>
+          <p:cNvSpPr/>
+          <p:nvPr/>
+        </p:nvSpPr>
+        <p:spPr>
+          <a:xfrm>
+            <a:off x="6948264" y="2132856"/>
+            <a:ext cx="1008112" cy="360040"/>
+          </a:xfrm>
+          <a:prstGeom prst="rect">
+            <a:avLst/>
+          </a:prstGeom>
+          <a:noFill/>
+        </p:spPr>
+        <p:style>
+          <a:lnRef idx="2">
+            <a:schemeClr val="accent1">
+              <a:shade val="50000"/>
+            </a:schemeClr>
+          </a:lnRef>
+          <a:fillRef idx="1">
+            <a:schemeClr val="accent1"/>
+          </a:fillRef>
+          <a:effectRef idx="0">
+            <a:schemeClr val="accent1"/>
+          </a:effectRef>
+          <a:fontRef idx="minor">
+            <a:schemeClr val="lt1"/>
+          </a:fontRef>
+        </p:style>
+        <p:txBody>
+          <a:bodyPr rtlCol="0" anchor="ctr"/>
+          <a:lstStyle/>
+          <a:p>
+            <a:pPr algn="ctr"/>
+            <a:r>
+              <a:rPr lang="en-US" altLang="ko-KR" dirty="0" smtClean="0">
+                <a:solidFill>
+                  <a:schemeClr val="tx1"/>
+                </a:solidFill>
+              </a:rPr>
+              <a:t>4</a:t>
+            </a:r>
+            <a:endParaRPr lang="ko-KR" altLang="en-US" dirty="0">
+              <a:solidFill>
+                <a:schemeClr val="tx1"/>
+              </a:solidFill>
+            </a:endParaRPr>
+          </a:p>
+        </p:txBody>
+      </p:sp>
+      <p:sp>
+        <p:nvSpPr>
+          <p:cNvPr id="39" name="직사각형 38"/>
+          <p:cNvSpPr/>
+          <p:nvPr/>
+        </p:nvSpPr>
+        <p:spPr>
+          <a:xfrm>
+            <a:off x="7956376" y="2132856"/>
+            <a:ext cx="504056" cy="360040"/>
+          </a:xfrm>
+          <a:prstGeom prst="rect">
+            <a:avLst/>
+          </a:prstGeom>
+          <a:noFill/>
+        </p:spPr>
+        <p:style>
+          <a:lnRef idx="2">
+            <a:schemeClr val="accent1">
+              <a:shade val="50000"/>
+            </a:schemeClr>
+          </a:lnRef>
+          <a:fillRef idx="1">
+            <a:schemeClr val="accent1"/>
+          </a:fillRef>
+          <a:effectRef idx="0">
+            <a:schemeClr val="accent1"/>
+          </a:effectRef>
+          <a:fontRef idx="minor">
+            <a:schemeClr val="lt1"/>
+          </a:fontRef>
+        </p:style>
+        <p:txBody>
+          <a:bodyPr rtlCol="0" anchor="ctr"/>
+          <a:lstStyle/>
+          <a:p>
+            <a:pPr algn="ctr"/>
+            <a:endParaRPr lang="ko-KR" altLang="en-US" dirty="0">
+              <a:solidFill>
+                <a:schemeClr val="tx1"/>
+              </a:solidFill>
+            </a:endParaRPr>
+          </a:p>
+        </p:txBody>
+      </p:sp>
+      <p:cxnSp>
+        <p:nvCxnSpPr>
+          <p:cNvPr id="40" name="직선 화살표 연결선 39"/>
+          <p:cNvCxnSpPr>
+            <a:stCxn id="27" idx="3"/>
+          </p:cNvCxnSpPr>
+          <p:nvPr/>
+        </p:nvCxnSpPr>
+        <p:spPr>
+          <a:xfrm>
+            <a:off x="971600" y="2312876"/>
+            <a:ext cx="360040" cy="72008"/>
+          </a:xfrm>
+          <a:prstGeom prst="straightConnector1">
+            <a:avLst/>
+          </a:prstGeom>
+          <a:ln w="25400">
+            <a:solidFill>
+              <a:srgbClr val="FF0000"/>
+            </a:solidFill>
+            <a:tailEnd type="arrow"/>
+          </a:ln>
+        </p:spPr>
+        <p:style>
+          <a:lnRef idx="1">
+            <a:schemeClr val="accent1"/>
+          </a:lnRef>
+          <a:fillRef idx="0">
+            <a:schemeClr val="accent1"/>
+          </a:fillRef>
+          <a:effectRef idx="0">
+            <a:schemeClr val="accent1"/>
+          </a:effectRef>
+          <a:fontRef idx="minor">
+            <a:schemeClr val="tx1"/>
+          </a:fontRef>
+        </p:style>
+      </p:cxnSp>
+      <p:cxnSp>
+        <p:nvCxnSpPr>
+          <p:cNvPr id="42" name="직선 화살표 연결선 41"/>
+          <p:cNvCxnSpPr/>
+          <p:nvPr/>
+        </p:nvCxnSpPr>
+        <p:spPr>
+          <a:xfrm>
+            <a:off x="4427984" y="2276872"/>
+            <a:ext cx="648072" cy="36004"/>
+          </a:xfrm>
+          <a:prstGeom prst="straightConnector1">
+            <a:avLst/>
+          </a:prstGeom>
+          <a:ln w="25400">
+            <a:solidFill>
+              <a:srgbClr val="FF0000"/>
+            </a:solidFill>
+            <a:tailEnd type="arrow"/>
+          </a:ln>
+        </p:spPr>
+        <p:style>
+          <a:lnRef idx="1">
+            <a:schemeClr val="accent1"/>
+          </a:lnRef>
+          <a:fillRef idx="0">
+            <a:schemeClr val="accent1"/>
+          </a:fillRef>
+          <a:effectRef idx="0">
+            <a:schemeClr val="accent1"/>
+          </a:effectRef>
+          <a:fontRef idx="minor">
+            <a:schemeClr val="tx1"/>
+          </a:fontRef>
+        </p:style>
+      </p:cxnSp>
+      <p:cxnSp>
+        <p:nvCxnSpPr>
+          <p:cNvPr id="43" name="직선 화살표 연결선 42"/>
+          <p:cNvCxnSpPr/>
+          <p:nvPr/>
+        </p:nvCxnSpPr>
+        <p:spPr>
+          <a:xfrm flipV="1">
+            <a:off x="6300192" y="2240868"/>
+            <a:ext cx="648072" cy="36004"/>
+          </a:xfrm>
+          <a:prstGeom prst="straightConnector1">
+            <a:avLst/>
+          </a:prstGeom>
+          <a:ln w="25400">
+            <a:solidFill>
+              <a:schemeClr val="accent6">
+                <a:lumMod val="60000"/>
+                <a:lumOff val="40000"/>
+              </a:schemeClr>
+            </a:solidFill>
+            <a:tailEnd type="arrow"/>
+          </a:ln>
+        </p:spPr>
+        <p:style>
+          <a:lnRef idx="1">
+            <a:schemeClr val="accent1"/>
+          </a:lnRef>
+          <a:fillRef idx="0">
+            <a:schemeClr val="accent1"/>
+          </a:fillRef>
+          <a:effectRef idx="0">
+            <a:schemeClr val="accent1"/>
+          </a:effectRef>
+          <a:fontRef idx="minor">
+            <a:schemeClr val="tx1"/>
+          </a:fontRef>
+        </p:style>
+      </p:cxnSp>
+      <p:cxnSp>
+        <p:nvCxnSpPr>
+          <p:cNvPr id="44" name="직선 화살표 연결선 43"/>
+          <p:cNvCxnSpPr/>
+          <p:nvPr/>
+        </p:nvCxnSpPr>
+        <p:spPr>
+          <a:xfrm>
+            <a:off x="8460432" y="2276872"/>
+            <a:ext cx="432048" cy="0"/>
+          </a:xfrm>
+          <a:prstGeom prst="straightConnector1">
+            <a:avLst/>
+          </a:prstGeom>
+          <a:ln w="25400">
+            <a:solidFill>
+              <a:srgbClr val="FF0000"/>
+            </a:solidFill>
+            <a:tailEnd type="none"/>
+          </a:ln>
+        </p:spPr>
+        <p:style>
+          <a:lnRef idx="1">
+            <a:schemeClr val="accent1"/>
+          </a:lnRef>
+          <a:fillRef idx="0">
+            <a:schemeClr val="accent1"/>
+          </a:fillRef>
+          <a:effectRef idx="0">
+            <a:schemeClr val="accent1"/>
+          </a:effectRef>
+          <a:fontRef idx="minor">
+            <a:schemeClr val="tx1"/>
+          </a:fontRef>
+        </p:style>
+      </p:cxnSp>
+      <p:cxnSp>
+        <p:nvCxnSpPr>
+          <p:cNvPr id="46" name="직선 화살표 연결선 45"/>
+          <p:cNvCxnSpPr/>
+          <p:nvPr/>
+        </p:nvCxnSpPr>
+        <p:spPr>
+          <a:xfrm>
+            <a:off x="8820472" y="2060848"/>
+            <a:ext cx="72008" cy="432048"/>
+          </a:xfrm>
+          <a:prstGeom prst="straightConnector1">
+            <a:avLst/>
+          </a:prstGeom>
+          <a:ln w="25400">
+            <a:solidFill>
+              <a:srgbClr val="FF0000"/>
+            </a:solidFill>
+            <a:tailEnd type="none"/>
+          </a:ln>
+        </p:spPr>
+        <p:style>
+          <a:lnRef idx="1">
+            <a:schemeClr val="accent1"/>
+          </a:lnRef>
+          <a:fillRef idx="0">
+            <a:schemeClr val="accent1"/>
+          </a:fillRef>
+          <a:effectRef idx="0">
+            <a:schemeClr val="accent1"/>
+          </a:effectRef>
+          <a:fontRef idx="minor">
+            <a:schemeClr val="tx1"/>
+          </a:fontRef>
+        </p:style>
+      </p:cxnSp>
+      <p:cxnSp>
+        <p:nvCxnSpPr>
+          <p:cNvPr id="47" name="직선 화살표 연결선 46"/>
+          <p:cNvCxnSpPr/>
+          <p:nvPr/>
+        </p:nvCxnSpPr>
+        <p:spPr>
+          <a:xfrm>
+            <a:off x="8892480" y="2060848"/>
+            <a:ext cx="72008" cy="432048"/>
+          </a:xfrm>
+          <a:prstGeom prst="straightConnector1">
+            <a:avLst/>
+          </a:prstGeom>
+          <a:ln w="25400">
+            <a:solidFill>
+              <a:srgbClr val="FF0000"/>
+            </a:solidFill>
+            <a:tailEnd type="none"/>
+          </a:ln>
+        </p:spPr>
+        <p:style>
+          <a:lnRef idx="1">
+            <a:schemeClr val="accent1"/>
+          </a:lnRef>
+          <a:fillRef idx="0">
+            <a:schemeClr val="accent1"/>
+          </a:fillRef>
+          <a:effectRef idx="0">
+            <a:schemeClr val="accent1"/>
+          </a:effectRef>
+          <a:fontRef idx="minor">
+            <a:schemeClr val="tx1"/>
+          </a:fontRef>
+        </p:style>
+      </p:cxnSp>
+      <p:cxnSp>
+        <p:nvCxnSpPr>
+          <p:cNvPr id="55" name="직선 화살표 연결선 54"/>
+          <p:cNvCxnSpPr/>
+          <p:nvPr/>
+        </p:nvCxnSpPr>
+        <p:spPr>
+          <a:xfrm flipH="1">
+            <a:off x="5724128" y="1772816"/>
+            <a:ext cx="504056" cy="360040"/>
+          </a:xfrm>
+          <a:prstGeom prst="straightConnector1">
+            <a:avLst/>
+          </a:prstGeom>
+          <a:ln w="25400">
+            <a:solidFill>
+              <a:srgbClr val="FF0000"/>
+            </a:solidFill>
+            <a:tailEnd type="arrow"/>
+          </a:ln>
+        </p:spPr>
+        <p:style>
+          <a:lnRef idx="1">
+            <a:schemeClr val="accent1"/>
+          </a:lnRef>
+          <a:fillRef idx="0">
+            <a:schemeClr val="accent1"/>
+          </a:fillRef>
+          <a:effectRef idx="0">
+            <a:schemeClr val="accent1"/>
+          </a:effectRef>
+          <a:fontRef idx="minor">
+            <a:schemeClr val="tx1"/>
+          </a:fontRef>
+        </p:style>
+      </p:cxnSp>
+      <p:sp>
+        <p:nvSpPr>
+          <p:cNvPr id="56" name="직사각형 55"/>
+          <p:cNvSpPr/>
+          <p:nvPr/>
+        </p:nvSpPr>
+        <p:spPr>
+          <a:xfrm>
+            <a:off x="6012160" y="3140968"/>
+            <a:ext cx="1008112" cy="360040"/>
+          </a:xfrm>
+          <a:prstGeom prst="rect">
+            <a:avLst/>
+          </a:prstGeom>
+          <a:noFill/>
+        </p:spPr>
+        <p:style>
+          <a:lnRef idx="2">
+            <a:schemeClr val="accent1">
+              <a:shade val="50000"/>
+            </a:schemeClr>
+          </a:lnRef>
+          <a:fillRef idx="1">
+            <a:schemeClr val="accent1"/>
+          </a:fillRef>
+          <a:effectRef idx="0">
+            <a:schemeClr val="accent1"/>
+          </a:effectRef>
+          <a:fontRef idx="minor">
+            <a:schemeClr val="lt1"/>
+          </a:fontRef>
+        </p:style>
+        <p:txBody>
+          <a:bodyPr rtlCol="0" anchor="ctr"/>
+          <a:lstStyle/>
+          <a:p>
+            <a:pPr algn="ctr"/>
+            <a:r>
+              <a:rPr lang="en-US" altLang="ko-KR" dirty="0" smtClean="0">
+                <a:solidFill>
+                  <a:schemeClr val="tx1"/>
+                </a:solidFill>
+              </a:rPr>
+              <a:t>30</a:t>
+            </a:r>
+            <a:endParaRPr lang="ko-KR" altLang="en-US" dirty="0">
+              <a:solidFill>
+                <a:schemeClr val="tx1"/>
+              </a:solidFill>
+            </a:endParaRPr>
+          </a:p>
+        </p:txBody>
+      </p:sp>
+      <p:sp>
+        <p:nvSpPr>
+          <p:cNvPr id="57" name="직사각형 56"/>
+          <p:cNvSpPr/>
+          <p:nvPr/>
+        </p:nvSpPr>
+        <p:spPr>
+          <a:xfrm>
+            <a:off x="7020272" y="3140968"/>
+            <a:ext cx="504056" cy="360040"/>
+          </a:xfrm>
+          <a:prstGeom prst="rect">
+            <a:avLst/>
+          </a:prstGeom>
+          <a:solidFill>
+            <a:schemeClr val="accent2">
+              <a:lumMod val="20000"/>
+              <a:lumOff val="80000"/>
+            </a:schemeClr>
+          </a:solidFill>
+        </p:spPr>
+        <p:style>
+          <a:lnRef idx="2">
+            <a:schemeClr val="accent1">
+              <a:shade val="50000"/>
+            </a:schemeClr>
+          </a:lnRef>
+          <a:fillRef idx="1">
+            <a:schemeClr val="accent1"/>
+          </a:fillRef>
+          <a:effectRef idx="0">
+            <a:schemeClr val="accent1"/>
+          </a:effectRef>
+          <a:fontRef idx="minor">
+            <a:schemeClr val="lt1"/>
+          </a:fontRef>
+        </p:style>
+        <p:txBody>
+          <a:bodyPr rtlCol="0" anchor="ctr"/>
+          <a:lstStyle/>
+          <a:p>
+            <a:pPr algn="ctr"/>
+            <a:endParaRPr lang="ko-KR" altLang="en-US" dirty="0">
+              <a:solidFill>
+                <a:schemeClr val="tx1"/>
+              </a:solidFill>
+            </a:endParaRPr>
+          </a:p>
+        </p:txBody>
+      </p:sp>
+      <p:cxnSp>
+        <p:nvCxnSpPr>
+          <p:cNvPr id="61" name="직선 화살표 연결선 60"/>
+          <p:cNvCxnSpPr/>
+          <p:nvPr/>
+        </p:nvCxnSpPr>
+        <p:spPr>
+          <a:xfrm>
+            <a:off x="7380312" y="3284984"/>
+            <a:ext cx="432048" cy="0"/>
+          </a:xfrm>
+          <a:prstGeom prst="straightConnector1">
+            <a:avLst/>
+          </a:prstGeom>
+          <a:ln w="25400">
+            <a:solidFill>
+              <a:schemeClr val="accent6">
+                <a:lumMod val="40000"/>
+                <a:lumOff val="60000"/>
+              </a:schemeClr>
+            </a:solidFill>
+            <a:tailEnd type="none"/>
+          </a:ln>
+        </p:spPr>
+        <p:style>
+          <a:lnRef idx="1">
+            <a:schemeClr val="accent1"/>
+          </a:lnRef>
+          <a:fillRef idx="0">
+            <a:schemeClr val="accent1"/>
+          </a:fillRef>
+          <a:effectRef idx="0">
+            <a:schemeClr val="accent1"/>
+          </a:effectRef>
+          <a:fontRef idx="minor">
+            <a:schemeClr val="tx1"/>
+          </a:fontRef>
+        </p:style>
+      </p:cxnSp>
+      <p:cxnSp>
+        <p:nvCxnSpPr>
+          <p:cNvPr id="63" name="직선 화살표 연결선 62"/>
+          <p:cNvCxnSpPr/>
+          <p:nvPr/>
+        </p:nvCxnSpPr>
+        <p:spPr>
+          <a:xfrm>
+            <a:off x="7740352" y="3068960"/>
+            <a:ext cx="72008" cy="432048"/>
+          </a:xfrm>
+          <a:prstGeom prst="straightConnector1">
+            <a:avLst/>
+          </a:prstGeom>
+          <a:ln w="25400">
+            <a:solidFill>
+              <a:schemeClr val="accent6">
+                <a:lumMod val="60000"/>
+                <a:lumOff val="40000"/>
+              </a:schemeClr>
+            </a:solidFill>
+            <a:tailEnd type="none"/>
+          </a:ln>
+        </p:spPr>
+        <p:style>
+          <a:lnRef idx="1">
+            <a:schemeClr val="accent1"/>
+          </a:lnRef>
+          <a:fillRef idx="0">
+            <a:schemeClr val="accent1"/>
+          </a:fillRef>
+          <a:effectRef idx="0">
+            <a:schemeClr val="accent1"/>
+          </a:effectRef>
+          <a:fontRef idx="minor">
+            <a:schemeClr val="tx1"/>
+          </a:fontRef>
+        </p:style>
+      </p:cxnSp>
+      <p:cxnSp>
+        <p:nvCxnSpPr>
+          <p:cNvPr id="64" name="직선 화살표 연결선 63"/>
+          <p:cNvCxnSpPr/>
+          <p:nvPr/>
+        </p:nvCxnSpPr>
+        <p:spPr>
+          <a:xfrm>
+            <a:off x="7812360" y="3068960"/>
+            <a:ext cx="72008" cy="432048"/>
+          </a:xfrm>
+          <a:prstGeom prst="straightConnector1">
+            <a:avLst/>
+          </a:prstGeom>
+          <a:ln w="25400">
+            <a:solidFill>
+              <a:schemeClr val="accent6">
+                <a:lumMod val="60000"/>
+                <a:lumOff val="40000"/>
+              </a:schemeClr>
+            </a:solidFill>
+            <a:tailEnd type="none"/>
+          </a:ln>
+        </p:spPr>
+        <p:style>
+          <a:lnRef idx="1">
+            <a:schemeClr val="accent1"/>
+          </a:lnRef>
+          <a:fillRef idx="0">
+            <a:schemeClr val="accent1"/>
+          </a:fillRef>
+          <a:effectRef idx="0">
+            <a:schemeClr val="accent1"/>
+          </a:effectRef>
+          <a:fontRef idx="minor">
+            <a:schemeClr val="tx1"/>
+          </a:fontRef>
+        </p:style>
+      </p:cxnSp>
+      <p:cxnSp>
+        <p:nvCxnSpPr>
+          <p:cNvPr id="67" name="직선 화살표 연결선 66"/>
+          <p:cNvCxnSpPr>
+            <a:stCxn id="57" idx="0"/>
+            <a:endCxn id="35" idx="2"/>
+          </p:cNvCxnSpPr>
+          <p:nvPr/>
+        </p:nvCxnSpPr>
+        <p:spPr>
+          <a:xfrm flipV="1">
+            <a:off x="7272300" y="2492896"/>
+            <a:ext cx="180020" cy="648072"/>
+          </a:xfrm>
+          <a:prstGeom prst="straightConnector1">
+            <a:avLst/>
+          </a:prstGeom>
+          <a:ln w="25400">
+            <a:solidFill>
+              <a:schemeClr val="accent3">
+                <a:lumMod val="50000"/>
+              </a:schemeClr>
+            </a:solidFill>
+            <a:tailEnd type="arrow"/>
+          </a:ln>
+        </p:spPr>
+        <p:style>
+          <a:lnRef idx="1">
+            <a:schemeClr val="accent1"/>
+          </a:lnRef>
+          <a:fillRef idx="0">
+            <a:schemeClr val="accent1"/>
+          </a:fillRef>
+          <a:effectRef idx="0">
+            <a:schemeClr val="accent1"/>
+          </a:effectRef>
+          <a:fontRef idx="minor">
+            <a:schemeClr val="tx1"/>
+          </a:fontRef>
+        </p:style>
+      </p:cxnSp>
+      <p:cxnSp>
+        <p:nvCxnSpPr>
+          <p:cNvPr id="68" name="직선 화살표 연결선 67"/>
+          <p:cNvCxnSpPr>
+            <a:stCxn id="34" idx="2"/>
+            <a:endCxn id="56" idx="0"/>
+          </p:cNvCxnSpPr>
+          <p:nvPr/>
+        </p:nvCxnSpPr>
+        <p:spPr>
+          <a:xfrm>
+            <a:off x="6336196" y="2492896"/>
+            <a:ext cx="180020" cy="648072"/>
+          </a:xfrm>
+          <a:prstGeom prst="straightConnector1">
+            <a:avLst/>
+          </a:prstGeom>
+          <a:ln w="25400">
+            <a:solidFill>
+              <a:schemeClr val="accent3">
+                <a:lumMod val="50000"/>
+              </a:schemeClr>
+            </a:solidFill>
+            <a:tailEnd type="arrow"/>
+          </a:ln>
+        </p:spPr>
+        <p:style>
+          <a:lnRef idx="1">
+            <a:schemeClr val="accent1"/>
+          </a:lnRef>
+          <a:fillRef idx="0">
+            <a:schemeClr val="accent1"/>
+          </a:fillRef>
+          <a:effectRef idx="0">
+            <a:schemeClr val="accent1"/>
+          </a:effectRef>
+          <a:fontRef idx="minor">
+            <a:schemeClr val="tx1"/>
+          </a:fontRef>
+        </p:style>
+      </p:cxnSp>
+      <p:sp>
+        <p:nvSpPr>
+          <p:cNvPr id="72" name="직사각형 71"/>
+          <p:cNvSpPr/>
+          <p:nvPr/>
+        </p:nvSpPr>
+        <p:spPr>
+          <a:xfrm>
+            <a:off x="5220072" y="3717032"/>
+            <a:ext cx="1979712" cy="360040"/>
+          </a:xfrm>
+          <a:prstGeom prst="rect">
+            <a:avLst/>
+          </a:prstGeom>
+        </p:spPr>
+        <p:style>
+          <a:lnRef idx="2">
+            <a:schemeClr val="accent1">
+              <a:shade val="50000"/>
+            </a:schemeClr>
+          </a:lnRef>
+          <a:fillRef idx="1">
+            <a:schemeClr val="accent1"/>
+          </a:fillRef>
+          <a:effectRef idx="0">
+            <a:schemeClr val="accent1"/>
+          </a:effectRef>
+          <a:fontRef idx="minor">
+            <a:schemeClr val="lt1"/>
+          </a:fontRef>
+        </p:style>
+        <p:txBody>
+          <a:bodyPr rtlCol="0" anchor="ctr"/>
+          <a:lstStyle/>
+          <a:p>
+            <a:pPr algn="ctr"/>
+            <a:r>
+              <a:rPr lang="en-US" altLang="ko-KR" dirty="0" err="1" smtClean="0"/>
+              <a:t>newnode</a:t>
+            </a:r>
+            <a:endParaRPr lang="ko-KR" altLang="en-US" dirty="0"/>
+          </a:p>
+        </p:txBody>
+      </p:sp>
+      <p:cxnSp>
+        <p:nvCxnSpPr>
+          <p:cNvPr id="73" name="직선 화살표 연결선 72"/>
+          <p:cNvCxnSpPr>
+            <a:endCxn id="56" idx="1"/>
+          </p:cNvCxnSpPr>
+          <p:nvPr/>
+        </p:nvCxnSpPr>
+        <p:spPr>
+          <a:xfrm flipV="1">
+            <a:off x="5652120" y="3320988"/>
+            <a:ext cx="360040" cy="396044"/>
+          </a:xfrm>
+          <a:prstGeom prst="straightConnector1">
+            <a:avLst/>
+          </a:prstGeom>
+          <a:ln w="25400">
+            <a:solidFill>
+              <a:srgbClr val="FF0000"/>
+            </a:solidFill>
+            <a:tailEnd type="arrow"/>
+          </a:ln>
+        </p:spPr>
+        <p:style>
+          <a:lnRef idx="1">
+            <a:schemeClr val="accent1"/>
+          </a:lnRef>
+          <a:fillRef idx="0">
+            <a:schemeClr val="accent1"/>
+          </a:fillRef>
+          <a:effectRef idx="0">
+            <a:schemeClr val="accent1"/>
+          </a:effectRef>
+          <a:fontRef idx="minor">
+            <a:schemeClr val="tx1"/>
+          </a:fontRef>
+        </p:style>
+      </p:cxnSp>
+      <p:sp>
+        <p:nvSpPr>
+          <p:cNvPr id="74" name="직사각형 73"/>
+          <p:cNvSpPr/>
+          <p:nvPr/>
+        </p:nvSpPr>
+        <p:spPr>
+          <a:xfrm>
+            <a:off x="5796136" y="1412776"/>
+            <a:ext cx="1152128" cy="360040"/>
+          </a:xfrm>
+          <a:prstGeom prst="rect">
+            <a:avLst/>
+          </a:prstGeom>
+        </p:spPr>
+        <p:style>
+          <a:lnRef idx="2">
+            <a:schemeClr val="accent1">
+              <a:shade val="50000"/>
+            </a:schemeClr>
+          </a:lnRef>
+          <a:fillRef idx="1">
+            <a:schemeClr val="accent1"/>
+          </a:fillRef>
+          <a:effectRef idx="0">
+            <a:schemeClr val="accent1"/>
+          </a:effectRef>
+          <a:fontRef idx="minor">
+            <a:schemeClr val="lt1"/>
+          </a:fontRef>
+        </p:style>
+        <p:txBody>
+          <a:bodyPr rtlCol="0" anchor="ctr"/>
+          <a:lstStyle/>
+          <a:p>
+            <a:pPr algn="ctr"/>
+            <a:r>
+              <a:rPr lang="en-US" altLang="ko-KR" dirty="0" smtClean="0"/>
+              <a:t>cur</a:t>
+            </a:r>
+            <a:endParaRPr lang="ko-KR" altLang="en-US" dirty="0"/>
+          </a:p>
+        </p:txBody>
+      </p:sp>
+      <p:sp>
+        <p:nvSpPr>
+          <p:cNvPr id="81" name="직사각형 80"/>
+          <p:cNvSpPr/>
+          <p:nvPr/>
+        </p:nvSpPr>
+        <p:spPr>
+          <a:xfrm>
+            <a:off x="7524328" y="2636912"/>
+            <a:ext cx="381836" cy="369332"/>
+          </a:xfrm>
+          <a:prstGeom prst="rect">
+            <a:avLst/>
+          </a:prstGeom>
+        </p:spPr>
+        <p:txBody>
+          <a:bodyPr wrap="none">
+            <a:spAutoFit/>
+          </a:bodyPr>
+          <a:lstStyle/>
+          <a:p>
+            <a:r>
+              <a:rPr lang="en-US" altLang="ko-KR" dirty="0" smtClean="0"/>
+              <a:t>1)</a:t>
+            </a:r>
+            <a:endParaRPr lang="ko-KR" altLang="en-US" dirty="0"/>
+          </a:p>
+        </p:txBody>
+      </p:sp>
+      <p:sp>
+        <p:nvSpPr>
+          <p:cNvPr id="82" name="직사각형 81"/>
+          <p:cNvSpPr/>
+          <p:nvPr/>
+        </p:nvSpPr>
+        <p:spPr>
+          <a:xfrm>
+            <a:off x="5076056" y="4581128"/>
+            <a:ext cx="3810659" cy="369332"/>
+          </a:xfrm>
+          <a:prstGeom prst="rect">
+            <a:avLst/>
+          </a:prstGeom>
+        </p:spPr>
+        <p:txBody>
+          <a:bodyPr wrap="none">
+            <a:spAutoFit/>
+          </a:bodyPr>
+          <a:lstStyle/>
+          <a:p>
+            <a:pPr algn="ctr"/>
+            <a:r>
+              <a:rPr lang="ko-KR" altLang="en-US" b="1" dirty="0" err="1" smtClean="0">
+                <a:solidFill>
+                  <a:srgbClr val="FF0000"/>
+                </a:solidFill>
+              </a:rPr>
+              <a:t>연결시</a:t>
+            </a:r>
+            <a:r>
+              <a:rPr lang="ko-KR" altLang="en-US" b="1" dirty="0" smtClean="0">
+                <a:solidFill>
+                  <a:srgbClr val="FF0000"/>
+                </a:solidFill>
+              </a:rPr>
+              <a:t> 새로운 </a:t>
+            </a:r>
+            <a:r>
+              <a:rPr lang="ko-KR" altLang="en-US" b="1" dirty="0" err="1" smtClean="0">
+                <a:solidFill>
+                  <a:srgbClr val="FF0000"/>
+                </a:solidFill>
+              </a:rPr>
+              <a:t>노드의</a:t>
+            </a:r>
+            <a:r>
+              <a:rPr lang="ko-KR" altLang="en-US" b="1" dirty="0" smtClean="0">
+                <a:solidFill>
+                  <a:srgbClr val="FF0000"/>
+                </a:solidFill>
+              </a:rPr>
+              <a:t> 연결을 먼저</a:t>
+            </a:r>
+            <a:r>
+              <a:rPr lang="en-US" altLang="ko-KR" b="1" dirty="0" smtClean="0">
+                <a:solidFill>
+                  <a:srgbClr val="FF0000"/>
+                </a:solidFill>
+              </a:rPr>
+              <a:t>!</a:t>
+            </a:r>
+            <a:endParaRPr lang="ko-KR" altLang="en-US" b="1" dirty="0">
+              <a:solidFill>
+                <a:srgbClr val="FF0000"/>
+              </a:solidFill>
+            </a:endParaRPr>
+          </a:p>
+        </p:txBody>
+      </p:sp>
+      <p:sp>
+        <p:nvSpPr>
+          <p:cNvPr id="83" name="직사각형 82"/>
+          <p:cNvSpPr/>
+          <p:nvPr/>
+        </p:nvSpPr>
+        <p:spPr>
+          <a:xfrm>
+            <a:off x="5940152" y="2564904"/>
+            <a:ext cx="381836" cy="369332"/>
+          </a:xfrm>
+          <a:prstGeom prst="rect">
+            <a:avLst/>
+          </a:prstGeom>
+        </p:spPr>
+        <p:txBody>
+          <a:bodyPr wrap="none">
+            <a:spAutoFit/>
+          </a:bodyPr>
+          <a:lstStyle/>
+          <a:p>
+            <a:r>
+              <a:rPr lang="en-US" altLang="ko-KR" dirty="0" smtClean="0"/>
+              <a:t>2)</a:t>
+            </a:r>
+            <a:endParaRPr lang="ko-KR" altLang="en-US" dirty="0"/>
+          </a:p>
+        </p:txBody>
+      </p:sp>
+      <p:sp>
+        <p:nvSpPr>
+          <p:cNvPr id="84" name="직사각형 83"/>
+          <p:cNvSpPr/>
+          <p:nvPr/>
+        </p:nvSpPr>
+        <p:spPr>
+          <a:xfrm>
+            <a:off x="395536" y="3140968"/>
+            <a:ext cx="4105611" cy="2862322"/>
+          </a:xfrm>
+          <a:prstGeom prst="rect">
+            <a:avLst/>
+          </a:prstGeom>
+        </p:spPr>
+        <p:txBody>
+          <a:bodyPr wrap="none">
+            <a:spAutoFit/>
+          </a:bodyPr>
+          <a:lstStyle/>
+          <a:p>
+            <a:pPr marL="342900" indent="-342900">
+              <a:buAutoNum type="arabicPeriod"/>
+            </a:pPr>
+            <a:r>
+              <a:rPr lang="ko-KR" altLang="en-US" dirty="0" err="1" smtClean="0"/>
+              <a:t>노드</a:t>
+            </a:r>
+            <a:r>
+              <a:rPr lang="ko-KR" altLang="en-US" dirty="0" smtClean="0"/>
+              <a:t> 생성 및 초기화</a:t>
+            </a:r>
+            <a:endParaRPr lang="en-US" altLang="ko-KR" dirty="0" smtClean="0"/>
+          </a:p>
+          <a:p>
+            <a:pPr marL="342900" indent="-342900">
+              <a:buAutoNum type="arabicPeriod"/>
+            </a:pPr>
+            <a:endParaRPr lang="en-US" altLang="ko-KR" dirty="0" smtClean="0"/>
+          </a:p>
+          <a:p>
+            <a:pPr marL="342900" indent="-342900">
+              <a:buAutoNum type="arabicPeriod"/>
+            </a:pPr>
+            <a:r>
+              <a:rPr lang="ko-KR" altLang="en-US" dirty="0" smtClean="0"/>
+              <a:t>그림에 있는 </a:t>
+            </a:r>
+            <a:r>
+              <a:rPr lang="en-US" altLang="ko-KR" dirty="0" smtClean="0"/>
+              <a:t>2</a:t>
+            </a:r>
+            <a:r>
+              <a:rPr lang="ko-KR" altLang="en-US" dirty="0" smtClean="0"/>
+              <a:t>개의 연결흐름작성</a:t>
+            </a:r>
+            <a:endParaRPr lang="en-US" altLang="ko-KR" dirty="0" smtClean="0"/>
+          </a:p>
+          <a:p>
+            <a:pPr marL="342900" indent="-342900">
+              <a:buAutoNum type="arabicPeriod"/>
+            </a:pPr>
+            <a:endParaRPr lang="en-US" altLang="ko-KR" dirty="0" smtClean="0"/>
+          </a:p>
+          <a:p>
+            <a:pPr marL="342900" indent="-342900">
+              <a:buAutoNum type="arabicPeriod"/>
+            </a:pPr>
+            <a:r>
+              <a:rPr lang="en-US" altLang="ko-KR" dirty="0" smtClean="0"/>
+              <a:t>size 1</a:t>
+            </a:r>
+            <a:r>
+              <a:rPr lang="ko-KR" altLang="en-US" dirty="0" smtClean="0"/>
+              <a:t>증가</a:t>
+            </a:r>
+            <a:endParaRPr lang="en-US" altLang="ko-KR" dirty="0" smtClean="0"/>
+          </a:p>
+          <a:p>
+            <a:pPr marL="342900" indent="-342900">
+              <a:buAutoNum type="arabicPeriod"/>
+            </a:pPr>
+            <a:endParaRPr lang="en-US" altLang="ko-KR" dirty="0" smtClean="0"/>
+          </a:p>
+          <a:p>
+            <a:pPr marL="342900" indent="-342900">
+              <a:buAutoNum type="arabicPeriod"/>
+            </a:pPr>
+            <a:r>
+              <a:rPr lang="en-US" altLang="ko-KR" dirty="0" smtClean="0"/>
+              <a:t>True</a:t>
+            </a:r>
+            <a:r>
+              <a:rPr lang="ko-KR" altLang="en-US" dirty="0" smtClean="0"/>
+              <a:t>반환</a:t>
+            </a:r>
+            <a:endParaRPr lang="en-US" altLang="ko-KR" dirty="0" smtClean="0"/>
+          </a:p>
+          <a:p>
+            <a:pPr marL="342900" indent="-342900">
+              <a:buAutoNum type="arabicPeriod"/>
+            </a:pPr>
+            <a:endParaRPr lang="en-US" altLang="ko-KR" dirty="0" smtClean="0"/>
+          </a:p>
+          <a:p>
+            <a:pPr marL="342900" indent="-342900">
+              <a:buFont typeface="Arial" charset="0"/>
+              <a:buChar char="•"/>
+            </a:pPr>
+            <a:r>
+              <a:rPr lang="ko-KR" altLang="en-US" b="1" dirty="0" smtClean="0">
+                <a:solidFill>
+                  <a:srgbClr val="FF0000"/>
+                </a:solidFill>
+              </a:rPr>
+              <a:t>연결에 대한 다른 상황을 생각</a:t>
+            </a:r>
+            <a:r>
+              <a:rPr lang="en-US" altLang="ko-KR" b="1" dirty="0" smtClean="0">
+                <a:solidFill>
+                  <a:srgbClr val="FF0000"/>
+                </a:solidFill>
+              </a:rPr>
+              <a:t>!!    </a:t>
+            </a:r>
+          </a:p>
+          <a:p>
+            <a:pPr marL="342900" indent="-342900"/>
+            <a:r>
+              <a:rPr lang="en-US" altLang="ko-KR" b="1" dirty="0" smtClean="0">
+                <a:solidFill>
+                  <a:srgbClr val="FF0000"/>
+                </a:solidFill>
+              </a:rPr>
+              <a:t> </a:t>
+            </a:r>
+            <a:r>
+              <a:rPr lang="en-US" altLang="ko-KR" b="1" dirty="0" smtClean="0">
+                <a:solidFill>
+                  <a:srgbClr val="FF0000"/>
+                </a:solidFill>
+              </a:rPr>
+              <a:t>   cur</a:t>
+            </a:r>
+            <a:r>
+              <a:rPr lang="ko-KR" altLang="en-US" b="1" dirty="0" smtClean="0">
+                <a:solidFill>
+                  <a:srgbClr val="FF0000"/>
+                </a:solidFill>
+              </a:rPr>
+              <a:t>의 위치가 마지막 노드일때</a:t>
+            </a:r>
+            <a:endParaRPr lang="ko-KR" altLang="en-US" b="1" dirty="0">
+              <a:solidFill>
+                <a:srgbClr val="FF0000"/>
+              </a:solidFill>
+            </a:endParaRPr>
+          </a:p>
+        </p:txBody>
+      </p:sp>
+    </p:spTree>
+  </p:cSld>
+  <p:clrMapOvr>
+    <a:masterClrMapping/>
+  </p:clrMapOvr>
+</p:sld>
+</file>
+
+<file path=ppt/slides/slide33.xml><?xml version="1.0" encoding="utf-8"?>
+<p:sld xmlns:a="http://schemas.openxmlformats.org/drawingml/2006/main" xmlns:r="http://schemas.openxmlformats.org/officeDocument/2006/relationships" xmlns:p="http://schemas.openxmlformats.org/presentationml/2006/main">
+  <p:cSld>
+    <p:spTree>
+      <p:nvGrpSpPr>
+        <p:cNvPr id="1" name=""/>
+        <p:cNvGrpSpPr/>
+        <p:nvPr/>
+      </p:nvGrpSpPr>
+      <p:grpSpPr>
+        <a:xfrm>
+          <a:off x="0" y="0"/>
+          <a:ext cx="0" cy="0"/>
+          <a:chOff x="0" y="0"/>
+          <a:chExt cx="0" cy="0"/>
+        </a:xfrm>
+      </p:grpSpPr>
+      <p:sp>
+        <p:nvSpPr>
+          <p:cNvPr id="5" name="TextBox 4"/>
+          <p:cNvSpPr txBox="1"/>
+          <p:nvPr/>
+        </p:nvSpPr>
+        <p:spPr>
+          <a:xfrm>
+            <a:off x="251520" y="260648"/>
+            <a:ext cx="5976664" cy="400110"/>
+          </a:xfrm>
+          <a:prstGeom prst="rect">
+            <a:avLst/>
+          </a:prstGeom>
+          <a:noFill/>
+        </p:spPr>
+        <p:txBody>
+          <a:bodyPr wrap="square" rtlCol="0">
+            <a:spAutoFit/>
+          </a:bodyPr>
+          <a:lstStyle/>
+          <a:p>
+            <a:r>
+              <a:rPr lang="ko-KR" altLang="en-US" sz="2000" b="1" dirty="0" smtClean="0"/>
+              <a:t>자료구조 </a:t>
+            </a:r>
+            <a:r>
+              <a:rPr lang="en-US" altLang="ko-KR" sz="2000" b="1" dirty="0" smtClean="0"/>
+              <a:t>2</a:t>
+            </a:r>
+            <a:r>
+              <a:rPr lang="ko-KR" altLang="en-US" sz="2000" b="1" dirty="0" smtClean="0"/>
+              <a:t>일차</a:t>
+            </a:r>
+            <a:r>
+              <a:rPr lang="en-US" altLang="ko-KR" sz="2000" b="1" dirty="0" smtClean="0"/>
+              <a:t>(</a:t>
+            </a:r>
+            <a:r>
+              <a:rPr lang="ko-KR" altLang="en-US" sz="2000" b="1" dirty="0" smtClean="0"/>
+              <a:t>연결리스트</a:t>
+            </a:r>
+            <a:r>
+              <a:rPr lang="en-US" altLang="ko-KR" sz="2000" b="1" dirty="0" smtClean="0"/>
+              <a:t>)</a:t>
+            </a:r>
+            <a:endParaRPr lang="ko-KR" altLang="en-US" sz="2000" b="1" dirty="0"/>
+          </a:p>
+        </p:txBody>
+      </p:sp>
+      <p:sp>
+        <p:nvSpPr>
+          <p:cNvPr id="38" name="직사각형 37"/>
+          <p:cNvSpPr/>
+          <p:nvPr/>
+        </p:nvSpPr>
+        <p:spPr>
+          <a:xfrm>
+            <a:off x="611560" y="836712"/>
+            <a:ext cx="5352043" cy="646331"/>
+          </a:xfrm>
+          <a:prstGeom prst="rect">
+            <a:avLst/>
+          </a:prstGeom>
+        </p:spPr>
+        <p:txBody>
+          <a:bodyPr wrap="none">
+            <a:spAutoFit/>
+          </a:bodyPr>
+          <a:lstStyle/>
+          <a:p>
+            <a:r>
+              <a:rPr lang="en-US" altLang="ko-KR" dirty="0" smtClean="0"/>
+              <a:t>8step</a:t>
+            </a:r>
+            <a:r>
+              <a:rPr lang="en-US" altLang="ko-KR" dirty="0" smtClean="0"/>
+              <a:t>) public </a:t>
+            </a:r>
+            <a:r>
+              <a:rPr lang="en-US" altLang="ko-KR" dirty="0" err="1" smtClean="0"/>
+              <a:t>boolean</a:t>
+            </a:r>
+            <a:r>
+              <a:rPr lang="en-US" altLang="ko-KR" dirty="0" smtClean="0"/>
+              <a:t> </a:t>
+            </a:r>
+            <a:r>
+              <a:rPr lang="en-US" altLang="ko-KR" dirty="0" err="1" smtClean="0"/>
+              <a:t>random_delete</a:t>
+            </a:r>
+            <a:r>
+              <a:rPr lang="en-US" altLang="ko-KR" dirty="0" smtClean="0"/>
+              <a:t>(Node </a:t>
+            </a:r>
+            <a:r>
+              <a:rPr lang="en-US" altLang="ko-KR" dirty="0" err="1" smtClean="0"/>
+              <a:t>prev</a:t>
+            </a:r>
+            <a:r>
+              <a:rPr lang="en-US" altLang="ko-KR" dirty="0" smtClean="0"/>
+              <a:t>)</a:t>
+            </a:r>
+          </a:p>
+          <a:p>
+            <a:r>
+              <a:rPr lang="en-US" altLang="ko-KR" dirty="0" smtClean="0"/>
+              <a:t>         cur </a:t>
+            </a:r>
+            <a:r>
+              <a:rPr lang="ko-KR" altLang="en-US" dirty="0" smtClean="0"/>
+              <a:t>의 다음 노드 삭제</a:t>
+            </a:r>
+            <a:endParaRPr lang="en-US" altLang="ko-KR" dirty="0" smtClean="0"/>
+          </a:p>
+        </p:txBody>
+      </p:sp>
+      <p:sp>
+        <p:nvSpPr>
+          <p:cNvPr id="27" name="직사각형 26"/>
+          <p:cNvSpPr/>
+          <p:nvPr/>
+        </p:nvSpPr>
+        <p:spPr>
+          <a:xfrm>
+            <a:off x="216024" y="2132856"/>
+            <a:ext cx="755576" cy="360040"/>
+          </a:xfrm>
+          <a:prstGeom prst="rect">
+            <a:avLst/>
+          </a:prstGeom>
+        </p:spPr>
+        <p:style>
+          <a:lnRef idx="2">
+            <a:schemeClr val="accent1">
+              <a:shade val="50000"/>
+            </a:schemeClr>
+          </a:lnRef>
+          <a:fillRef idx="1">
+            <a:schemeClr val="accent1"/>
+          </a:fillRef>
+          <a:effectRef idx="0">
+            <a:schemeClr val="accent1"/>
+          </a:effectRef>
+          <a:fontRef idx="minor">
+            <a:schemeClr val="lt1"/>
+          </a:fontRef>
+        </p:style>
+        <p:txBody>
+          <a:bodyPr rtlCol="0" anchor="ctr"/>
+          <a:lstStyle/>
+          <a:p>
+            <a:pPr algn="ctr"/>
+            <a:r>
+              <a:rPr lang="en-US" altLang="ko-KR" dirty="0" smtClean="0"/>
+              <a:t>head</a:t>
+            </a:r>
+            <a:endParaRPr lang="ko-KR" altLang="en-US" dirty="0"/>
+          </a:p>
+        </p:txBody>
+      </p:sp>
+      <p:cxnSp>
+        <p:nvCxnSpPr>
+          <p:cNvPr id="28" name="직선 화살표 연결선 27"/>
+          <p:cNvCxnSpPr>
+            <a:endCxn id="31" idx="1"/>
+          </p:cNvCxnSpPr>
+          <p:nvPr/>
+        </p:nvCxnSpPr>
+        <p:spPr>
+          <a:xfrm>
+            <a:off x="2555776" y="2276872"/>
+            <a:ext cx="648072" cy="36004"/>
+          </a:xfrm>
+          <a:prstGeom prst="straightConnector1">
+            <a:avLst/>
+          </a:prstGeom>
+          <a:ln w="25400">
+            <a:solidFill>
+              <a:srgbClr val="FF0000"/>
+            </a:solidFill>
+            <a:tailEnd type="arrow"/>
+          </a:ln>
+        </p:spPr>
+        <p:style>
+          <a:lnRef idx="1">
+            <a:schemeClr val="accent1"/>
+          </a:lnRef>
+          <a:fillRef idx="0">
+            <a:schemeClr val="accent1"/>
+          </a:fillRef>
+          <a:effectRef idx="0">
+            <a:schemeClr val="accent1"/>
+          </a:effectRef>
+          <a:fontRef idx="minor">
+            <a:schemeClr val="tx1"/>
+          </a:fontRef>
+        </p:style>
+      </p:cxnSp>
+      <p:sp>
+        <p:nvSpPr>
+          <p:cNvPr id="29" name="직사각형 28"/>
+          <p:cNvSpPr/>
+          <p:nvPr/>
+        </p:nvSpPr>
+        <p:spPr>
+          <a:xfrm>
+            <a:off x="1259632" y="2132856"/>
+            <a:ext cx="1008112" cy="360040"/>
+          </a:xfrm>
+          <a:prstGeom prst="rect">
+            <a:avLst/>
+          </a:prstGeom>
+          <a:noFill/>
+        </p:spPr>
+        <p:style>
+          <a:lnRef idx="2">
+            <a:schemeClr val="accent1">
+              <a:shade val="50000"/>
+            </a:schemeClr>
+          </a:lnRef>
+          <a:fillRef idx="1">
+            <a:schemeClr val="accent1"/>
+          </a:fillRef>
+          <a:effectRef idx="0">
+            <a:schemeClr val="accent1"/>
+          </a:effectRef>
+          <a:fontRef idx="minor">
+            <a:schemeClr val="lt1"/>
+          </a:fontRef>
+        </p:style>
+        <p:txBody>
+          <a:bodyPr rtlCol="0" anchor="ctr"/>
+          <a:lstStyle/>
+          <a:p>
+            <a:pPr algn="ctr"/>
+            <a:r>
+              <a:rPr lang="en-US" altLang="ko-KR" dirty="0" smtClean="0">
+                <a:solidFill>
+                  <a:schemeClr val="tx1"/>
+                </a:solidFill>
+              </a:rPr>
+              <a:t>1</a:t>
+            </a:r>
+            <a:endParaRPr lang="ko-KR" altLang="en-US" dirty="0">
+              <a:solidFill>
+                <a:schemeClr val="tx1"/>
+              </a:solidFill>
+            </a:endParaRPr>
+          </a:p>
+        </p:txBody>
+      </p:sp>
+      <p:sp>
+        <p:nvSpPr>
+          <p:cNvPr id="30" name="직사각형 29"/>
+          <p:cNvSpPr/>
+          <p:nvPr/>
+        </p:nvSpPr>
+        <p:spPr>
+          <a:xfrm>
+            <a:off x="2267744" y="2132856"/>
+            <a:ext cx="504056" cy="360040"/>
+          </a:xfrm>
+          <a:prstGeom prst="rect">
+            <a:avLst/>
+          </a:prstGeom>
+          <a:noFill/>
+        </p:spPr>
+        <p:style>
+          <a:lnRef idx="2">
+            <a:schemeClr val="accent1">
+              <a:shade val="50000"/>
+            </a:schemeClr>
+          </a:lnRef>
+          <a:fillRef idx="1">
+            <a:schemeClr val="accent1"/>
+          </a:fillRef>
+          <a:effectRef idx="0">
+            <a:schemeClr val="accent1"/>
+          </a:effectRef>
+          <a:fontRef idx="minor">
+            <a:schemeClr val="lt1"/>
+          </a:fontRef>
+        </p:style>
+        <p:txBody>
+          <a:bodyPr rtlCol="0" anchor="ctr"/>
+          <a:lstStyle/>
+          <a:p>
+            <a:pPr algn="ctr"/>
+            <a:endParaRPr lang="ko-KR" altLang="en-US" dirty="0">
+              <a:solidFill>
+                <a:schemeClr val="tx1"/>
+              </a:solidFill>
+            </a:endParaRPr>
+          </a:p>
+        </p:txBody>
+      </p:sp>
+      <p:sp>
+        <p:nvSpPr>
+          <p:cNvPr id="31" name="직사각형 30"/>
+          <p:cNvSpPr/>
+          <p:nvPr/>
+        </p:nvSpPr>
+        <p:spPr>
+          <a:xfrm>
+            <a:off x="3203848" y="2132856"/>
+            <a:ext cx="1008112" cy="360040"/>
+          </a:xfrm>
+          <a:prstGeom prst="rect">
+            <a:avLst/>
+          </a:prstGeom>
+          <a:noFill/>
+        </p:spPr>
+        <p:style>
+          <a:lnRef idx="2">
+            <a:schemeClr val="accent1">
+              <a:shade val="50000"/>
+            </a:schemeClr>
+          </a:lnRef>
+          <a:fillRef idx="1">
+            <a:schemeClr val="accent1"/>
+          </a:fillRef>
+          <a:effectRef idx="0">
+            <a:schemeClr val="accent1"/>
+          </a:effectRef>
+          <a:fontRef idx="minor">
+            <a:schemeClr val="lt1"/>
+          </a:fontRef>
+        </p:style>
+        <p:txBody>
+          <a:bodyPr rtlCol="0" anchor="ctr"/>
+          <a:lstStyle/>
+          <a:p>
+            <a:pPr algn="ctr"/>
+            <a:r>
+              <a:rPr lang="en-US" altLang="ko-KR" dirty="0" smtClean="0">
+                <a:solidFill>
+                  <a:schemeClr val="tx1"/>
+                </a:solidFill>
+              </a:rPr>
+              <a:t>2</a:t>
+            </a:r>
+            <a:endParaRPr lang="ko-KR" altLang="en-US" dirty="0">
+              <a:solidFill>
+                <a:schemeClr val="tx1"/>
+              </a:solidFill>
+            </a:endParaRPr>
+          </a:p>
+        </p:txBody>
+      </p:sp>
+      <p:sp>
+        <p:nvSpPr>
+          <p:cNvPr id="32" name="직사각형 31"/>
+          <p:cNvSpPr/>
+          <p:nvPr/>
+        </p:nvSpPr>
+        <p:spPr>
+          <a:xfrm>
+            <a:off x="4211960" y="2132856"/>
+            <a:ext cx="504056" cy="360040"/>
+          </a:xfrm>
+          <a:prstGeom prst="rect">
+            <a:avLst/>
+          </a:prstGeom>
+          <a:solidFill>
+            <a:srgbClr val="FFC000"/>
+          </a:solidFill>
+        </p:spPr>
+        <p:style>
+          <a:lnRef idx="2">
+            <a:schemeClr val="accent1">
+              <a:shade val="50000"/>
+            </a:schemeClr>
+          </a:lnRef>
+          <a:fillRef idx="1">
+            <a:schemeClr val="accent1"/>
+          </a:fillRef>
+          <a:effectRef idx="0">
+            <a:schemeClr val="accent1"/>
+          </a:effectRef>
+          <a:fontRef idx="minor">
+            <a:schemeClr val="lt1"/>
+          </a:fontRef>
+        </p:style>
+        <p:txBody>
+          <a:bodyPr rtlCol="0" anchor="ctr"/>
+          <a:lstStyle/>
+          <a:p>
+            <a:pPr algn="ctr"/>
+            <a:endParaRPr lang="ko-KR" altLang="en-US" dirty="0">
+              <a:solidFill>
+                <a:schemeClr val="tx1"/>
+              </a:solidFill>
+            </a:endParaRPr>
+          </a:p>
+        </p:txBody>
+      </p:sp>
+      <p:sp>
+        <p:nvSpPr>
+          <p:cNvPr id="33" name="직사각형 32"/>
+          <p:cNvSpPr/>
+          <p:nvPr/>
+        </p:nvSpPr>
+        <p:spPr>
+          <a:xfrm>
+            <a:off x="5076056" y="2132856"/>
+            <a:ext cx="1008112" cy="360040"/>
+          </a:xfrm>
+          <a:prstGeom prst="rect">
+            <a:avLst/>
+          </a:prstGeom>
+          <a:noFill/>
+        </p:spPr>
+        <p:style>
+          <a:lnRef idx="2">
+            <a:schemeClr val="accent1">
+              <a:shade val="50000"/>
+            </a:schemeClr>
+          </a:lnRef>
+          <a:fillRef idx="1">
+            <a:schemeClr val="accent1"/>
+          </a:fillRef>
+          <a:effectRef idx="0">
+            <a:schemeClr val="accent1"/>
+          </a:effectRef>
+          <a:fontRef idx="minor">
+            <a:schemeClr val="lt1"/>
+          </a:fontRef>
+        </p:style>
+        <p:txBody>
+          <a:bodyPr rtlCol="0" anchor="ctr"/>
+          <a:lstStyle/>
+          <a:p>
+            <a:pPr algn="ctr"/>
+            <a:r>
+              <a:rPr lang="en-US" altLang="ko-KR" dirty="0" smtClean="0">
+                <a:solidFill>
+                  <a:schemeClr val="tx1"/>
+                </a:solidFill>
+              </a:rPr>
+              <a:t>3</a:t>
+            </a:r>
+            <a:endParaRPr lang="ko-KR" altLang="en-US" dirty="0">
+              <a:solidFill>
+                <a:schemeClr val="tx1"/>
+              </a:solidFill>
+            </a:endParaRPr>
+          </a:p>
+        </p:txBody>
+      </p:sp>
+      <p:sp>
+        <p:nvSpPr>
+          <p:cNvPr id="34" name="직사각형 33"/>
+          <p:cNvSpPr/>
+          <p:nvPr/>
+        </p:nvSpPr>
+        <p:spPr>
+          <a:xfrm>
+            <a:off x="6084168" y="2132856"/>
+            <a:ext cx="504056" cy="360040"/>
+          </a:xfrm>
+          <a:prstGeom prst="rect">
+            <a:avLst/>
+          </a:prstGeom>
+          <a:noFill/>
+        </p:spPr>
+        <p:style>
+          <a:lnRef idx="2">
+            <a:schemeClr val="accent1">
+              <a:shade val="50000"/>
+            </a:schemeClr>
+          </a:lnRef>
+          <a:fillRef idx="1">
+            <a:schemeClr val="accent1"/>
+          </a:fillRef>
+          <a:effectRef idx="0">
+            <a:schemeClr val="accent1"/>
+          </a:effectRef>
+          <a:fontRef idx="minor">
+            <a:schemeClr val="lt1"/>
+          </a:fontRef>
+        </p:style>
+        <p:txBody>
+          <a:bodyPr rtlCol="0" anchor="ctr"/>
+          <a:lstStyle/>
+          <a:p>
+            <a:pPr algn="ctr"/>
+            <a:endParaRPr lang="ko-KR" altLang="en-US" dirty="0">
+              <a:solidFill>
+                <a:schemeClr val="tx1"/>
+              </a:solidFill>
+            </a:endParaRPr>
+          </a:p>
+        </p:txBody>
+      </p:sp>
+      <p:sp>
+        <p:nvSpPr>
+          <p:cNvPr id="35" name="직사각형 34"/>
+          <p:cNvSpPr/>
+          <p:nvPr/>
+        </p:nvSpPr>
+        <p:spPr>
+          <a:xfrm>
+            <a:off x="6948264" y="2132856"/>
+            <a:ext cx="1008112" cy="360040"/>
+          </a:xfrm>
+          <a:prstGeom prst="rect">
+            <a:avLst/>
+          </a:prstGeom>
+          <a:noFill/>
+        </p:spPr>
+        <p:style>
+          <a:lnRef idx="2">
+            <a:schemeClr val="accent1">
+              <a:shade val="50000"/>
+            </a:schemeClr>
+          </a:lnRef>
+          <a:fillRef idx="1">
+            <a:schemeClr val="accent1"/>
+          </a:fillRef>
+          <a:effectRef idx="0">
+            <a:schemeClr val="accent1"/>
+          </a:effectRef>
+          <a:fontRef idx="minor">
+            <a:schemeClr val="lt1"/>
+          </a:fontRef>
+        </p:style>
+        <p:txBody>
+          <a:bodyPr rtlCol="0" anchor="ctr"/>
+          <a:lstStyle/>
+          <a:p>
+            <a:pPr algn="ctr"/>
+            <a:r>
+              <a:rPr lang="en-US" altLang="ko-KR" dirty="0" smtClean="0">
+                <a:solidFill>
+                  <a:schemeClr val="tx1"/>
+                </a:solidFill>
+              </a:rPr>
+              <a:t>4</a:t>
+            </a:r>
+            <a:endParaRPr lang="ko-KR" altLang="en-US" dirty="0">
+              <a:solidFill>
+                <a:schemeClr val="tx1"/>
+              </a:solidFill>
+            </a:endParaRPr>
+          </a:p>
+        </p:txBody>
+      </p:sp>
+      <p:sp>
+        <p:nvSpPr>
+          <p:cNvPr id="39" name="직사각형 38"/>
+          <p:cNvSpPr/>
+          <p:nvPr/>
+        </p:nvSpPr>
+        <p:spPr>
+          <a:xfrm>
+            <a:off x="7956376" y="2132856"/>
+            <a:ext cx="504056" cy="360040"/>
+          </a:xfrm>
+          <a:prstGeom prst="rect">
+            <a:avLst/>
+          </a:prstGeom>
+          <a:noFill/>
+        </p:spPr>
+        <p:style>
+          <a:lnRef idx="2">
+            <a:schemeClr val="accent1">
+              <a:shade val="50000"/>
+            </a:schemeClr>
+          </a:lnRef>
+          <a:fillRef idx="1">
+            <a:schemeClr val="accent1"/>
+          </a:fillRef>
+          <a:effectRef idx="0">
+            <a:schemeClr val="accent1"/>
+          </a:effectRef>
+          <a:fontRef idx="minor">
+            <a:schemeClr val="lt1"/>
+          </a:fontRef>
+        </p:style>
+        <p:txBody>
+          <a:bodyPr rtlCol="0" anchor="ctr"/>
+          <a:lstStyle/>
+          <a:p>
+            <a:pPr algn="ctr"/>
+            <a:endParaRPr lang="ko-KR" altLang="en-US" dirty="0">
+              <a:solidFill>
+                <a:schemeClr val="tx1"/>
+              </a:solidFill>
+            </a:endParaRPr>
+          </a:p>
+        </p:txBody>
+      </p:sp>
+      <p:cxnSp>
+        <p:nvCxnSpPr>
+          <p:cNvPr id="40" name="직선 화살표 연결선 39"/>
+          <p:cNvCxnSpPr>
+            <a:stCxn id="27" idx="3"/>
+          </p:cNvCxnSpPr>
+          <p:nvPr/>
+        </p:nvCxnSpPr>
+        <p:spPr>
+          <a:xfrm>
+            <a:off x="971600" y="2312876"/>
+            <a:ext cx="360040" cy="72008"/>
+          </a:xfrm>
+          <a:prstGeom prst="straightConnector1">
+            <a:avLst/>
+          </a:prstGeom>
+          <a:ln w="25400">
+            <a:solidFill>
+              <a:srgbClr val="FF0000"/>
+            </a:solidFill>
+            <a:tailEnd type="arrow"/>
+          </a:ln>
+        </p:spPr>
+        <p:style>
+          <a:lnRef idx="1">
+            <a:schemeClr val="accent1"/>
+          </a:lnRef>
+          <a:fillRef idx="0">
+            <a:schemeClr val="accent1"/>
+          </a:fillRef>
+          <a:effectRef idx="0">
+            <a:schemeClr val="accent1"/>
+          </a:effectRef>
+          <a:fontRef idx="minor">
+            <a:schemeClr val="tx1"/>
+          </a:fontRef>
+        </p:style>
+      </p:cxnSp>
+      <p:cxnSp>
+        <p:nvCxnSpPr>
+          <p:cNvPr id="42" name="직선 화살표 연결선 41"/>
+          <p:cNvCxnSpPr/>
+          <p:nvPr/>
+        </p:nvCxnSpPr>
+        <p:spPr>
+          <a:xfrm>
+            <a:off x="4427984" y="2276872"/>
+            <a:ext cx="648072" cy="36004"/>
+          </a:xfrm>
+          <a:prstGeom prst="straightConnector1">
+            <a:avLst/>
+          </a:prstGeom>
+          <a:ln w="25400">
+            <a:solidFill>
+              <a:srgbClr val="FF0000"/>
+            </a:solidFill>
+            <a:tailEnd type="arrow"/>
+          </a:ln>
+        </p:spPr>
+        <p:style>
+          <a:lnRef idx="1">
+            <a:schemeClr val="accent1"/>
+          </a:lnRef>
+          <a:fillRef idx="0">
+            <a:schemeClr val="accent1"/>
+          </a:fillRef>
+          <a:effectRef idx="0">
+            <a:schemeClr val="accent1"/>
+          </a:effectRef>
+          <a:fontRef idx="minor">
+            <a:schemeClr val="tx1"/>
+          </a:fontRef>
+        </p:style>
+      </p:cxnSp>
+      <p:cxnSp>
+        <p:nvCxnSpPr>
+          <p:cNvPr id="43" name="직선 화살표 연결선 42"/>
+          <p:cNvCxnSpPr/>
+          <p:nvPr/>
+        </p:nvCxnSpPr>
+        <p:spPr>
+          <a:xfrm flipV="1">
+            <a:off x="6300192" y="2240868"/>
+            <a:ext cx="648072" cy="36004"/>
+          </a:xfrm>
+          <a:prstGeom prst="straightConnector1">
+            <a:avLst/>
+          </a:prstGeom>
+          <a:ln w="25400">
+            <a:solidFill>
+              <a:srgbClr val="FF0000"/>
+            </a:solidFill>
+            <a:tailEnd type="arrow"/>
+          </a:ln>
+        </p:spPr>
+        <p:style>
+          <a:lnRef idx="1">
+            <a:schemeClr val="accent1"/>
+          </a:lnRef>
+          <a:fillRef idx="0">
+            <a:schemeClr val="accent1"/>
+          </a:fillRef>
+          <a:effectRef idx="0">
+            <a:schemeClr val="accent1"/>
+          </a:effectRef>
+          <a:fontRef idx="minor">
+            <a:schemeClr val="tx1"/>
+          </a:fontRef>
+        </p:style>
+      </p:cxnSp>
+      <p:cxnSp>
+        <p:nvCxnSpPr>
+          <p:cNvPr id="44" name="직선 화살표 연결선 43"/>
+          <p:cNvCxnSpPr/>
+          <p:nvPr/>
+        </p:nvCxnSpPr>
+        <p:spPr>
+          <a:xfrm>
+            <a:off x="8460432" y="2276872"/>
+            <a:ext cx="432048" cy="0"/>
+          </a:xfrm>
+          <a:prstGeom prst="straightConnector1">
+            <a:avLst/>
+          </a:prstGeom>
+          <a:ln w="25400">
+            <a:solidFill>
+              <a:srgbClr val="FF0000"/>
+            </a:solidFill>
+            <a:tailEnd type="none"/>
+          </a:ln>
+        </p:spPr>
+        <p:style>
+          <a:lnRef idx="1">
+            <a:schemeClr val="accent1"/>
+          </a:lnRef>
+          <a:fillRef idx="0">
+            <a:schemeClr val="accent1"/>
+          </a:fillRef>
+          <a:effectRef idx="0">
+            <a:schemeClr val="accent1"/>
+          </a:effectRef>
+          <a:fontRef idx="minor">
+            <a:schemeClr val="tx1"/>
+          </a:fontRef>
+        </p:style>
+      </p:cxnSp>
+      <p:cxnSp>
+        <p:nvCxnSpPr>
+          <p:cNvPr id="46" name="직선 화살표 연결선 45"/>
+          <p:cNvCxnSpPr/>
+          <p:nvPr/>
+        </p:nvCxnSpPr>
+        <p:spPr>
+          <a:xfrm>
+            <a:off x="8820472" y="2060848"/>
+            <a:ext cx="72008" cy="432048"/>
+          </a:xfrm>
+          <a:prstGeom prst="straightConnector1">
+            <a:avLst/>
+          </a:prstGeom>
+          <a:ln w="25400">
+            <a:solidFill>
+              <a:srgbClr val="FF0000"/>
+            </a:solidFill>
+            <a:tailEnd type="none"/>
+          </a:ln>
+        </p:spPr>
+        <p:style>
+          <a:lnRef idx="1">
+            <a:schemeClr val="accent1"/>
+          </a:lnRef>
+          <a:fillRef idx="0">
+            <a:schemeClr val="accent1"/>
+          </a:fillRef>
+          <a:effectRef idx="0">
+            <a:schemeClr val="accent1"/>
+          </a:effectRef>
+          <a:fontRef idx="minor">
+            <a:schemeClr val="tx1"/>
+          </a:fontRef>
+        </p:style>
+      </p:cxnSp>
+      <p:cxnSp>
+        <p:nvCxnSpPr>
+          <p:cNvPr id="47" name="직선 화살표 연결선 46"/>
+          <p:cNvCxnSpPr/>
+          <p:nvPr/>
+        </p:nvCxnSpPr>
+        <p:spPr>
+          <a:xfrm>
+            <a:off x="8892480" y="2060848"/>
+            <a:ext cx="72008" cy="432048"/>
+          </a:xfrm>
+          <a:prstGeom prst="straightConnector1">
+            <a:avLst/>
+          </a:prstGeom>
+          <a:ln w="25400">
+            <a:solidFill>
+              <a:srgbClr val="FF0000"/>
+            </a:solidFill>
+            <a:tailEnd type="none"/>
+          </a:ln>
+        </p:spPr>
+        <p:style>
+          <a:lnRef idx="1">
+            <a:schemeClr val="accent1"/>
+          </a:lnRef>
+          <a:fillRef idx="0">
+            <a:schemeClr val="accent1"/>
+          </a:fillRef>
+          <a:effectRef idx="0">
+            <a:schemeClr val="accent1"/>
+          </a:effectRef>
+          <a:fontRef idx="minor">
+            <a:schemeClr val="tx1"/>
+          </a:fontRef>
+        </p:style>
+      </p:cxnSp>
+      <p:cxnSp>
+        <p:nvCxnSpPr>
+          <p:cNvPr id="55" name="직선 화살표 연결선 54"/>
+          <p:cNvCxnSpPr/>
+          <p:nvPr/>
+        </p:nvCxnSpPr>
+        <p:spPr>
+          <a:xfrm flipH="1">
+            <a:off x="3995936" y="1772816"/>
+            <a:ext cx="504056" cy="360040"/>
+          </a:xfrm>
+          <a:prstGeom prst="straightConnector1">
+            <a:avLst/>
+          </a:prstGeom>
+          <a:ln w="25400">
+            <a:solidFill>
+              <a:srgbClr val="FF0000"/>
+            </a:solidFill>
+            <a:tailEnd type="arrow"/>
+          </a:ln>
+        </p:spPr>
+        <p:style>
+          <a:lnRef idx="1">
+            <a:schemeClr val="accent1"/>
+          </a:lnRef>
+          <a:fillRef idx="0">
+            <a:schemeClr val="accent1"/>
+          </a:fillRef>
+          <a:effectRef idx="0">
+            <a:schemeClr val="accent1"/>
+          </a:effectRef>
+          <a:fontRef idx="minor">
+            <a:schemeClr val="tx1"/>
+          </a:fontRef>
+        </p:style>
+      </p:cxnSp>
+      <p:cxnSp>
+        <p:nvCxnSpPr>
+          <p:cNvPr id="68" name="직선 화살표 연결선 67"/>
+          <p:cNvCxnSpPr/>
+          <p:nvPr/>
+        </p:nvCxnSpPr>
+        <p:spPr>
+          <a:xfrm>
+            <a:off x="4499992" y="2420888"/>
+            <a:ext cx="2664296" cy="0"/>
+          </a:xfrm>
+          <a:prstGeom prst="straightConnector1">
+            <a:avLst/>
+          </a:prstGeom>
+          <a:ln w="25400">
+            <a:solidFill>
+              <a:schemeClr val="accent3">
+                <a:lumMod val="50000"/>
+              </a:schemeClr>
+            </a:solidFill>
+            <a:tailEnd type="arrow"/>
+          </a:ln>
+        </p:spPr>
+        <p:style>
+          <a:lnRef idx="1">
+            <a:schemeClr val="accent1"/>
+          </a:lnRef>
+          <a:fillRef idx="0">
+            <a:schemeClr val="accent1"/>
+          </a:fillRef>
+          <a:effectRef idx="0">
+            <a:schemeClr val="accent1"/>
+          </a:effectRef>
+          <a:fontRef idx="minor">
+            <a:schemeClr val="tx1"/>
+          </a:fontRef>
+        </p:style>
+      </p:cxnSp>
+      <p:sp>
+        <p:nvSpPr>
+          <p:cNvPr id="74" name="직사각형 73"/>
+          <p:cNvSpPr/>
+          <p:nvPr/>
+        </p:nvSpPr>
+        <p:spPr>
+          <a:xfrm>
+            <a:off x="3995936" y="1412776"/>
+            <a:ext cx="1152128" cy="360040"/>
+          </a:xfrm>
+          <a:prstGeom prst="rect">
+            <a:avLst/>
+          </a:prstGeom>
+        </p:spPr>
+        <p:style>
+          <a:lnRef idx="2">
+            <a:schemeClr val="accent1">
+              <a:shade val="50000"/>
+            </a:schemeClr>
+          </a:lnRef>
+          <a:fillRef idx="1">
+            <a:schemeClr val="accent1"/>
+          </a:fillRef>
+          <a:effectRef idx="0">
+            <a:schemeClr val="accent1"/>
+          </a:effectRef>
+          <a:fontRef idx="minor">
+            <a:schemeClr val="lt1"/>
+          </a:fontRef>
+        </p:style>
+        <p:txBody>
+          <a:bodyPr rtlCol="0" anchor="ctr"/>
+          <a:lstStyle/>
+          <a:p>
+            <a:pPr algn="ctr"/>
+            <a:r>
+              <a:rPr lang="en-US" altLang="ko-KR" dirty="0" err="1" smtClean="0"/>
+              <a:t>prev</a:t>
+            </a:r>
+            <a:endParaRPr lang="ko-KR" altLang="en-US" dirty="0"/>
+          </a:p>
+        </p:txBody>
+      </p:sp>
+      <p:sp>
+        <p:nvSpPr>
+          <p:cNvPr id="84" name="직사각형 83"/>
+          <p:cNvSpPr/>
+          <p:nvPr/>
+        </p:nvSpPr>
+        <p:spPr>
+          <a:xfrm>
+            <a:off x="395536" y="3140968"/>
+            <a:ext cx="7382149" cy="2308324"/>
+          </a:xfrm>
+          <a:prstGeom prst="rect">
+            <a:avLst/>
+          </a:prstGeom>
+        </p:spPr>
+        <p:txBody>
+          <a:bodyPr wrap="none">
+            <a:spAutoFit/>
+          </a:bodyPr>
+          <a:lstStyle/>
+          <a:p>
+            <a:pPr marL="342900" indent="-342900">
+              <a:buAutoNum type="arabicPeriod"/>
+            </a:pPr>
+            <a:r>
+              <a:rPr lang="ko-KR" altLang="en-US" dirty="0" smtClean="0"/>
+              <a:t>삭제 연결 연산</a:t>
+            </a:r>
+            <a:endParaRPr lang="en-US" altLang="ko-KR" dirty="0" smtClean="0"/>
+          </a:p>
+          <a:p>
+            <a:pPr marL="342900" indent="-342900"/>
+            <a:endParaRPr lang="en-US" altLang="ko-KR" dirty="0" smtClean="0"/>
+          </a:p>
+          <a:p>
+            <a:pPr marL="342900" indent="-342900"/>
+            <a:r>
+              <a:rPr lang="en-US" altLang="ko-KR" dirty="0" smtClean="0"/>
+              <a:t>2. size 1</a:t>
+            </a:r>
+            <a:r>
+              <a:rPr lang="ko-KR" altLang="en-US" dirty="0" smtClean="0"/>
+              <a:t> </a:t>
+            </a:r>
+            <a:r>
+              <a:rPr lang="ko-KR" altLang="en-US" dirty="0" smtClean="0"/>
+              <a:t>감소</a:t>
+            </a:r>
+            <a:endParaRPr lang="en-US" altLang="ko-KR" dirty="0" smtClean="0"/>
+          </a:p>
+          <a:p>
+            <a:pPr marL="342900" indent="-342900">
+              <a:buAutoNum type="arabicPeriod"/>
+            </a:pPr>
+            <a:endParaRPr lang="en-US" altLang="ko-KR" dirty="0" smtClean="0"/>
+          </a:p>
+          <a:p>
+            <a:pPr marL="342900" indent="-342900"/>
+            <a:r>
+              <a:rPr lang="en-US" altLang="ko-KR" dirty="0" smtClean="0"/>
+              <a:t>3. True</a:t>
+            </a:r>
+            <a:r>
+              <a:rPr lang="ko-KR" altLang="en-US" dirty="0" smtClean="0"/>
+              <a:t>반환</a:t>
+            </a:r>
+            <a:endParaRPr lang="en-US" altLang="ko-KR" dirty="0" smtClean="0"/>
+          </a:p>
+          <a:p>
+            <a:pPr marL="342900" indent="-342900">
+              <a:buAutoNum type="arabicPeriod"/>
+            </a:pPr>
+            <a:endParaRPr lang="en-US" altLang="ko-KR" dirty="0" smtClean="0"/>
+          </a:p>
+          <a:p>
+            <a:pPr marL="342900" indent="-342900">
+              <a:buFont typeface="Arial" charset="0"/>
+              <a:buChar char="•"/>
+            </a:pPr>
+            <a:r>
+              <a:rPr lang="ko-KR" altLang="en-US" dirty="0" smtClean="0">
+                <a:solidFill>
+                  <a:srgbClr val="FF0000"/>
+                </a:solidFill>
+              </a:rPr>
+              <a:t>만약 </a:t>
+            </a:r>
+            <a:r>
+              <a:rPr lang="en-US" altLang="ko-KR" dirty="0" smtClean="0">
+                <a:solidFill>
+                  <a:srgbClr val="FF0000"/>
+                </a:solidFill>
+              </a:rPr>
+              <a:t>3</a:t>
+            </a:r>
+            <a:r>
+              <a:rPr lang="ko-KR" altLang="en-US" dirty="0" smtClean="0">
+                <a:solidFill>
+                  <a:srgbClr val="FF0000"/>
+                </a:solidFill>
+              </a:rPr>
+              <a:t>을 삭제하는 상황</a:t>
+            </a:r>
+            <a:r>
+              <a:rPr lang="en-US" altLang="ko-KR" dirty="0" smtClean="0">
+                <a:solidFill>
+                  <a:srgbClr val="FF0000"/>
+                </a:solidFill>
+              </a:rPr>
+              <a:t>(1 or 2</a:t>
+            </a:r>
+            <a:r>
+              <a:rPr lang="ko-KR" altLang="en-US" dirty="0" smtClean="0">
+                <a:solidFill>
+                  <a:srgbClr val="FF0000"/>
+                </a:solidFill>
+              </a:rPr>
+              <a:t>를 삭제할 때와 </a:t>
+            </a:r>
+            <a:r>
+              <a:rPr lang="ko-KR" altLang="en-US" b="1" dirty="0" smtClean="0">
+                <a:solidFill>
+                  <a:srgbClr val="FF0000"/>
+                </a:solidFill>
+              </a:rPr>
+              <a:t>동일 연산</a:t>
+            </a:r>
+            <a:r>
+              <a:rPr lang="en-US" altLang="ko-KR" dirty="0" smtClean="0">
+                <a:solidFill>
+                  <a:srgbClr val="FF0000"/>
+                </a:solidFill>
+              </a:rPr>
+              <a:t>)</a:t>
+            </a:r>
+          </a:p>
+          <a:p>
+            <a:pPr marL="342900" indent="-342900">
+              <a:buFont typeface="Arial" charset="0"/>
+              <a:buChar char="•"/>
+            </a:pPr>
+            <a:r>
+              <a:rPr lang="ko-KR" altLang="en-US" dirty="0" smtClean="0">
+                <a:solidFill>
+                  <a:srgbClr val="FF0000"/>
+                </a:solidFill>
+              </a:rPr>
+              <a:t>만약 </a:t>
+            </a:r>
+            <a:r>
+              <a:rPr lang="en-US" altLang="ko-KR" dirty="0" smtClean="0">
+                <a:solidFill>
+                  <a:srgbClr val="FF0000"/>
+                </a:solidFill>
+              </a:rPr>
+              <a:t>4</a:t>
+            </a:r>
+            <a:r>
+              <a:rPr lang="ko-KR" altLang="en-US" dirty="0" smtClean="0">
+                <a:solidFill>
+                  <a:srgbClr val="FF0000"/>
+                </a:solidFill>
+              </a:rPr>
+              <a:t>를 삭제하는 상황 </a:t>
+            </a:r>
+            <a:r>
+              <a:rPr lang="en-US" altLang="ko-KR" dirty="0" smtClean="0">
+                <a:solidFill>
+                  <a:srgbClr val="FF0000"/>
+                </a:solidFill>
+              </a:rPr>
+              <a:t>: </a:t>
+            </a:r>
+            <a:r>
+              <a:rPr lang="ko-KR" altLang="en-US" b="1" dirty="0" smtClean="0">
+                <a:solidFill>
+                  <a:srgbClr val="FF0000"/>
+                </a:solidFill>
+              </a:rPr>
+              <a:t>다음 </a:t>
+            </a:r>
+            <a:r>
+              <a:rPr lang="ko-KR" altLang="en-US" b="1" dirty="0" err="1" smtClean="0">
+                <a:solidFill>
+                  <a:srgbClr val="FF0000"/>
+                </a:solidFill>
+              </a:rPr>
+              <a:t>노드가</a:t>
+            </a:r>
+            <a:r>
+              <a:rPr lang="ko-KR" altLang="en-US" b="1" dirty="0" smtClean="0">
+                <a:solidFill>
+                  <a:srgbClr val="FF0000"/>
+                </a:solidFill>
+              </a:rPr>
+              <a:t> 없는 상황</a:t>
+            </a:r>
+            <a:r>
+              <a:rPr lang="en-US" altLang="ko-KR" b="1" dirty="0" smtClean="0">
+                <a:solidFill>
+                  <a:srgbClr val="FF0000"/>
+                </a:solidFill>
+              </a:rPr>
+              <a:t>(</a:t>
+            </a:r>
+            <a:r>
+              <a:rPr lang="ko-KR" altLang="en-US" b="1" dirty="0" smtClean="0">
+                <a:solidFill>
+                  <a:srgbClr val="FF0000"/>
+                </a:solidFill>
+              </a:rPr>
+              <a:t>삭제연산 불가능</a:t>
+            </a:r>
+            <a:r>
+              <a:rPr lang="en-US" altLang="ko-KR" b="1" dirty="0" smtClean="0">
+                <a:solidFill>
+                  <a:srgbClr val="FF0000"/>
+                </a:solidFill>
+              </a:rPr>
+              <a:t>)</a:t>
+            </a:r>
+            <a:endParaRPr lang="en-US" altLang="ko-KR" b="1" dirty="0" smtClean="0">
+              <a:solidFill>
+                <a:srgbClr val="FF0000"/>
+              </a:solidFill>
+            </a:endParaRPr>
+          </a:p>
+        </p:txBody>
+      </p:sp>
+      <p:cxnSp>
+        <p:nvCxnSpPr>
+          <p:cNvPr id="41" name="직선 화살표 연결선 40"/>
+          <p:cNvCxnSpPr/>
+          <p:nvPr/>
+        </p:nvCxnSpPr>
+        <p:spPr>
+          <a:xfrm flipH="1">
+            <a:off x="5724128" y="1700808"/>
+            <a:ext cx="504056" cy="360040"/>
+          </a:xfrm>
+          <a:prstGeom prst="straightConnector1">
+            <a:avLst/>
+          </a:prstGeom>
+          <a:ln w="25400">
+            <a:solidFill>
+              <a:srgbClr val="FF0000"/>
+            </a:solidFill>
+            <a:tailEnd type="arrow"/>
+          </a:ln>
+        </p:spPr>
+        <p:style>
+          <a:lnRef idx="1">
+            <a:schemeClr val="accent1"/>
+          </a:lnRef>
+          <a:fillRef idx="0">
+            <a:schemeClr val="accent1"/>
+          </a:fillRef>
+          <a:effectRef idx="0">
+            <a:schemeClr val="accent1"/>
+          </a:effectRef>
+          <a:fontRef idx="minor">
+            <a:schemeClr val="tx1"/>
+          </a:fontRef>
+        </p:style>
+      </p:cxnSp>
+      <p:sp>
+        <p:nvSpPr>
+          <p:cNvPr id="45" name="직사각형 44"/>
+          <p:cNvSpPr/>
+          <p:nvPr/>
+        </p:nvSpPr>
+        <p:spPr>
+          <a:xfrm>
+            <a:off x="5724128" y="1340768"/>
+            <a:ext cx="1152128" cy="360040"/>
+          </a:xfrm>
+          <a:prstGeom prst="rect">
+            <a:avLst/>
+          </a:prstGeom>
+        </p:spPr>
+        <p:style>
+          <a:lnRef idx="2">
+            <a:schemeClr val="accent1">
+              <a:shade val="50000"/>
+            </a:schemeClr>
+          </a:lnRef>
+          <a:fillRef idx="1">
+            <a:schemeClr val="accent1"/>
+          </a:fillRef>
+          <a:effectRef idx="0">
+            <a:schemeClr val="accent1"/>
+          </a:effectRef>
+          <a:fontRef idx="minor">
+            <a:schemeClr val="lt1"/>
+          </a:fontRef>
+        </p:style>
+        <p:txBody>
+          <a:bodyPr rtlCol="0" anchor="ctr"/>
+          <a:lstStyle/>
+          <a:p>
+            <a:pPr algn="ctr"/>
+            <a:r>
+              <a:rPr lang="en-US" altLang="ko-KR" dirty="0" smtClean="0"/>
+              <a:t>del</a:t>
+            </a:r>
+            <a:endParaRPr lang="ko-KR" altLang="en-US" dirty="0"/>
           </a:p>
         </p:txBody>
       </p:sp>
